--- a/Презентация_Алёнушка_6401 — копия.pptx
+++ b/Презентация_Алёнушка_6401 — копия.pptx
@@ -5,7 +5,7 @@
     <p:sldMasterId id="2147483672" r:id="rId1"/>
   </p:sldMasterIdLst>
   <p:notesMasterIdLst>
-    <p:notesMasterId r:id="rId21"/>
+    <p:notesMasterId r:id="rId25"/>
   </p:notesMasterIdLst>
   <p:sldIdLst>
     <p:sldId id="289" r:id="rId2"/>
@@ -18,15 +18,19 @@
     <p:sldId id="296" r:id="rId9"/>
     <p:sldId id="297" r:id="rId10"/>
     <p:sldId id="328" r:id="rId11"/>
-    <p:sldId id="315" r:id="rId12"/>
-    <p:sldId id="322" r:id="rId13"/>
-    <p:sldId id="323" r:id="rId14"/>
-    <p:sldId id="324" r:id="rId15"/>
-    <p:sldId id="305" r:id="rId16"/>
-    <p:sldId id="318" r:id="rId17"/>
-    <p:sldId id="329" r:id="rId18"/>
-    <p:sldId id="330" r:id="rId19"/>
-    <p:sldId id="291" r:id="rId20"/>
+    <p:sldId id="331" r:id="rId12"/>
+    <p:sldId id="335" r:id="rId13"/>
+    <p:sldId id="336" r:id="rId14"/>
+    <p:sldId id="334" r:id="rId15"/>
+    <p:sldId id="315" r:id="rId16"/>
+    <p:sldId id="322" r:id="rId17"/>
+    <p:sldId id="323" r:id="rId18"/>
+    <p:sldId id="324" r:id="rId19"/>
+    <p:sldId id="305" r:id="rId20"/>
+    <p:sldId id="318" r:id="rId21"/>
+    <p:sldId id="329" r:id="rId22"/>
+    <p:sldId id="330" r:id="rId23"/>
+    <p:sldId id="291" r:id="rId24"/>
   </p:sldIdLst>
   <p:sldSz cx="9144000" cy="6858000" type="screen4x3"/>
   <p:notesSz cx="6858000" cy="9144000"/>
@@ -144,6 +148,10 @@
             <p14:sldId id="296"/>
             <p14:sldId id="297"/>
             <p14:sldId id="328"/>
+            <p14:sldId id="331"/>
+            <p14:sldId id="335"/>
+            <p14:sldId id="336"/>
+            <p14:sldId id="334"/>
             <p14:sldId id="315"/>
             <p14:sldId id="322"/>
             <p14:sldId id="323"/>
@@ -701,7 +709,7 @@
     </p:spTree>
     <p:extLst>
       <p:ext uri="{BB962C8B-B14F-4D97-AF65-F5344CB8AC3E}">
-        <p14:creationId xmlns:p14="http://schemas.microsoft.com/office/powerpoint/2010/main" val="1840746225"/>
+        <p14:creationId xmlns:p14="http://schemas.microsoft.com/office/powerpoint/2010/main" val="4273040751"/>
       </p:ext>
     </p:extLst>
   </p:cSld>
@@ -790,7 +798,7 @@
     </p:spTree>
     <p:extLst>
       <p:ext uri="{BB962C8B-B14F-4D97-AF65-F5344CB8AC3E}">
-        <p14:creationId xmlns:p14="http://schemas.microsoft.com/office/powerpoint/2010/main" val="3805420622"/>
+        <p14:creationId xmlns:p14="http://schemas.microsoft.com/office/powerpoint/2010/main" val="3773588147"/>
       </p:ext>
     </p:extLst>
   </p:cSld>
@@ -879,7 +887,7 @@
     </p:spTree>
     <p:extLst>
       <p:ext uri="{BB962C8B-B14F-4D97-AF65-F5344CB8AC3E}">
-        <p14:creationId xmlns:p14="http://schemas.microsoft.com/office/powerpoint/2010/main" val="924943452"/>
+        <p14:creationId xmlns:p14="http://schemas.microsoft.com/office/powerpoint/2010/main" val="532905526"/>
       </p:ext>
     </p:extLst>
   </p:cSld>
@@ -968,7 +976,7 @@
     </p:spTree>
     <p:extLst>
       <p:ext uri="{BB962C8B-B14F-4D97-AF65-F5344CB8AC3E}">
-        <p14:creationId xmlns:p14="http://schemas.microsoft.com/office/powerpoint/2010/main" val="2607166464"/>
+        <p14:creationId xmlns:p14="http://schemas.microsoft.com/office/powerpoint/2010/main" val="2520248155"/>
       </p:ext>
     </p:extLst>
   </p:cSld>
@@ -1057,7 +1065,7 @@
     </p:spTree>
     <p:extLst>
       <p:ext uri="{BB962C8B-B14F-4D97-AF65-F5344CB8AC3E}">
-        <p14:creationId xmlns:p14="http://schemas.microsoft.com/office/powerpoint/2010/main" val="2993430676"/>
+        <p14:creationId xmlns:p14="http://schemas.microsoft.com/office/powerpoint/2010/main" val="1840746225"/>
       </p:ext>
     </p:extLst>
   </p:cSld>
@@ -1072,13 +1080,7 @@
   <p:cSld>
     <p:spTree>
       <p:nvGrpSpPr>
-        <p:cNvPr id="1" name="">
-          <a:extLst>
-            <a:ext uri="{FF2B5EF4-FFF2-40B4-BE49-F238E27FC236}">
-              <a16:creationId xmlns:a16="http://schemas.microsoft.com/office/drawing/2014/main" id="{91FEC4A6-5AE7-CF65-5554-908E2E97D713}"/>
-            </a:ext>
-          </a:extLst>
-        </p:cNvPr>
+        <p:cNvPr id="1" name=""/>
         <p:cNvGrpSpPr/>
         <p:nvPr/>
       </p:nvGrpSpPr>
@@ -1092,13 +1094,7 @@
       </p:grpSpPr>
       <p:sp>
         <p:nvSpPr>
-          <p:cNvPr id="2" name="Образ слайда 1">
-            <a:extLst>
-              <a:ext uri="{FF2B5EF4-FFF2-40B4-BE49-F238E27FC236}">
-                <a16:creationId xmlns:a16="http://schemas.microsoft.com/office/drawing/2014/main" id="{A9C9D4C4-C501-CD6D-7148-5B7E10EF393C}"/>
-              </a:ext>
-            </a:extLst>
-          </p:cNvPr>
+          <p:cNvPr id="2" name="Образ слайда 1"/>
           <p:cNvSpPr>
             <a:spLocks noGrp="1" noRot="1" noChangeAspect="1"/>
           </p:cNvSpPr>
@@ -1115,13 +1111,7 @@
       </p:sp>
       <p:sp>
         <p:nvSpPr>
-          <p:cNvPr id="3" name="Заметки 2">
-            <a:extLst>
-              <a:ext uri="{FF2B5EF4-FFF2-40B4-BE49-F238E27FC236}">
-                <a16:creationId xmlns:a16="http://schemas.microsoft.com/office/drawing/2014/main" id="{F916FD8F-DBAB-1D42-82BF-D3689A9D3FA4}"/>
-              </a:ext>
-            </a:extLst>
-          </p:cNvPr>
+          <p:cNvPr id="3" name="Заметки 2"/>
           <p:cNvSpPr>
             <a:spLocks noGrp="1"/>
           </p:cNvSpPr>
@@ -1140,13 +1130,7 @@
       </p:sp>
       <p:sp>
         <p:nvSpPr>
-          <p:cNvPr id="4" name="Номер слайда 3">
-            <a:extLst>
-              <a:ext uri="{FF2B5EF4-FFF2-40B4-BE49-F238E27FC236}">
-                <a16:creationId xmlns:a16="http://schemas.microsoft.com/office/drawing/2014/main" id="{0DEB34AE-5C26-250E-4D16-8B671523256E}"/>
-              </a:ext>
-            </a:extLst>
-          </p:cNvPr>
+          <p:cNvPr id="4" name="Номер слайда 3"/>
           <p:cNvSpPr>
             <a:spLocks noGrp="1"/>
           </p:cNvSpPr>
@@ -1170,7 +1154,7 @@
     </p:spTree>
     <p:extLst>
       <p:ext uri="{BB962C8B-B14F-4D97-AF65-F5344CB8AC3E}">
-        <p14:creationId xmlns:p14="http://schemas.microsoft.com/office/powerpoint/2010/main" val="3194584015"/>
+        <p14:creationId xmlns:p14="http://schemas.microsoft.com/office/powerpoint/2010/main" val="3805420622"/>
       </p:ext>
     </p:extLst>
   </p:cSld>
@@ -1185,13 +1169,7 @@
   <p:cSld>
     <p:spTree>
       <p:nvGrpSpPr>
-        <p:cNvPr id="1" name="">
-          <a:extLst>
-            <a:ext uri="{FF2B5EF4-FFF2-40B4-BE49-F238E27FC236}">
-              <a16:creationId xmlns:a16="http://schemas.microsoft.com/office/drawing/2014/main" id="{91FEC4A6-5AE7-CF65-5554-908E2E97D713}"/>
-            </a:ext>
-          </a:extLst>
-        </p:cNvPr>
+        <p:cNvPr id="1" name=""/>
         <p:cNvGrpSpPr/>
         <p:nvPr/>
       </p:nvGrpSpPr>
@@ -1205,13 +1183,7 @@
       </p:grpSpPr>
       <p:sp>
         <p:nvSpPr>
-          <p:cNvPr id="2" name="Образ слайда 1">
-            <a:extLst>
-              <a:ext uri="{FF2B5EF4-FFF2-40B4-BE49-F238E27FC236}">
-                <a16:creationId xmlns:a16="http://schemas.microsoft.com/office/drawing/2014/main" id="{A9C9D4C4-C501-CD6D-7148-5B7E10EF393C}"/>
-              </a:ext>
-            </a:extLst>
-          </p:cNvPr>
+          <p:cNvPr id="2" name="Образ слайда 1"/>
           <p:cNvSpPr>
             <a:spLocks noGrp="1" noRot="1" noChangeAspect="1"/>
           </p:cNvSpPr>
@@ -1228,13 +1200,7 @@
       </p:sp>
       <p:sp>
         <p:nvSpPr>
-          <p:cNvPr id="3" name="Заметки 2">
-            <a:extLst>
-              <a:ext uri="{FF2B5EF4-FFF2-40B4-BE49-F238E27FC236}">
-                <a16:creationId xmlns:a16="http://schemas.microsoft.com/office/drawing/2014/main" id="{F916FD8F-DBAB-1D42-82BF-D3689A9D3FA4}"/>
-              </a:ext>
-            </a:extLst>
-          </p:cNvPr>
+          <p:cNvPr id="3" name="Заметки 2"/>
           <p:cNvSpPr>
             <a:spLocks noGrp="1"/>
           </p:cNvSpPr>
@@ -1253,13 +1219,7 @@
       </p:sp>
       <p:sp>
         <p:nvSpPr>
-          <p:cNvPr id="4" name="Номер слайда 3">
-            <a:extLst>
-              <a:ext uri="{FF2B5EF4-FFF2-40B4-BE49-F238E27FC236}">
-                <a16:creationId xmlns:a16="http://schemas.microsoft.com/office/drawing/2014/main" id="{0DEB34AE-5C26-250E-4D16-8B671523256E}"/>
-              </a:ext>
-            </a:extLst>
-          </p:cNvPr>
+          <p:cNvPr id="4" name="Номер слайда 3"/>
           <p:cNvSpPr>
             <a:spLocks noGrp="1"/>
           </p:cNvSpPr>
@@ -1283,7 +1243,7 @@
     </p:spTree>
     <p:extLst>
       <p:ext uri="{BB962C8B-B14F-4D97-AF65-F5344CB8AC3E}">
-        <p14:creationId xmlns:p14="http://schemas.microsoft.com/office/powerpoint/2010/main" val="1080181003"/>
+        <p14:creationId xmlns:p14="http://schemas.microsoft.com/office/powerpoint/2010/main" val="924943452"/>
       </p:ext>
     </p:extLst>
   </p:cSld>
@@ -1298,13 +1258,7 @@
   <p:cSld>
     <p:spTree>
       <p:nvGrpSpPr>
-        <p:cNvPr id="1" name="">
-          <a:extLst>
-            <a:ext uri="{FF2B5EF4-FFF2-40B4-BE49-F238E27FC236}">
-              <a16:creationId xmlns:a16="http://schemas.microsoft.com/office/drawing/2014/main" id="{91FEC4A6-5AE7-CF65-5554-908E2E97D713}"/>
-            </a:ext>
-          </a:extLst>
-        </p:cNvPr>
+        <p:cNvPr id="1" name=""/>
         <p:cNvGrpSpPr/>
         <p:nvPr/>
       </p:nvGrpSpPr>
@@ -1318,13 +1272,7 @@
       </p:grpSpPr>
       <p:sp>
         <p:nvSpPr>
-          <p:cNvPr id="2" name="Образ слайда 1">
-            <a:extLst>
-              <a:ext uri="{FF2B5EF4-FFF2-40B4-BE49-F238E27FC236}">
-                <a16:creationId xmlns:a16="http://schemas.microsoft.com/office/drawing/2014/main" id="{A9C9D4C4-C501-CD6D-7148-5B7E10EF393C}"/>
-              </a:ext>
-            </a:extLst>
-          </p:cNvPr>
+          <p:cNvPr id="2" name="Образ слайда 1"/>
           <p:cNvSpPr>
             <a:spLocks noGrp="1" noRot="1" noChangeAspect="1"/>
           </p:cNvSpPr>
@@ -1341,13 +1289,7 @@
       </p:sp>
       <p:sp>
         <p:nvSpPr>
-          <p:cNvPr id="3" name="Заметки 2">
-            <a:extLst>
-              <a:ext uri="{FF2B5EF4-FFF2-40B4-BE49-F238E27FC236}">
-                <a16:creationId xmlns:a16="http://schemas.microsoft.com/office/drawing/2014/main" id="{F916FD8F-DBAB-1D42-82BF-D3689A9D3FA4}"/>
-              </a:ext>
-            </a:extLst>
-          </p:cNvPr>
+          <p:cNvPr id="3" name="Заметки 2"/>
           <p:cNvSpPr>
             <a:spLocks noGrp="1"/>
           </p:cNvSpPr>
@@ -1366,13 +1308,7 @@
       </p:sp>
       <p:sp>
         <p:nvSpPr>
-          <p:cNvPr id="4" name="Номер слайда 3">
-            <a:extLst>
-              <a:ext uri="{FF2B5EF4-FFF2-40B4-BE49-F238E27FC236}">
-                <a16:creationId xmlns:a16="http://schemas.microsoft.com/office/drawing/2014/main" id="{0DEB34AE-5C26-250E-4D16-8B671523256E}"/>
-              </a:ext>
-            </a:extLst>
-          </p:cNvPr>
+          <p:cNvPr id="4" name="Номер слайда 3"/>
           <p:cNvSpPr>
             <a:spLocks noGrp="1"/>
           </p:cNvSpPr>
@@ -1396,7 +1332,7 @@
     </p:spTree>
     <p:extLst>
       <p:ext uri="{BB962C8B-B14F-4D97-AF65-F5344CB8AC3E}">
-        <p14:creationId xmlns:p14="http://schemas.microsoft.com/office/powerpoint/2010/main" val="2346907130"/>
+        <p14:creationId xmlns:p14="http://schemas.microsoft.com/office/powerpoint/2010/main" val="2607166464"/>
       </p:ext>
     </p:extLst>
   </p:cSld>
@@ -1485,7 +1421,120 @@
     </p:spTree>
     <p:extLst>
       <p:ext uri="{BB962C8B-B14F-4D97-AF65-F5344CB8AC3E}">
-        <p14:creationId xmlns:p14="http://schemas.microsoft.com/office/powerpoint/2010/main" val="937986612"/>
+        <p14:creationId xmlns:p14="http://schemas.microsoft.com/office/powerpoint/2010/main" val="2993430676"/>
+      </p:ext>
+    </p:extLst>
+  </p:cSld>
+  <p:clrMapOvr>
+    <a:masterClrMapping/>
+  </p:clrMapOvr>
+</p:notes>
+</file>
+
+<file path=ppt/notesSlides/notesSlide19.xml><?xml version="1.0" encoding="utf-8"?>
+<p:notes xmlns:a="http://schemas.openxmlformats.org/drawingml/2006/main" xmlns:r="http://schemas.openxmlformats.org/officeDocument/2006/relationships" xmlns:p="http://schemas.openxmlformats.org/presentationml/2006/main">
+  <p:cSld>
+    <p:spTree>
+      <p:nvGrpSpPr>
+        <p:cNvPr id="1" name="">
+          <a:extLst>
+            <a:ext uri="{FF2B5EF4-FFF2-40B4-BE49-F238E27FC236}">
+              <a16:creationId xmlns:a16="http://schemas.microsoft.com/office/drawing/2014/main" id="{91FEC4A6-5AE7-CF65-5554-908E2E97D713}"/>
+            </a:ext>
+          </a:extLst>
+        </p:cNvPr>
+        <p:cNvGrpSpPr/>
+        <p:nvPr/>
+      </p:nvGrpSpPr>
+      <p:grpSpPr>
+        <a:xfrm>
+          <a:off x="0" y="0"/>
+          <a:ext cx="0" cy="0"/>
+          <a:chOff x="0" y="0"/>
+          <a:chExt cx="0" cy="0"/>
+        </a:xfrm>
+      </p:grpSpPr>
+      <p:sp>
+        <p:nvSpPr>
+          <p:cNvPr id="2" name="Образ слайда 1">
+            <a:extLst>
+              <a:ext uri="{FF2B5EF4-FFF2-40B4-BE49-F238E27FC236}">
+                <a16:creationId xmlns:a16="http://schemas.microsoft.com/office/drawing/2014/main" id="{A9C9D4C4-C501-CD6D-7148-5B7E10EF393C}"/>
+              </a:ext>
+            </a:extLst>
+          </p:cNvPr>
+          <p:cNvSpPr>
+            <a:spLocks noGrp="1" noRot="1" noChangeAspect="1"/>
+          </p:cNvSpPr>
+          <p:nvPr>
+            <p:ph type="sldImg"/>
+          </p:nvPr>
+        </p:nvSpPr>
+        <p:spPr>
+          <a:xfrm>
+            <a:off x="1143000" y="685800"/>
+            <a:ext cx="4572000" cy="3429000"/>
+          </a:xfrm>
+        </p:spPr>
+      </p:sp>
+      <p:sp>
+        <p:nvSpPr>
+          <p:cNvPr id="3" name="Заметки 2">
+            <a:extLst>
+              <a:ext uri="{FF2B5EF4-FFF2-40B4-BE49-F238E27FC236}">
+                <a16:creationId xmlns:a16="http://schemas.microsoft.com/office/drawing/2014/main" id="{F916FD8F-DBAB-1D42-82BF-D3689A9D3FA4}"/>
+              </a:ext>
+            </a:extLst>
+          </p:cNvPr>
+          <p:cNvSpPr>
+            <a:spLocks noGrp="1"/>
+          </p:cNvSpPr>
+          <p:nvPr>
+            <p:ph type="body" idx="1"/>
+          </p:nvPr>
+        </p:nvSpPr>
+        <p:spPr/>
+        <p:txBody>
+          <a:bodyPr/>
+          <a:lstStyle/>
+          <a:p>
+            <a:endParaRPr lang="ru-RU"/>
+          </a:p>
+        </p:txBody>
+      </p:sp>
+      <p:sp>
+        <p:nvSpPr>
+          <p:cNvPr id="4" name="Номер слайда 3">
+            <a:extLst>
+              <a:ext uri="{FF2B5EF4-FFF2-40B4-BE49-F238E27FC236}">
+                <a16:creationId xmlns:a16="http://schemas.microsoft.com/office/drawing/2014/main" id="{0DEB34AE-5C26-250E-4D16-8B671523256E}"/>
+              </a:ext>
+            </a:extLst>
+          </p:cNvPr>
+          <p:cNvSpPr>
+            <a:spLocks noGrp="1"/>
+          </p:cNvSpPr>
+          <p:nvPr>
+            <p:ph type="sldNum" sz="quarter" idx="10"/>
+          </p:nvPr>
+        </p:nvSpPr>
+        <p:spPr/>
+        <p:txBody>
+          <a:bodyPr/>
+          <a:lstStyle/>
+          <a:p>
+            <a:fld id="{0048289E-2F4B-4BDB-9E3D-307BE649A8BF}" type="slidenum">
+              <a:rPr lang="ru-RU" smtClean="0"/>
+              <a:t>20</a:t>
+            </a:fld>
+            <a:endParaRPr lang="ru-RU"/>
+          </a:p>
+        </p:txBody>
+      </p:sp>
+    </p:spTree>
+    <p:extLst>
+      <p:ext uri="{BB962C8B-B14F-4D97-AF65-F5344CB8AC3E}">
+        <p14:creationId xmlns:p14="http://schemas.microsoft.com/office/powerpoint/2010/main" val="3194584015"/>
       </p:ext>
     </p:extLst>
   </p:cSld>
@@ -1575,6 +1624,321 @@
     <p:extLst>
       <p:ext uri="{BB962C8B-B14F-4D97-AF65-F5344CB8AC3E}">
         <p14:creationId xmlns:p14="http://schemas.microsoft.com/office/powerpoint/2010/main" val="1941154791"/>
+      </p:ext>
+    </p:extLst>
+  </p:cSld>
+  <p:clrMapOvr>
+    <a:masterClrMapping/>
+  </p:clrMapOvr>
+</p:notes>
+</file>
+
+<file path=ppt/notesSlides/notesSlide20.xml><?xml version="1.0" encoding="utf-8"?>
+<p:notes xmlns:a="http://schemas.openxmlformats.org/drawingml/2006/main" xmlns:r="http://schemas.openxmlformats.org/officeDocument/2006/relationships" xmlns:p="http://schemas.openxmlformats.org/presentationml/2006/main">
+  <p:cSld>
+    <p:spTree>
+      <p:nvGrpSpPr>
+        <p:cNvPr id="1" name="">
+          <a:extLst>
+            <a:ext uri="{FF2B5EF4-FFF2-40B4-BE49-F238E27FC236}">
+              <a16:creationId xmlns:a16="http://schemas.microsoft.com/office/drawing/2014/main" id="{91FEC4A6-5AE7-CF65-5554-908E2E97D713}"/>
+            </a:ext>
+          </a:extLst>
+        </p:cNvPr>
+        <p:cNvGrpSpPr/>
+        <p:nvPr/>
+      </p:nvGrpSpPr>
+      <p:grpSpPr>
+        <a:xfrm>
+          <a:off x="0" y="0"/>
+          <a:ext cx="0" cy="0"/>
+          <a:chOff x="0" y="0"/>
+          <a:chExt cx="0" cy="0"/>
+        </a:xfrm>
+      </p:grpSpPr>
+      <p:sp>
+        <p:nvSpPr>
+          <p:cNvPr id="2" name="Образ слайда 1">
+            <a:extLst>
+              <a:ext uri="{FF2B5EF4-FFF2-40B4-BE49-F238E27FC236}">
+                <a16:creationId xmlns:a16="http://schemas.microsoft.com/office/drawing/2014/main" id="{A9C9D4C4-C501-CD6D-7148-5B7E10EF393C}"/>
+              </a:ext>
+            </a:extLst>
+          </p:cNvPr>
+          <p:cNvSpPr>
+            <a:spLocks noGrp="1" noRot="1" noChangeAspect="1"/>
+          </p:cNvSpPr>
+          <p:nvPr>
+            <p:ph type="sldImg"/>
+          </p:nvPr>
+        </p:nvSpPr>
+        <p:spPr>
+          <a:xfrm>
+            <a:off x="1143000" y="685800"/>
+            <a:ext cx="4572000" cy="3429000"/>
+          </a:xfrm>
+        </p:spPr>
+      </p:sp>
+      <p:sp>
+        <p:nvSpPr>
+          <p:cNvPr id="3" name="Заметки 2">
+            <a:extLst>
+              <a:ext uri="{FF2B5EF4-FFF2-40B4-BE49-F238E27FC236}">
+                <a16:creationId xmlns:a16="http://schemas.microsoft.com/office/drawing/2014/main" id="{F916FD8F-DBAB-1D42-82BF-D3689A9D3FA4}"/>
+              </a:ext>
+            </a:extLst>
+          </p:cNvPr>
+          <p:cNvSpPr>
+            <a:spLocks noGrp="1"/>
+          </p:cNvSpPr>
+          <p:nvPr>
+            <p:ph type="body" idx="1"/>
+          </p:nvPr>
+        </p:nvSpPr>
+        <p:spPr/>
+        <p:txBody>
+          <a:bodyPr/>
+          <a:lstStyle/>
+          <a:p>
+            <a:endParaRPr lang="ru-RU"/>
+          </a:p>
+        </p:txBody>
+      </p:sp>
+      <p:sp>
+        <p:nvSpPr>
+          <p:cNvPr id="4" name="Номер слайда 3">
+            <a:extLst>
+              <a:ext uri="{FF2B5EF4-FFF2-40B4-BE49-F238E27FC236}">
+                <a16:creationId xmlns:a16="http://schemas.microsoft.com/office/drawing/2014/main" id="{0DEB34AE-5C26-250E-4D16-8B671523256E}"/>
+              </a:ext>
+            </a:extLst>
+          </p:cNvPr>
+          <p:cNvSpPr>
+            <a:spLocks noGrp="1"/>
+          </p:cNvSpPr>
+          <p:nvPr>
+            <p:ph type="sldNum" sz="quarter" idx="10"/>
+          </p:nvPr>
+        </p:nvSpPr>
+        <p:spPr/>
+        <p:txBody>
+          <a:bodyPr/>
+          <a:lstStyle/>
+          <a:p>
+            <a:fld id="{0048289E-2F4B-4BDB-9E3D-307BE649A8BF}" type="slidenum">
+              <a:rPr lang="ru-RU" smtClean="0"/>
+              <a:t>21</a:t>
+            </a:fld>
+            <a:endParaRPr lang="ru-RU"/>
+          </a:p>
+        </p:txBody>
+      </p:sp>
+    </p:spTree>
+    <p:extLst>
+      <p:ext uri="{BB962C8B-B14F-4D97-AF65-F5344CB8AC3E}">
+        <p14:creationId xmlns:p14="http://schemas.microsoft.com/office/powerpoint/2010/main" val="1080181003"/>
+      </p:ext>
+    </p:extLst>
+  </p:cSld>
+  <p:clrMapOvr>
+    <a:masterClrMapping/>
+  </p:clrMapOvr>
+</p:notes>
+</file>
+
+<file path=ppt/notesSlides/notesSlide21.xml><?xml version="1.0" encoding="utf-8"?>
+<p:notes xmlns:a="http://schemas.openxmlformats.org/drawingml/2006/main" xmlns:r="http://schemas.openxmlformats.org/officeDocument/2006/relationships" xmlns:p="http://schemas.openxmlformats.org/presentationml/2006/main">
+  <p:cSld>
+    <p:spTree>
+      <p:nvGrpSpPr>
+        <p:cNvPr id="1" name="">
+          <a:extLst>
+            <a:ext uri="{FF2B5EF4-FFF2-40B4-BE49-F238E27FC236}">
+              <a16:creationId xmlns:a16="http://schemas.microsoft.com/office/drawing/2014/main" id="{91FEC4A6-5AE7-CF65-5554-908E2E97D713}"/>
+            </a:ext>
+          </a:extLst>
+        </p:cNvPr>
+        <p:cNvGrpSpPr/>
+        <p:nvPr/>
+      </p:nvGrpSpPr>
+      <p:grpSpPr>
+        <a:xfrm>
+          <a:off x="0" y="0"/>
+          <a:ext cx="0" cy="0"/>
+          <a:chOff x="0" y="0"/>
+          <a:chExt cx="0" cy="0"/>
+        </a:xfrm>
+      </p:grpSpPr>
+      <p:sp>
+        <p:nvSpPr>
+          <p:cNvPr id="2" name="Образ слайда 1">
+            <a:extLst>
+              <a:ext uri="{FF2B5EF4-FFF2-40B4-BE49-F238E27FC236}">
+                <a16:creationId xmlns:a16="http://schemas.microsoft.com/office/drawing/2014/main" id="{A9C9D4C4-C501-CD6D-7148-5B7E10EF393C}"/>
+              </a:ext>
+            </a:extLst>
+          </p:cNvPr>
+          <p:cNvSpPr>
+            <a:spLocks noGrp="1" noRot="1" noChangeAspect="1"/>
+          </p:cNvSpPr>
+          <p:nvPr>
+            <p:ph type="sldImg"/>
+          </p:nvPr>
+        </p:nvSpPr>
+        <p:spPr>
+          <a:xfrm>
+            <a:off x="1143000" y="685800"/>
+            <a:ext cx="4572000" cy="3429000"/>
+          </a:xfrm>
+        </p:spPr>
+      </p:sp>
+      <p:sp>
+        <p:nvSpPr>
+          <p:cNvPr id="3" name="Заметки 2">
+            <a:extLst>
+              <a:ext uri="{FF2B5EF4-FFF2-40B4-BE49-F238E27FC236}">
+                <a16:creationId xmlns:a16="http://schemas.microsoft.com/office/drawing/2014/main" id="{F916FD8F-DBAB-1D42-82BF-D3689A9D3FA4}"/>
+              </a:ext>
+            </a:extLst>
+          </p:cNvPr>
+          <p:cNvSpPr>
+            <a:spLocks noGrp="1"/>
+          </p:cNvSpPr>
+          <p:nvPr>
+            <p:ph type="body" idx="1"/>
+          </p:nvPr>
+        </p:nvSpPr>
+        <p:spPr/>
+        <p:txBody>
+          <a:bodyPr/>
+          <a:lstStyle/>
+          <a:p>
+            <a:endParaRPr lang="ru-RU"/>
+          </a:p>
+        </p:txBody>
+      </p:sp>
+      <p:sp>
+        <p:nvSpPr>
+          <p:cNvPr id="4" name="Номер слайда 3">
+            <a:extLst>
+              <a:ext uri="{FF2B5EF4-FFF2-40B4-BE49-F238E27FC236}">
+                <a16:creationId xmlns:a16="http://schemas.microsoft.com/office/drawing/2014/main" id="{0DEB34AE-5C26-250E-4D16-8B671523256E}"/>
+              </a:ext>
+            </a:extLst>
+          </p:cNvPr>
+          <p:cNvSpPr>
+            <a:spLocks noGrp="1"/>
+          </p:cNvSpPr>
+          <p:nvPr>
+            <p:ph type="sldNum" sz="quarter" idx="10"/>
+          </p:nvPr>
+        </p:nvSpPr>
+        <p:spPr/>
+        <p:txBody>
+          <a:bodyPr/>
+          <a:lstStyle/>
+          <a:p>
+            <a:fld id="{0048289E-2F4B-4BDB-9E3D-307BE649A8BF}" type="slidenum">
+              <a:rPr lang="ru-RU" smtClean="0"/>
+              <a:t>22</a:t>
+            </a:fld>
+            <a:endParaRPr lang="ru-RU"/>
+          </a:p>
+        </p:txBody>
+      </p:sp>
+    </p:spTree>
+    <p:extLst>
+      <p:ext uri="{BB962C8B-B14F-4D97-AF65-F5344CB8AC3E}">
+        <p14:creationId xmlns:p14="http://schemas.microsoft.com/office/powerpoint/2010/main" val="2346907130"/>
+      </p:ext>
+    </p:extLst>
+  </p:cSld>
+  <p:clrMapOvr>
+    <a:masterClrMapping/>
+  </p:clrMapOvr>
+</p:notes>
+</file>
+
+<file path=ppt/notesSlides/notesSlide22.xml><?xml version="1.0" encoding="utf-8"?>
+<p:notes xmlns:a="http://schemas.openxmlformats.org/drawingml/2006/main" xmlns:r="http://schemas.openxmlformats.org/officeDocument/2006/relationships" xmlns:p="http://schemas.openxmlformats.org/presentationml/2006/main">
+  <p:cSld>
+    <p:spTree>
+      <p:nvGrpSpPr>
+        <p:cNvPr id="1" name=""/>
+        <p:cNvGrpSpPr/>
+        <p:nvPr/>
+      </p:nvGrpSpPr>
+      <p:grpSpPr>
+        <a:xfrm>
+          <a:off x="0" y="0"/>
+          <a:ext cx="0" cy="0"/>
+          <a:chOff x="0" y="0"/>
+          <a:chExt cx="0" cy="0"/>
+        </a:xfrm>
+      </p:grpSpPr>
+      <p:sp>
+        <p:nvSpPr>
+          <p:cNvPr id="2" name="Образ слайда 1"/>
+          <p:cNvSpPr>
+            <a:spLocks noGrp="1" noRot="1" noChangeAspect="1"/>
+          </p:cNvSpPr>
+          <p:nvPr>
+            <p:ph type="sldImg"/>
+          </p:nvPr>
+        </p:nvSpPr>
+        <p:spPr>
+          <a:xfrm>
+            <a:off x="1143000" y="685800"/>
+            <a:ext cx="4572000" cy="3429000"/>
+          </a:xfrm>
+        </p:spPr>
+      </p:sp>
+      <p:sp>
+        <p:nvSpPr>
+          <p:cNvPr id="3" name="Заметки 2"/>
+          <p:cNvSpPr>
+            <a:spLocks noGrp="1"/>
+          </p:cNvSpPr>
+          <p:nvPr>
+            <p:ph type="body" idx="1"/>
+          </p:nvPr>
+        </p:nvSpPr>
+        <p:spPr/>
+        <p:txBody>
+          <a:bodyPr/>
+          <a:lstStyle/>
+          <a:p>
+            <a:endParaRPr lang="ru-RU"/>
+          </a:p>
+        </p:txBody>
+      </p:sp>
+      <p:sp>
+        <p:nvSpPr>
+          <p:cNvPr id="4" name="Номер слайда 3"/>
+          <p:cNvSpPr>
+            <a:spLocks noGrp="1"/>
+          </p:cNvSpPr>
+          <p:nvPr>
+            <p:ph type="sldNum" sz="quarter" idx="10"/>
+          </p:nvPr>
+        </p:nvSpPr>
+        <p:spPr/>
+        <p:txBody>
+          <a:bodyPr/>
+          <a:lstStyle/>
+          <a:p>
+            <a:fld id="{0048289E-2F4B-4BDB-9E3D-307BE649A8BF}" type="slidenum">
+              <a:rPr lang="ru-RU" smtClean="0"/>
+              <a:t>23</a:t>
+            </a:fld>
+            <a:endParaRPr lang="ru-RU"/>
+          </a:p>
+        </p:txBody>
+      </p:sp>
+    </p:spTree>
+    <p:extLst>
+      <p:ext uri="{BB962C8B-B14F-4D97-AF65-F5344CB8AC3E}">
+        <p14:creationId xmlns:p14="http://schemas.microsoft.com/office/powerpoint/2010/main" val="937986612"/>
       </p:ext>
     </p:extLst>
   </p:cSld>
@@ -6285,8 +6649,8 @@
           <a:p>
             <a:pPr lvl="0"/>
             <a:r>
-              <a:rPr lang="en-US" sz="1600" b="1" dirty="0" err="1"/>
-              <a:t>ivl</a:t>
+              <a:rPr lang="en-US" sz="1600" b="1" dirty="0"/>
+              <a:t>l</a:t>
             </a:r>
             <a:r>
               <a:rPr lang="ru-RU" sz="1600" dirty="0"/>
@@ -6690,58 +7054,27 @@
       </p:grpSpPr>
       <p:sp>
         <p:nvSpPr>
-          <p:cNvPr id="10" name="Нижний колонтитул 9"/>
-          <p:cNvSpPr>
-            <a:spLocks noGrp="1"/>
-          </p:cNvSpPr>
-          <p:nvPr>
-            <p:ph type="ftr" sz="quarter" idx="11"/>
-          </p:nvPr>
-        </p:nvSpPr>
-        <p:spPr>
-          <a:xfrm>
-            <a:off x="251520" y="6093295"/>
-            <a:ext cx="8640000" cy="540000"/>
-          </a:xfrm>
-          <a:solidFill>
-            <a:srgbClr val="E6E6E6"/>
-          </a:solidFill>
-        </p:spPr>
-        <p:txBody>
-          <a:bodyPr/>
-          <a:lstStyle/>
-          <a:p>
-            <a:pPr algn="l"/>
-            <a:endParaRPr lang="ru-RU" sz="1400" b="1" dirty="0">
-              <a:solidFill>
-                <a:schemeClr val="tx1">
-                  <a:lumMod val="50000"/>
-                  <a:lumOff val="50000"/>
-                </a:schemeClr>
-              </a:solidFill>
-              <a:latin typeface="Arial" pitchFamily="34" charset="0"/>
-              <a:cs typeface="Arial" pitchFamily="34" charset="0"/>
-            </a:endParaRPr>
-          </a:p>
-        </p:txBody>
-      </p:sp>
-      <p:sp>
-        <p:nvSpPr>
-          <p:cNvPr id="6" name="Прямоугольник 5"/>
+          <p:cNvPr id="3" name="Прямоугольник 2">
+            <a:extLst>
+              <a:ext uri="{FF2B5EF4-FFF2-40B4-BE49-F238E27FC236}">
+                <a16:creationId xmlns:a16="http://schemas.microsoft.com/office/drawing/2014/main" id="{42528DEE-DDAD-4FE2-B861-A4A82EDB43A0}"/>
+              </a:ext>
+            </a:extLst>
+          </p:cNvPr>
           <p:cNvSpPr/>
           <p:nvPr/>
         </p:nvSpPr>
         <p:spPr>
           <a:xfrm>
-            <a:off x="251520" y="342900"/>
-            <a:ext cx="8640000" cy="720000"/>
+            <a:off x="271324" y="980728"/>
+            <a:ext cx="8601352" cy="5131717"/>
           </a:xfrm>
           <a:prstGeom prst="rect">
             <a:avLst/>
           </a:prstGeom>
           <a:solidFill>
-            <a:schemeClr val="bg1">
-              <a:lumMod val="85000"/>
+            <a:schemeClr val="tx1">
+              <a:alpha val="45000"/>
             </a:schemeClr>
           </a:solidFill>
           <a:ln>
@@ -6769,78 +7102,59 @@
           <a:lstStyle/>
           <a:p>
             <a:pPr algn="ctr"/>
-            <a:endParaRPr lang="ru-RU"/>
-          </a:p>
-        </p:txBody>
-      </p:sp>
-      <p:sp>
-        <p:nvSpPr>
-          <p:cNvPr id="2" name="Заголовок 1"/>
-          <p:cNvSpPr>
-            <a:spLocks noGrp="1"/>
-          </p:cNvSpPr>
-          <p:nvPr>
-            <p:ph type="title"/>
-          </p:nvPr>
-        </p:nvSpPr>
-        <p:spPr>
-          <a:xfrm>
-            <a:off x="251519" y="355605"/>
-            <a:ext cx="8640001" cy="720725"/>
-          </a:xfrm>
-          <a:solidFill>
-            <a:srgbClr val="E6E6E6"/>
-          </a:solidFill>
-        </p:spPr>
-        <p:txBody>
-          <a:bodyPr>
-            <a:noAutofit/>
-          </a:bodyPr>
-          <a:lstStyle/>
-          <a:p>
-            <a:pPr algn="ctr"/>
-            <a:r>
-              <a:rPr lang="ru-RU" sz="1800" b="1" dirty="0">
-                <a:latin typeface="Elektra Text Pro"/>
-                <a:cs typeface="Arial" pitchFamily="34" charset="0"/>
-              </a:rPr>
-              <a:t>ПРАКТИЧЕСКАЯ СХЕМА РАБОТЫ АЛГОРИТМА</a:t>
-            </a:r>
-          </a:p>
-        </p:txBody>
-      </p:sp>
-      <p:sp>
-        <p:nvSpPr>
-          <p:cNvPr id="9" name="TextBox 8"/>
-          <p:cNvSpPr txBox="1"/>
+            <a:endParaRPr lang="ru-RU" dirty="0"/>
+          </a:p>
+        </p:txBody>
+      </p:sp>
+      <p:sp>
+        <p:nvSpPr>
+          <p:cNvPr id="6" name="Прямоугольник 5">
+            <a:extLst>
+              <a:ext uri="{FF2B5EF4-FFF2-40B4-BE49-F238E27FC236}">
+                <a16:creationId xmlns:a16="http://schemas.microsoft.com/office/drawing/2014/main" id="{D580369D-2DD0-45BB-8B0C-96B868323E0C}"/>
+              </a:ext>
+            </a:extLst>
+          </p:cNvPr>
+          <p:cNvSpPr/>
           <p:nvPr/>
         </p:nvSpPr>
         <p:spPr>
           <a:xfrm>
-            <a:off x="8100392" y="6165306"/>
-            <a:ext cx="772285" cy="369332"/>
+            <a:off x="6228184" y="2348880"/>
+            <a:ext cx="1080120" cy="360040"/>
           </a:xfrm>
           <a:prstGeom prst="rect">
             <a:avLst/>
           </a:prstGeom>
-          <a:noFill/>
-        </p:spPr>
-        <p:txBody>
-          <a:bodyPr wrap="square" rtlCol="0">
-            <a:spAutoFit/>
-          </a:bodyPr>
-          <a:lstStyle/>
-          <a:p>
-            <a:pPr algn="r"/>
-            <a:fld id="{249A5D52-88F9-4971-91E7-95B02B6DE201}" type="slidenum">
-              <a:rPr lang="ru-RU" smtClean="0"/>
-              <a:pPr algn="r"/>
-              <a:t>11</a:t>
-            </a:fld>
-            <a:r>
-              <a:rPr lang="ru-RU" dirty="0"/>
-              <a:t>/21</a:t>
-            </a:r>
+          <a:solidFill>
+            <a:schemeClr val="bg1"/>
+          </a:solidFill>
+          <a:ln>
+            <a:noFill/>
+          </a:ln>
+        </p:spPr>
+        <p:style>
+          <a:lnRef idx="2">
+            <a:schemeClr val="accent1">
+              <a:shade val="50000"/>
+            </a:schemeClr>
+          </a:lnRef>
+          <a:fillRef idx="1">
+            <a:schemeClr val="accent1"/>
+          </a:fillRef>
+          <a:effectRef idx="0">
+            <a:schemeClr val="accent1"/>
+          </a:effectRef>
+          <a:fontRef idx="minor">
+            <a:schemeClr val="lt1"/>
+          </a:fontRef>
+        </p:style>
+        <p:txBody>
+          <a:bodyPr rtlCol="0" anchor="ctr"/>
+          <a:lstStyle/>
+          <a:p>
+            <a:pPr algn="ctr"/>
+            <a:endParaRPr lang="ru-RU"/>
           </a:p>
         </p:txBody>
       </p:sp>
@@ -6854,8 +7168,8 @@
         </p:nvSpPr>
         <p:spPr>
           <a:xfrm>
-            <a:off x="251520" y="6112445"/>
-            <a:ext cx="7200800" cy="520850"/>
+            <a:off x="251519" y="6112445"/>
+            <a:ext cx="8621157" cy="520850"/>
           </a:xfrm>
           <a:prstGeom prst="rect">
             <a:avLst/>
@@ -6955,40 +7269,497 @@
           </a:p>
         </p:txBody>
       </p:sp>
-      <p:pic>
-        <p:nvPicPr>
-          <p:cNvPr id="13" name="Рисунок 12">
+      <p:sp>
+        <p:nvSpPr>
+          <p:cNvPr id="2" name="Заголовок 1"/>
+          <p:cNvSpPr>
+            <a:spLocks noGrp="1"/>
+          </p:cNvSpPr>
+          <p:nvPr>
+            <p:ph type="title"/>
+          </p:nvPr>
+        </p:nvSpPr>
+        <p:spPr>
+          <a:xfrm>
+            <a:off x="251520" y="224705"/>
+            <a:ext cx="8621156" cy="756023"/>
+          </a:xfrm>
+          <a:solidFill>
+            <a:srgbClr val="E6E6E6"/>
+          </a:solidFill>
+        </p:spPr>
+        <p:txBody>
+          <a:bodyPr>
+            <a:noAutofit/>
+          </a:bodyPr>
+          <a:lstStyle/>
+          <a:p>
+            <a:pPr algn="ctr"/>
+            <a:r>
+              <a:rPr lang="ru-RU" sz="1800" b="1" dirty="0">
+                <a:latin typeface="Elektra Text Pro" panose="02000503030000020004"/>
+                <a:cs typeface="Arial" pitchFamily="34" charset="0"/>
+              </a:rPr>
+              <a:t>КАК ВЫЧИСЛЯЮТСЯ ИНТЕРВАЛЫ?</a:t>
+            </a:r>
+          </a:p>
+        </p:txBody>
+      </p:sp>
+      <p:sp>
+        <p:nvSpPr>
+          <p:cNvPr id="4" name="Объект 3">
             <a:extLst>
               <a:ext uri="{FF2B5EF4-FFF2-40B4-BE49-F238E27FC236}">
-                <a16:creationId xmlns:a16="http://schemas.microsoft.com/office/drawing/2014/main" id="{86E3545B-5CC5-453A-B6C4-9652962ADB25}"/>
+                <a16:creationId xmlns:a16="http://schemas.microsoft.com/office/drawing/2014/main" id="{89ED7386-0C4C-4A64-BB73-B9D390C6CDC8}"/>
               </a:ext>
             </a:extLst>
           </p:cNvPr>
-          <p:cNvPicPr>
-            <a:picLocks noChangeAspect="1"/>
-          </p:cNvPicPr>
+          <p:cNvSpPr>
+            <a:spLocks noGrp="1"/>
+          </p:cNvSpPr>
+          <p:nvPr>
+            <p:ph sz="half" idx="1"/>
+          </p:nvPr>
+        </p:nvSpPr>
+        <p:spPr>
+          <a:xfrm>
+            <a:off x="899592" y="1239169"/>
+            <a:ext cx="3886200" cy="2160239"/>
+          </a:xfrm>
+        </p:spPr>
+        <p:txBody>
+          <a:bodyPr>
+            <a:normAutofit/>
+          </a:bodyPr>
+          <a:lstStyle/>
+          <a:p>
+            <a:pPr marL="0" indent="0">
+              <a:buNone/>
+            </a:pPr>
+            <a:r>
+              <a:rPr lang="ru-RU" sz="1600" b="1" dirty="0"/>
+              <a:t>Параметры</a:t>
+            </a:r>
+            <a:endParaRPr lang="ru-RU" sz="1600" dirty="0"/>
+          </a:p>
+          <a:p>
+            <a:pPr lvl="0"/>
+            <a:r>
+              <a:rPr lang="ru-RU" sz="1600" b="1" dirty="0"/>
+              <a:t>EF</a:t>
+            </a:r>
+            <a:r>
+              <a:rPr lang="ru-RU" sz="1600" dirty="0"/>
+              <a:t> (</a:t>
+            </a:r>
+            <a:r>
+              <a:rPr lang="ru-RU" sz="1600" dirty="0" err="1"/>
+              <a:t>Easiness</a:t>
+            </a:r>
+            <a:r>
+              <a:rPr lang="ru-RU" sz="1600" dirty="0"/>
+              <a:t> </a:t>
+            </a:r>
+            <a:r>
+              <a:rPr lang="ru-RU" sz="1600" dirty="0" err="1"/>
+              <a:t>Factor</a:t>
+            </a:r>
+            <a:r>
+              <a:rPr lang="ru-RU" sz="1600" dirty="0"/>
+              <a:t>) – «коэффициент лёгкости» карточки</a:t>
+            </a:r>
+          </a:p>
+          <a:p>
+            <a:pPr lvl="0"/>
+            <a:r>
+              <a:rPr lang="ru-RU" sz="1600" b="1" dirty="0"/>
+              <a:t>n</a:t>
+            </a:r>
+            <a:r>
+              <a:rPr lang="ru-RU" sz="1600" dirty="0"/>
+              <a:t> – число последовательных успешных повторений</a:t>
+            </a:r>
+          </a:p>
+          <a:p>
+            <a:pPr lvl="0"/>
+            <a:r>
+              <a:rPr lang="en-US" sz="1600" b="1" dirty="0"/>
+              <a:t>l</a:t>
+            </a:r>
+            <a:r>
+              <a:rPr lang="ru-RU" sz="1600" dirty="0"/>
+              <a:t> – интервал для текущего повторения карточки</a:t>
+            </a:r>
+          </a:p>
+        </p:txBody>
+      </p:sp>
+      <p:sp>
+        <p:nvSpPr>
+          <p:cNvPr id="5" name="Объект 4">
+            <a:extLst>
+              <a:ext uri="{FF2B5EF4-FFF2-40B4-BE49-F238E27FC236}">
+                <a16:creationId xmlns:a16="http://schemas.microsoft.com/office/drawing/2014/main" id="{7096A292-EB99-4682-920B-D3AC02A3A52D}"/>
+              </a:ext>
+            </a:extLst>
+          </p:cNvPr>
+          <p:cNvSpPr>
+            <a:spLocks noGrp="1"/>
+          </p:cNvSpPr>
+          <p:nvPr>
+            <p:ph sz="half" idx="2"/>
+          </p:nvPr>
+        </p:nvSpPr>
+        <p:spPr>
+          <a:xfrm>
+            <a:off x="5436096" y="1340769"/>
+            <a:ext cx="2679154" cy="2088232"/>
+          </a:xfrm>
+        </p:spPr>
+        <p:txBody>
+          <a:bodyPr>
+            <a:normAutofit/>
+          </a:bodyPr>
+          <a:lstStyle/>
+          <a:p>
+            <a:pPr marL="0" indent="0">
+              <a:buNone/>
+            </a:pPr>
+            <a:r>
+              <a:rPr lang="ru-RU" sz="1600" b="1" dirty="0"/>
+              <a:t>Алгоритм SM-2</a:t>
+            </a:r>
+            <a:endParaRPr lang="ru-RU" sz="1600" dirty="0"/>
+          </a:p>
+          <a:p>
+            <a:pPr lvl="0"/>
+            <a:r>
+              <a:rPr lang="ru-RU" sz="1600" b="1" dirty="0"/>
+              <a:t>n = 1:</a:t>
+            </a:r>
+            <a:r>
+              <a:rPr lang="ru-RU" sz="1600" dirty="0"/>
+              <a:t> I₁ = 1 день</a:t>
+            </a:r>
+          </a:p>
+          <a:p>
+            <a:pPr lvl="0"/>
+            <a:r>
+              <a:rPr lang="ru-RU" sz="1600" b="1" dirty="0"/>
+              <a:t>n = 2:</a:t>
+            </a:r>
+            <a:r>
+              <a:rPr lang="ru-RU" sz="1600" dirty="0"/>
+              <a:t> I₂ = 6 дней</a:t>
+            </a:r>
+          </a:p>
+          <a:p>
+            <a:pPr lvl="0"/>
+            <a:r>
+              <a:rPr lang="ru-RU" sz="1600" b="1" dirty="0"/>
+              <a:t>n &gt; 2:</a:t>
+            </a:r>
+            <a:r>
+              <a:rPr lang="ru-RU" sz="1600" dirty="0"/>
+              <a:t> Iₙ = Iₙ₋₁ × EF</a:t>
+            </a:r>
+          </a:p>
+          <a:p>
+            <a:pPr marL="0" indent="0">
+              <a:buNone/>
+            </a:pPr>
+            <a:endParaRPr lang="ru-RU" sz="1600" dirty="0"/>
+          </a:p>
+        </p:txBody>
+      </p:sp>
+      <p:sp>
+        <p:nvSpPr>
+          <p:cNvPr id="9" name="TextBox 8"/>
+          <p:cNvSpPr txBox="1"/>
           <p:nvPr/>
-        </p:nvPicPr>
-        <p:blipFill>
-          <a:blip r:embed="rId3"/>
-          <a:stretch>
-            <a:fillRect/>
-          </a:stretch>
-        </p:blipFill>
-        <p:spPr>
-          <a:xfrm>
-            <a:off x="2639656" y="1261191"/>
-            <a:ext cx="3863726" cy="4639533"/>
+        </p:nvSpPr>
+        <p:spPr>
+          <a:xfrm>
+            <a:off x="7884368" y="6165306"/>
+            <a:ext cx="988309" cy="369332"/>
           </a:xfrm>
           <a:prstGeom prst="rect">
             <a:avLst/>
           </a:prstGeom>
-        </p:spPr>
-      </p:pic>
+          <a:noFill/>
+        </p:spPr>
+        <p:txBody>
+          <a:bodyPr wrap="square" rtlCol="0">
+            <a:spAutoFit/>
+          </a:bodyPr>
+          <a:lstStyle/>
+          <a:p>
+            <a:pPr algn="r"/>
+            <a:fld id="{249A5D52-88F9-4971-91E7-95B02B6DE201}" type="slidenum">
+              <a:rPr lang="ru-RU" smtClean="0"/>
+              <a:pPr algn="r"/>
+              <a:t>11</a:t>
+            </a:fld>
+            <a:r>
+              <a:rPr lang="ru-RU" dirty="0"/>
+              <a:t>/21</a:t>
+            </a:r>
+          </a:p>
+        </p:txBody>
+      </p:sp>
+      <p:sp>
+        <p:nvSpPr>
+          <p:cNvPr id="8" name="Объект 4">
+            <a:extLst>
+              <a:ext uri="{FF2B5EF4-FFF2-40B4-BE49-F238E27FC236}">
+                <a16:creationId xmlns:a16="http://schemas.microsoft.com/office/drawing/2014/main" id="{888FB21E-EB8A-4E9D-899D-28C57B3F5690}"/>
+              </a:ext>
+            </a:extLst>
+          </p:cNvPr>
+          <p:cNvSpPr txBox="1">
+            <a:spLocks/>
+          </p:cNvSpPr>
+          <p:nvPr/>
+        </p:nvSpPr>
+        <p:spPr>
+          <a:xfrm>
+            <a:off x="2060264" y="3569064"/>
+            <a:ext cx="5023471" cy="2088232"/>
+          </a:xfrm>
+          <a:prstGeom prst="rect">
+            <a:avLst/>
+          </a:prstGeom>
+        </p:spPr>
+        <p:txBody>
+          <a:bodyPr vert="horz" lIns="91440" tIns="45720" rIns="91440" bIns="45720" rtlCol="0">
+            <a:normAutofit/>
+          </a:bodyPr>
+          <a:lstStyle>
+            <a:lvl1pPr marL="228600" indent="-228600" algn="l" defTabSz="914400" rtl="0" eaLnBrk="1" latinLnBrk="0" hangingPunct="1">
+              <a:lnSpc>
+                <a:spcPct val="90000"/>
+              </a:lnSpc>
+              <a:spcBef>
+                <a:spcPts val="1000"/>
+              </a:spcBef>
+              <a:buFont typeface="Arial" panose="020B0604020202020204" pitchFamily="34" charset="0"/>
+              <a:buChar char="•"/>
+              <a:defRPr sz="2800" kern="1200">
+                <a:solidFill>
+                  <a:schemeClr val="tx1"/>
+                </a:solidFill>
+                <a:latin typeface="+mn-lt"/>
+                <a:ea typeface="+mn-ea"/>
+                <a:cs typeface="+mn-cs"/>
+              </a:defRPr>
+            </a:lvl1pPr>
+            <a:lvl2pPr marL="685800" indent="-228600" algn="l" defTabSz="914400" rtl="0" eaLnBrk="1" latinLnBrk="0" hangingPunct="1">
+              <a:lnSpc>
+                <a:spcPct val="90000"/>
+              </a:lnSpc>
+              <a:spcBef>
+                <a:spcPts val="500"/>
+              </a:spcBef>
+              <a:buFont typeface="Arial" panose="020B0604020202020204" pitchFamily="34" charset="0"/>
+              <a:buChar char="•"/>
+              <a:defRPr sz="2400" kern="1200">
+                <a:solidFill>
+                  <a:schemeClr val="tx1"/>
+                </a:solidFill>
+                <a:latin typeface="+mn-lt"/>
+                <a:ea typeface="+mn-ea"/>
+                <a:cs typeface="+mn-cs"/>
+              </a:defRPr>
+            </a:lvl2pPr>
+            <a:lvl3pPr marL="1143000" indent="-228600" algn="l" defTabSz="914400" rtl="0" eaLnBrk="1" latinLnBrk="0" hangingPunct="1">
+              <a:lnSpc>
+                <a:spcPct val="90000"/>
+              </a:lnSpc>
+              <a:spcBef>
+                <a:spcPts val="500"/>
+              </a:spcBef>
+              <a:buFont typeface="Arial" panose="020B0604020202020204" pitchFamily="34" charset="0"/>
+              <a:buChar char="•"/>
+              <a:defRPr sz="2000" kern="1200">
+                <a:solidFill>
+                  <a:schemeClr val="tx1"/>
+                </a:solidFill>
+                <a:latin typeface="+mn-lt"/>
+                <a:ea typeface="+mn-ea"/>
+                <a:cs typeface="+mn-cs"/>
+              </a:defRPr>
+            </a:lvl3pPr>
+            <a:lvl4pPr marL="1600200" indent="-228600" algn="l" defTabSz="914400" rtl="0" eaLnBrk="1" latinLnBrk="0" hangingPunct="1">
+              <a:lnSpc>
+                <a:spcPct val="90000"/>
+              </a:lnSpc>
+              <a:spcBef>
+                <a:spcPts val="500"/>
+              </a:spcBef>
+              <a:buFont typeface="Arial" panose="020B0604020202020204" pitchFamily="34" charset="0"/>
+              <a:buChar char="•"/>
+              <a:defRPr sz="1800" kern="1200">
+                <a:solidFill>
+                  <a:schemeClr val="tx1"/>
+                </a:solidFill>
+                <a:latin typeface="+mn-lt"/>
+                <a:ea typeface="+mn-ea"/>
+                <a:cs typeface="+mn-cs"/>
+              </a:defRPr>
+            </a:lvl4pPr>
+            <a:lvl5pPr marL="2057400" indent="-228600" algn="l" defTabSz="914400" rtl="0" eaLnBrk="1" latinLnBrk="0" hangingPunct="1">
+              <a:lnSpc>
+                <a:spcPct val="90000"/>
+              </a:lnSpc>
+              <a:spcBef>
+                <a:spcPts val="500"/>
+              </a:spcBef>
+              <a:buFont typeface="Arial" panose="020B0604020202020204" pitchFamily="34" charset="0"/>
+              <a:buChar char="•"/>
+              <a:defRPr sz="1800" kern="1200">
+                <a:solidFill>
+                  <a:schemeClr val="tx1"/>
+                </a:solidFill>
+                <a:latin typeface="+mn-lt"/>
+                <a:ea typeface="+mn-ea"/>
+                <a:cs typeface="+mn-cs"/>
+              </a:defRPr>
+            </a:lvl5pPr>
+            <a:lvl6pPr marL="2514600" indent="-228600" algn="l" defTabSz="914400" rtl="0" eaLnBrk="1" latinLnBrk="0" hangingPunct="1">
+              <a:lnSpc>
+                <a:spcPct val="90000"/>
+              </a:lnSpc>
+              <a:spcBef>
+                <a:spcPts val="500"/>
+              </a:spcBef>
+              <a:buFont typeface="Arial" panose="020B0604020202020204" pitchFamily="34" charset="0"/>
+              <a:buChar char="•"/>
+              <a:defRPr sz="1800" kern="1200">
+                <a:solidFill>
+                  <a:schemeClr val="tx1"/>
+                </a:solidFill>
+                <a:latin typeface="+mn-lt"/>
+                <a:ea typeface="+mn-ea"/>
+                <a:cs typeface="+mn-cs"/>
+              </a:defRPr>
+            </a:lvl6pPr>
+            <a:lvl7pPr marL="2971800" indent="-228600" algn="l" defTabSz="914400" rtl="0" eaLnBrk="1" latinLnBrk="0" hangingPunct="1">
+              <a:lnSpc>
+                <a:spcPct val="90000"/>
+              </a:lnSpc>
+              <a:spcBef>
+                <a:spcPts val="500"/>
+              </a:spcBef>
+              <a:buFont typeface="Arial" panose="020B0604020202020204" pitchFamily="34" charset="0"/>
+              <a:buChar char="•"/>
+              <a:defRPr sz="1800" kern="1200">
+                <a:solidFill>
+                  <a:schemeClr val="tx1"/>
+                </a:solidFill>
+                <a:latin typeface="+mn-lt"/>
+                <a:ea typeface="+mn-ea"/>
+                <a:cs typeface="+mn-cs"/>
+              </a:defRPr>
+            </a:lvl7pPr>
+            <a:lvl8pPr marL="3429000" indent="-228600" algn="l" defTabSz="914400" rtl="0" eaLnBrk="1" latinLnBrk="0" hangingPunct="1">
+              <a:lnSpc>
+                <a:spcPct val="90000"/>
+              </a:lnSpc>
+              <a:spcBef>
+                <a:spcPts val="500"/>
+              </a:spcBef>
+              <a:buFont typeface="Arial" panose="020B0604020202020204" pitchFamily="34" charset="0"/>
+              <a:buChar char="•"/>
+              <a:defRPr sz="1800" kern="1200">
+                <a:solidFill>
+                  <a:schemeClr val="tx1"/>
+                </a:solidFill>
+                <a:latin typeface="+mn-lt"/>
+                <a:ea typeface="+mn-ea"/>
+                <a:cs typeface="+mn-cs"/>
+              </a:defRPr>
+            </a:lvl8pPr>
+            <a:lvl9pPr marL="3886200" indent="-228600" algn="l" defTabSz="914400" rtl="0" eaLnBrk="1" latinLnBrk="0" hangingPunct="1">
+              <a:lnSpc>
+                <a:spcPct val="90000"/>
+              </a:lnSpc>
+              <a:spcBef>
+                <a:spcPts val="500"/>
+              </a:spcBef>
+              <a:buFont typeface="Arial" panose="020B0604020202020204" pitchFamily="34" charset="0"/>
+              <a:buChar char="•"/>
+              <a:defRPr sz="1800" kern="1200">
+                <a:solidFill>
+                  <a:schemeClr val="tx1"/>
+                </a:solidFill>
+                <a:latin typeface="+mn-lt"/>
+                <a:ea typeface="+mn-ea"/>
+                <a:cs typeface="+mn-cs"/>
+              </a:defRPr>
+            </a:lvl9pPr>
+          </a:lstStyle>
+          <a:p>
+            <a:pPr marL="0" indent="0">
+              <a:buNone/>
+            </a:pPr>
+            <a:r>
+              <a:rPr lang="ru-RU" sz="1600" b="1" dirty="0"/>
+              <a:t>Обновление EF</a:t>
+            </a:r>
+            <a:endParaRPr lang="ru-RU" sz="1600" dirty="0"/>
+          </a:p>
+          <a:p>
+            <a:r>
+              <a:rPr lang="ru-RU" sz="1600" dirty="0"/>
+              <a:t>EF' = EF + (0.1 – (5 – q) × (0.08 + (5 – q) × 0.02))</a:t>
+            </a:r>
+          </a:p>
+          <a:p>
+            <a:pPr marL="0" indent="0">
+              <a:buNone/>
+            </a:pPr>
+            <a:r>
+              <a:rPr lang="ru-RU" sz="1600" dirty="0"/>
+              <a:t>где </a:t>
+            </a:r>
+            <a:r>
+              <a:rPr lang="ru-RU" sz="1600" b="1" dirty="0"/>
+              <a:t>q</a:t>
+            </a:r>
+            <a:r>
+              <a:rPr lang="ru-RU" sz="1600" dirty="0"/>
+              <a:t> (0…5) – оценка качества воспроизведения</a:t>
+            </a:r>
+          </a:p>
+          <a:p>
+            <a:pPr marL="0" indent="0">
+              <a:buNone/>
+            </a:pPr>
+            <a:r>
+              <a:rPr lang="ru-RU" sz="1600" b="1" dirty="0"/>
+              <a:t>Краткий пример</a:t>
+            </a:r>
+            <a:endParaRPr lang="ru-RU" sz="1600" dirty="0"/>
+          </a:p>
+          <a:p>
+            <a:pPr lvl="0"/>
+            <a:r>
+              <a:rPr lang="ru-RU" sz="1600" dirty="0"/>
+              <a:t>Пусть n=3, EF=2.5 → I₃ = 6 × 2.5 = 15 дней</a:t>
+            </a:r>
+          </a:p>
+          <a:p>
+            <a:pPr lvl="0"/>
+            <a:r>
+              <a:rPr lang="ru-RU" sz="1600" dirty="0"/>
+              <a:t>При q=4: EF' = 2.5 + (0.1 – 1×(0.08 + 1×0.02)) ≈ 2.52</a:t>
+            </a:r>
+          </a:p>
+        </p:txBody>
+      </p:sp>
     </p:spTree>
     <p:extLst>
       <p:ext uri="{BB962C8B-B14F-4D97-AF65-F5344CB8AC3E}">
-        <p14:creationId xmlns:p14="http://schemas.microsoft.com/office/powerpoint/2010/main" val="1911640730"/>
+        <p14:creationId xmlns:p14="http://schemas.microsoft.com/office/powerpoint/2010/main" val="2815433089"/>
       </p:ext>
     </p:extLst>
   </p:cSld>
@@ -7017,58 +7788,27 @@
       </p:grpSpPr>
       <p:sp>
         <p:nvSpPr>
-          <p:cNvPr id="10" name="Нижний колонтитул 9"/>
-          <p:cNvSpPr>
-            <a:spLocks noGrp="1"/>
-          </p:cNvSpPr>
-          <p:nvPr>
-            <p:ph type="ftr" sz="quarter" idx="11"/>
-          </p:nvPr>
-        </p:nvSpPr>
-        <p:spPr>
-          <a:xfrm>
-            <a:off x="251520" y="6093295"/>
-            <a:ext cx="8640000" cy="540000"/>
-          </a:xfrm>
-          <a:solidFill>
-            <a:srgbClr val="E6E6E6"/>
-          </a:solidFill>
-        </p:spPr>
-        <p:txBody>
-          <a:bodyPr/>
-          <a:lstStyle/>
-          <a:p>
-            <a:pPr algn="l"/>
-            <a:endParaRPr lang="ru-RU" sz="1400" b="1" dirty="0">
-              <a:solidFill>
-                <a:schemeClr val="tx1">
-                  <a:lumMod val="50000"/>
-                  <a:lumOff val="50000"/>
-                </a:schemeClr>
-              </a:solidFill>
-              <a:latin typeface="Arial" pitchFamily="34" charset="0"/>
-              <a:cs typeface="Arial" pitchFamily="34" charset="0"/>
-            </a:endParaRPr>
-          </a:p>
-        </p:txBody>
-      </p:sp>
-      <p:sp>
-        <p:nvSpPr>
-          <p:cNvPr id="6" name="Прямоугольник 5"/>
+          <p:cNvPr id="10" name="Прямоугольник 9">
+            <a:extLst>
+              <a:ext uri="{FF2B5EF4-FFF2-40B4-BE49-F238E27FC236}">
+                <a16:creationId xmlns:a16="http://schemas.microsoft.com/office/drawing/2014/main" id="{33D03015-65AB-407B-9A4A-22B7FD20E548}"/>
+              </a:ext>
+            </a:extLst>
+          </p:cNvPr>
           <p:cNvSpPr/>
           <p:nvPr/>
         </p:nvSpPr>
         <p:spPr>
           <a:xfrm>
-            <a:off x="251520" y="342900"/>
-            <a:ext cx="8640000" cy="720000"/>
+            <a:off x="271324" y="980728"/>
+            <a:ext cx="8601352" cy="5131717"/>
           </a:xfrm>
           <a:prstGeom prst="rect">
             <a:avLst/>
           </a:prstGeom>
           <a:solidFill>
-            <a:schemeClr val="bg1">
-              <a:lumMod val="85000"/>
+            <a:schemeClr val="tx1">
+              <a:alpha val="45000"/>
             </a:schemeClr>
           </a:solidFill>
           <a:ln>
@@ -7102,24 +7842,239 @@
       </p:sp>
       <p:sp>
         <p:nvSpPr>
-          <p:cNvPr id="2" name="Заголовок 1"/>
-          <p:cNvSpPr>
-            <a:spLocks noGrp="1"/>
-          </p:cNvSpPr>
-          <p:nvPr>
-            <p:ph type="title"/>
-          </p:nvPr>
-        </p:nvSpPr>
-        <p:spPr>
-          <a:xfrm>
-            <a:off x="251519" y="355605"/>
-            <a:ext cx="8640001" cy="720725"/>
-          </a:xfrm>
+          <p:cNvPr id="12" name="Прямоугольник 11">
+            <a:extLst>
+              <a:ext uri="{FF2B5EF4-FFF2-40B4-BE49-F238E27FC236}">
+                <a16:creationId xmlns:a16="http://schemas.microsoft.com/office/drawing/2014/main" id="{5113C7D1-E7F9-452B-91C3-030ACC644F6F}"/>
+              </a:ext>
+            </a:extLst>
+          </p:cNvPr>
+          <p:cNvSpPr/>
+          <p:nvPr/>
+        </p:nvSpPr>
+        <p:spPr>
+          <a:xfrm>
+            <a:off x="6228184" y="2348880"/>
+            <a:ext cx="1080120" cy="360040"/>
+          </a:xfrm>
+          <a:prstGeom prst="rect">
+            <a:avLst/>
+          </a:prstGeom>
+          <a:solidFill>
+            <a:schemeClr val="bg1"/>
+          </a:solidFill>
+          <a:ln>
+            <a:noFill/>
+          </a:ln>
+        </p:spPr>
+        <p:style>
+          <a:lnRef idx="2">
+            <a:schemeClr val="accent1">
+              <a:shade val="50000"/>
+            </a:schemeClr>
+          </a:lnRef>
+          <a:fillRef idx="1">
+            <a:schemeClr val="accent1"/>
+          </a:fillRef>
+          <a:effectRef idx="0">
+            <a:schemeClr val="accent1"/>
+          </a:effectRef>
+          <a:fontRef idx="minor">
+            <a:schemeClr val="lt1"/>
+          </a:fontRef>
+        </p:style>
+        <p:txBody>
+          <a:bodyPr rtlCol="0" anchor="ctr"/>
+          <a:lstStyle/>
+          <a:p>
+            <a:pPr algn="ctr"/>
+            <a:endParaRPr lang="ru-RU"/>
+          </a:p>
+        </p:txBody>
+      </p:sp>
+      <p:sp>
+        <p:nvSpPr>
+          <p:cNvPr id="3" name="Прямоугольник 2">
+            <a:extLst>
+              <a:ext uri="{FF2B5EF4-FFF2-40B4-BE49-F238E27FC236}">
+                <a16:creationId xmlns:a16="http://schemas.microsoft.com/office/drawing/2014/main" id="{BC3EAFD2-77AA-4957-B4E3-3065F13DF167}"/>
+              </a:ext>
+            </a:extLst>
+          </p:cNvPr>
+          <p:cNvSpPr/>
+          <p:nvPr/>
+        </p:nvSpPr>
+        <p:spPr>
+          <a:xfrm>
+            <a:off x="1187624" y="1628800"/>
+            <a:ext cx="3168352" cy="432048"/>
+          </a:xfrm>
+          <a:prstGeom prst="rect">
+            <a:avLst/>
+          </a:prstGeom>
+          <a:solidFill>
+            <a:schemeClr val="bg1"/>
+          </a:solidFill>
+          <a:ln>
+            <a:noFill/>
+          </a:ln>
+        </p:spPr>
+        <p:style>
+          <a:lnRef idx="2">
+            <a:schemeClr val="accent1">
+              <a:shade val="50000"/>
+            </a:schemeClr>
+          </a:lnRef>
+          <a:fillRef idx="1">
+            <a:schemeClr val="accent1"/>
+          </a:fillRef>
+          <a:effectRef idx="0">
+            <a:schemeClr val="accent1"/>
+          </a:effectRef>
+          <a:fontRef idx="minor">
+            <a:schemeClr val="lt1"/>
+          </a:fontRef>
+        </p:style>
+        <p:txBody>
+          <a:bodyPr rtlCol="0" anchor="ctr"/>
+          <a:lstStyle/>
+          <a:p>
+            <a:pPr algn="ctr"/>
+            <a:endParaRPr lang="ru-RU"/>
+          </a:p>
+        </p:txBody>
+      </p:sp>
+      <p:sp>
+        <p:nvSpPr>
+          <p:cNvPr id="11" name="Заголовок 1"/>
+          <p:cNvSpPr txBox="1">
+            <a:spLocks/>
+          </p:cNvSpPr>
+          <p:nvPr/>
+        </p:nvSpPr>
+        <p:spPr>
+          <a:xfrm>
+            <a:off x="251519" y="6112445"/>
+            <a:ext cx="8621157" cy="520850"/>
+          </a:xfrm>
+          <a:prstGeom prst="rect">
+            <a:avLst/>
+          </a:prstGeom>
           <a:solidFill>
             <a:srgbClr val="E6E6E6"/>
           </a:solidFill>
         </p:spPr>
         <p:txBody>
+          <a:bodyPr vert="horz" lIns="91440" tIns="45720" rIns="91440" bIns="45720" rtlCol="0" anchor="ctr">
+            <a:noAutofit/>
+          </a:bodyPr>
+          <a:lstStyle>
+            <a:lvl1pPr algn="l" defTabSz="914400" rtl="0" eaLnBrk="1" latinLnBrk="0" hangingPunct="1">
+              <a:lnSpc>
+                <a:spcPct val="90000"/>
+              </a:lnSpc>
+              <a:spcBef>
+                <a:spcPct val="0"/>
+              </a:spcBef>
+              <a:buNone/>
+              <a:defRPr sz="4400" kern="1200">
+                <a:solidFill>
+                  <a:schemeClr val="tx1"/>
+                </a:solidFill>
+                <a:latin typeface="+mj-lt"/>
+                <a:ea typeface="+mj-ea"/>
+                <a:cs typeface="+mj-cs"/>
+              </a:defRPr>
+            </a:lvl1pPr>
+          </a:lstStyle>
+          <a:p>
+            <a:r>
+              <a:rPr lang="ru-RU" sz="1400" dirty="0">
+                <a:solidFill>
+                  <a:schemeClr val="tx1">
+                    <a:lumMod val="75000"/>
+                    <a:lumOff val="25000"/>
+                  </a:schemeClr>
+                </a:solidFill>
+                <a:latin typeface="Elektra Text Pro"/>
+                <a:cs typeface="Arial" pitchFamily="34" charset="0"/>
+              </a:rPr>
+              <a:t>Веб-приложение для обучения по системе </a:t>
+            </a:r>
+            <a:r>
+              <a:rPr lang="ru-RU" sz="1400" dirty="0" err="1">
+                <a:solidFill>
+                  <a:schemeClr val="tx1">
+                    <a:lumMod val="75000"/>
+                    <a:lumOff val="25000"/>
+                  </a:schemeClr>
+                </a:solidFill>
+                <a:latin typeface="Elektra Text Pro"/>
+                <a:cs typeface="Arial" pitchFamily="34" charset="0"/>
+              </a:rPr>
+              <a:t>Лейтнера</a:t>
+            </a:r>
+            <a:r>
+              <a:rPr lang="ru-RU" sz="1400" dirty="0">
+                <a:solidFill>
+                  <a:schemeClr val="tx1">
+                    <a:lumMod val="75000"/>
+                    <a:lumOff val="25000"/>
+                  </a:schemeClr>
+                </a:solidFill>
+                <a:latin typeface="Elektra Text Pro"/>
+                <a:cs typeface="Arial" pitchFamily="34" charset="0"/>
+              </a:rPr>
+              <a:t> с реализацией алгоритма </a:t>
+            </a:r>
+            <a:br>
+              <a:rPr lang="ru-RU" sz="1400" dirty="0">
+                <a:solidFill>
+                  <a:schemeClr val="tx1">
+                    <a:lumMod val="75000"/>
+                    <a:lumOff val="25000"/>
+                  </a:schemeClr>
+                </a:solidFill>
+                <a:latin typeface="Elektra Text Pro"/>
+                <a:cs typeface="Arial" pitchFamily="34" charset="0"/>
+              </a:rPr>
+            </a:br>
+            <a:r>
+              <a:rPr lang="ru-RU" sz="1400" dirty="0">
+                <a:solidFill>
+                  <a:schemeClr val="tx1">
+                    <a:lumMod val="75000"/>
+                    <a:lumOff val="25000"/>
+                  </a:schemeClr>
+                </a:solidFill>
+                <a:latin typeface="Elektra Text Pro"/>
+                <a:cs typeface="Arial" pitchFamily="34" charset="0"/>
+              </a:rPr>
+              <a:t>интервального повторения</a:t>
+            </a:r>
+          </a:p>
+        </p:txBody>
+      </p:sp>
+      <p:sp>
+        <p:nvSpPr>
+          <p:cNvPr id="2" name="Заголовок 1"/>
+          <p:cNvSpPr>
+            <a:spLocks noGrp="1"/>
+          </p:cNvSpPr>
+          <p:nvPr>
+            <p:ph type="title"/>
+          </p:nvPr>
+        </p:nvSpPr>
+        <p:spPr>
+          <a:xfrm>
+            <a:off x="251520" y="224705"/>
+            <a:ext cx="8621156" cy="756023"/>
+          </a:xfrm>
+          <a:solidFill>
+            <a:srgbClr val="E6E6E6"/>
+          </a:solidFill>
+        </p:spPr>
+        <p:txBody>
           <a:bodyPr>
             <a:noAutofit/>
           </a:bodyPr>
@@ -7128,11 +8083,177 @@
             <a:pPr algn="ctr"/>
             <a:r>
               <a:rPr lang="ru-RU" sz="1800" b="1" dirty="0">
-                <a:latin typeface="Elektra Text Pro"/>
+                <a:latin typeface="Elektra Text Pro" panose="02000503030000020004"/>
                 <a:cs typeface="Arial" pitchFamily="34" charset="0"/>
               </a:rPr>
-              <a:t>СТРУКТУРНАЯ СХЕМА СИСТЕМЫ</a:t>
-            </a:r>
+              <a:t>КАК ВЫЧИСЛЯЮТСЯ ИНТЕРВАЛЫ?</a:t>
+            </a:r>
+          </a:p>
+        </p:txBody>
+      </p:sp>
+      <p:sp>
+        <p:nvSpPr>
+          <p:cNvPr id="4" name="Объект 3">
+            <a:extLst>
+              <a:ext uri="{FF2B5EF4-FFF2-40B4-BE49-F238E27FC236}">
+                <a16:creationId xmlns:a16="http://schemas.microsoft.com/office/drawing/2014/main" id="{89ED7386-0C4C-4A64-BB73-B9D390C6CDC8}"/>
+              </a:ext>
+            </a:extLst>
+          </p:cNvPr>
+          <p:cNvSpPr>
+            <a:spLocks noGrp="1"/>
+          </p:cNvSpPr>
+          <p:nvPr>
+            <p:ph sz="half" idx="1"/>
+          </p:nvPr>
+        </p:nvSpPr>
+        <p:spPr>
+          <a:xfrm>
+            <a:off x="899592" y="1239169"/>
+            <a:ext cx="3886200" cy="2160239"/>
+          </a:xfrm>
+        </p:spPr>
+        <p:txBody>
+          <a:bodyPr>
+            <a:normAutofit/>
+          </a:bodyPr>
+          <a:lstStyle/>
+          <a:p>
+            <a:pPr marL="0" indent="0">
+              <a:buNone/>
+            </a:pPr>
+            <a:r>
+              <a:rPr lang="ru-RU" sz="1600" b="1" dirty="0"/>
+              <a:t>Параметры</a:t>
+            </a:r>
+            <a:endParaRPr lang="ru-RU" sz="1600" dirty="0"/>
+          </a:p>
+          <a:p>
+            <a:pPr lvl="0"/>
+            <a:r>
+              <a:rPr lang="ru-RU" sz="1600" b="1" dirty="0"/>
+              <a:t>EF</a:t>
+            </a:r>
+            <a:r>
+              <a:rPr lang="ru-RU" sz="1600" dirty="0"/>
+              <a:t> (</a:t>
+            </a:r>
+            <a:r>
+              <a:rPr lang="ru-RU" sz="1600" dirty="0" err="1"/>
+              <a:t>Easiness</a:t>
+            </a:r>
+            <a:r>
+              <a:rPr lang="ru-RU" sz="1600" dirty="0"/>
+              <a:t> </a:t>
+            </a:r>
+            <a:r>
+              <a:rPr lang="ru-RU" sz="1600" dirty="0" err="1"/>
+              <a:t>Factor</a:t>
+            </a:r>
+            <a:r>
+              <a:rPr lang="ru-RU" sz="1600" dirty="0"/>
+              <a:t>) – «коэффициент лёгкости» карточки</a:t>
+            </a:r>
+          </a:p>
+          <a:p>
+            <a:pPr lvl="0"/>
+            <a:r>
+              <a:rPr lang="ru-RU" sz="1600" b="1" dirty="0"/>
+              <a:t>n</a:t>
+            </a:r>
+            <a:r>
+              <a:rPr lang="ru-RU" sz="1600" dirty="0"/>
+              <a:t> – число последовательных успешных повторений</a:t>
+            </a:r>
+          </a:p>
+          <a:p>
+            <a:pPr lvl="0"/>
+            <a:r>
+              <a:rPr lang="en-US" sz="1600" b="1" dirty="0"/>
+              <a:t>l</a:t>
+            </a:r>
+            <a:r>
+              <a:rPr lang="ru-RU" sz="1600" dirty="0"/>
+              <a:t> – интервал для текущего повторения карточки</a:t>
+            </a:r>
+          </a:p>
+        </p:txBody>
+      </p:sp>
+      <p:sp>
+        <p:nvSpPr>
+          <p:cNvPr id="5" name="Объект 4">
+            <a:extLst>
+              <a:ext uri="{FF2B5EF4-FFF2-40B4-BE49-F238E27FC236}">
+                <a16:creationId xmlns:a16="http://schemas.microsoft.com/office/drawing/2014/main" id="{7096A292-EB99-4682-920B-D3AC02A3A52D}"/>
+              </a:ext>
+            </a:extLst>
+          </p:cNvPr>
+          <p:cNvSpPr>
+            <a:spLocks noGrp="1"/>
+          </p:cNvSpPr>
+          <p:nvPr>
+            <p:ph sz="half" idx="2"/>
+          </p:nvPr>
+        </p:nvSpPr>
+        <p:spPr>
+          <a:xfrm>
+            <a:off x="5436096" y="1340769"/>
+            <a:ext cx="2679154" cy="2088232"/>
+          </a:xfrm>
+        </p:spPr>
+        <p:txBody>
+          <a:bodyPr>
+            <a:normAutofit/>
+          </a:bodyPr>
+          <a:lstStyle/>
+          <a:p>
+            <a:pPr marL="0" indent="0">
+              <a:buNone/>
+            </a:pPr>
+            <a:r>
+              <a:rPr lang="ru-RU" sz="1600" b="1" dirty="0"/>
+              <a:t>Алгоритм SM-2</a:t>
+            </a:r>
+            <a:endParaRPr lang="ru-RU" sz="1600" dirty="0"/>
+          </a:p>
+          <a:p>
+            <a:pPr lvl="0"/>
+            <a:r>
+              <a:rPr lang="ru-RU" sz="1600" b="1" dirty="0"/>
+              <a:t>n = 1:</a:t>
+            </a:r>
+            <a:r>
+              <a:rPr lang="ru-RU" sz="1600" dirty="0"/>
+              <a:t> I₁ = 1 день</a:t>
+            </a:r>
+          </a:p>
+          <a:p>
+            <a:pPr lvl="0"/>
+            <a:r>
+              <a:rPr lang="ru-RU" sz="1600" b="1" dirty="0"/>
+              <a:t>n = 2:</a:t>
+            </a:r>
+            <a:r>
+              <a:rPr lang="ru-RU" sz="1600" dirty="0"/>
+              <a:t> I₂ = 6 дней</a:t>
+            </a:r>
+          </a:p>
+          <a:p>
+            <a:pPr lvl="0"/>
+            <a:r>
+              <a:rPr lang="ru-RU" sz="1600" b="1" dirty="0"/>
+              <a:t>n &gt; 2:</a:t>
+            </a:r>
+            <a:r>
+              <a:rPr lang="ru-RU" sz="1600" dirty="0"/>
+              <a:t> Iₙ = Iₙ₋₁ × EF</a:t>
+            </a:r>
+          </a:p>
+          <a:p>
+            <a:pPr marL="0" indent="0">
+              <a:buNone/>
+            </a:pPr>
+            <a:endParaRPr lang="ru-RU" sz="1600" dirty="0"/>
           </a:p>
         </p:txBody>
       </p:sp>
@@ -7144,8 +8265,8 @@
         </p:nvSpPr>
         <p:spPr>
           <a:xfrm>
-            <a:off x="8100393" y="6165306"/>
-            <a:ext cx="791128" cy="369332"/>
+            <a:off x="7884368" y="6165306"/>
+            <a:ext cx="988309" cy="369332"/>
           </a:xfrm>
           <a:prstGeom prst="rect">
             <a:avLst/>
@@ -7163,6 +8284,2238 @@
               <a:rPr lang="ru-RU" smtClean="0"/>
               <a:pPr algn="r"/>
               <a:t>12</a:t>
+            </a:fld>
+            <a:r>
+              <a:rPr lang="ru-RU" dirty="0"/>
+              <a:t>/21</a:t>
+            </a:r>
+          </a:p>
+        </p:txBody>
+      </p:sp>
+      <p:sp>
+        <p:nvSpPr>
+          <p:cNvPr id="8" name="Объект 4">
+            <a:extLst>
+              <a:ext uri="{FF2B5EF4-FFF2-40B4-BE49-F238E27FC236}">
+                <a16:creationId xmlns:a16="http://schemas.microsoft.com/office/drawing/2014/main" id="{888FB21E-EB8A-4E9D-899D-28C57B3F5690}"/>
+              </a:ext>
+            </a:extLst>
+          </p:cNvPr>
+          <p:cNvSpPr txBox="1">
+            <a:spLocks/>
+          </p:cNvSpPr>
+          <p:nvPr/>
+        </p:nvSpPr>
+        <p:spPr>
+          <a:xfrm>
+            <a:off x="2060264" y="3569064"/>
+            <a:ext cx="5023471" cy="2088232"/>
+          </a:xfrm>
+          <a:prstGeom prst="rect">
+            <a:avLst/>
+          </a:prstGeom>
+        </p:spPr>
+        <p:txBody>
+          <a:bodyPr vert="horz" lIns="91440" tIns="45720" rIns="91440" bIns="45720" rtlCol="0">
+            <a:normAutofit/>
+          </a:bodyPr>
+          <a:lstStyle>
+            <a:lvl1pPr marL="228600" indent="-228600" algn="l" defTabSz="914400" rtl="0" eaLnBrk="1" latinLnBrk="0" hangingPunct="1">
+              <a:lnSpc>
+                <a:spcPct val="90000"/>
+              </a:lnSpc>
+              <a:spcBef>
+                <a:spcPts val="1000"/>
+              </a:spcBef>
+              <a:buFont typeface="Arial" panose="020B0604020202020204" pitchFamily="34" charset="0"/>
+              <a:buChar char="•"/>
+              <a:defRPr sz="2800" kern="1200">
+                <a:solidFill>
+                  <a:schemeClr val="tx1"/>
+                </a:solidFill>
+                <a:latin typeface="+mn-lt"/>
+                <a:ea typeface="+mn-ea"/>
+                <a:cs typeface="+mn-cs"/>
+              </a:defRPr>
+            </a:lvl1pPr>
+            <a:lvl2pPr marL="685800" indent="-228600" algn="l" defTabSz="914400" rtl="0" eaLnBrk="1" latinLnBrk="0" hangingPunct="1">
+              <a:lnSpc>
+                <a:spcPct val="90000"/>
+              </a:lnSpc>
+              <a:spcBef>
+                <a:spcPts val="500"/>
+              </a:spcBef>
+              <a:buFont typeface="Arial" panose="020B0604020202020204" pitchFamily="34" charset="0"/>
+              <a:buChar char="•"/>
+              <a:defRPr sz="2400" kern="1200">
+                <a:solidFill>
+                  <a:schemeClr val="tx1"/>
+                </a:solidFill>
+                <a:latin typeface="+mn-lt"/>
+                <a:ea typeface="+mn-ea"/>
+                <a:cs typeface="+mn-cs"/>
+              </a:defRPr>
+            </a:lvl2pPr>
+            <a:lvl3pPr marL="1143000" indent="-228600" algn="l" defTabSz="914400" rtl="0" eaLnBrk="1" latinLnBrk="0" hangingPunct="1">
+              <a:lnSpc>
+                <a:spcPct val="90000"/>
+              </a:lnSpc>
+              <a:spcBef>
+                <a:spcPts val="500"/>
+              </a:spcBef>
+              <a:buFont typeface="Arial" panose="020B0604020202020204" pitchFamily="34" charset="0"/>
+              <a:buChar char="•"/>
+              <a:defRPr sz="2000" kern="1200">
+                <a:solidFill>
+                  <a:schemeClr val="tx1"/>
+                </a:solidFill>
+                <a:latin typeface="+mn-lt"/>
+                <a:ea typeface="+mn-ea"/>
+                <a:cs typeface="+mn-cs"/>
+              </a:defRPr>
+            </a:lvl3pPr>
+            <a:lvl4pPr marL="1600200" indent="-228600" algn="l" defTabSz="914400" rtl="0" eaLnBrk="1" latinLnBrk="0" hangingPunct="1">
+              <a:lnSpc>
+                <a:spcPct val="90000"/>
+              </a:lnSpc>
+              <a:spcBef>
+                <a:spcPts val="500"/>
+              </a:spcBef>
+              <a:buFont typeface="Arial" panose="020B0604020202020204" pitchFamily="34" charset="0"/>
+              <a:buChar char="•"/>
+              <a:defRPr sz="1800" kern="1200">
+                <a:solidFill>
+                  <a:schemeClr val="tx1"/>
+                </a:solidFill>
+                <a:latin typeface="+mn-lt"/>
+                <a:ea typeface="+mn-ea"/>
+                <a:cs typeface="+mn-cs"/>
+              </a:defRPr>
+            </a:lvl4pPr>
+            <a:lvl5pPr marL="2057400" indent="-228600" algn="l" defTabSz="914400" rtl="0" eaLnBrk="1" latinLnBrk="0" hangingPunct="1">
+              <a:lnSpc>
+                <a:spcPct val="90000"/>
+              </a:lnSpc>
+              <a:spcBef>
+                <a:spcPts val="500"/>
+              </a:spcBef>
+              <a:buFont typeface="Arial" panose="020B0604020202020204" pitchFamily="34" charset="0"/>
+              <a:buChar char="•"/>
+              <a:defRPr sz="1800" kern="1200">
+                <a:solidFill>
+                  <a:schemeClr val="tx1"/>
+                </a:solidFill>
+                <a:latin typeface="+mn-lt"/>
+                <a:ea typeface="+mn-ea"/>
+                <a:cs typeface="+mn-cs"/>
+              </a:defRPr>
+            </a:lvl5pPr>
+            <a:lvl6pPr marL="2514600" indent="-228600" algn="l" defTabSz="914400" rtl="0" eaLnBrk="1" latinLnBrk="0" hangingPunct="1">
+              <a:lnSpc>
+                <a:spcPct val="90000"/>
+              </a:lnSpc>
+              <a:spcBef>
+                <a:spcPts val="500"/>
+              </a:spcBef>
+              <a:buFont typeface="Arial" panose="020B0604020202020204" pitchFamily="34" charset="0"/>
+              <a:buChar char="•"/>
+              <a:defRPr sz="1800" kern="1200">
+                <a:solidFill>
+                  <a:schemeClr val="tx1"/>
+                </a:solidFill>
+                <a:latin typeface="+mn-lt"/>
+                <a:ea typeface="+mn-ea"/>
+                <a:cs typeface="+mn-cs"/>
+              </a:defRPr>
+            </a:lvl6pPr>
+            <a:lvl7pPr marL="2971800" indent="-228600" algn="l" defTabSz="914400" rtl="0" eaLnBrk="1" latinLnBrk="0" hangingPunct="1">
+              <a:lnSpc>
+                <a:spcPct val="90000"/>
+              </a:lnSpc>
+              <a:spcBef>
+                <a:spcPts val="500"/>
+              </a:spcBef>
+              <a:buFont typeface="Arial" panose="020B0604020202020204" pitchFamily="34" charset="0"/>
+              <a:buChar char="•"/>
+              <a:defRPr sz="1800" kern="1200">
+                <a:solidFill>
+                  <a:schemeClr val="tx1"/>
+                </a:solidFill>
+                <a:latin typeface="+mn-lt"/>
+                <a:ea typeface="+mn-ea"/>
+                <a:cs typeface="+mn-cs"/>
+              </a:defRPr>
+            </a:lvl7pPr>
+            <a:lvl8pPr marL="3429000" indent="-228600" algn="l" defTabSz="914400" rtl="0" eaLnBrk="1" latinLnBrk="0" hangingPunct="1">
+              <a:lnSpc>
+                <a:spcPct val="90000"/>
+              </a:lnSpc>
+              <a:spcBef>
+                <a:spcPts val="500"/>
+              </a:spcBef>
+              <a:buFont typeface="Arial" panose="020B0604020202020204" pitchFamily="34" charset="0"/>
+              <a:buChar char="•"/>
+              <a:defRPr sz="1800" kern="1200">
+                <a:solidFill>
+                  <a:schemeClr val="tx1"/>
+                </a:solidFill>
+                <a:latin typeface="+mn-lt"/>
+                <a:ea typeface="+mn-ea"/>
+                <a:cs typeface="+mn-cs"/>
+              </a:defRPr>
+            </a:lvl8pPr>
+            <a:lvl9pPr marL="3886200" indent="-228600" algn="l" defTabSz="914400" rtl="0" eaLnBrk="1" latinLnBrk="0" hangingPunct="1">
+              <a:lnSpc>
+                <a:spcPct val="90000"/>
+              </a:lnSpc>
+              <a:spcBef>
+                <a:spcPts val="500"/>
+              </a:spcBef>
+              <a:buFont typeface="Arial" panose="020B0604020202020204" pitchFamily="34" charset="0"/>
+              <a:buChar char="•"/>
+              <a:defRPr sz="1800" kern="1200">
+                <a:solidFill>
+                  <a:schemeClr val="tx1"/>
+                </a:solidFill>
+                <a:latin typeface="+mn-lt"/>
+                <a:ea typeface="+mn-ea"/>
+                <a:cs typeface="+mn-cs"/>
+              </a:defRPr>
+            </a:lvl9pPr>
+          </a:lstStyle>
+          <a:p>
+            <a:pPr marL="0" indent="0">
+              <a:buNone/>
+            </a:pPr>
+            <a:r>
+              <a:rPr lang="ru-RU" sz="1600" b="1" dirty="0"/>
+              <a:t>Обновление EF</a:t>
+            </a:r>
+            <a:endParaRPr lang="ru-RU" sz="1600" dirty="0"/>
+          </a:p>
+          <a:p>
+            <a:r>
+              <a:rPr lang="ru-RU" sz="1600" dirty="0"/>
+              <a:t>EF' = EF + (0.1 – (5 – q) × (0.08 + (5 – q) × 0.02))</a:t>
+            </a:r>
+          </a:p>
+          <a:p>
+            <a:pPr marL="0" indent="0">
+              <a:buNone/>
+            </a:pPr>
+            <a:r>
+              <a:rPr lang="ru-RU" sz="1600" dirty="0"/>
+              <a:t>где </a:t>
+            </a:r>
+            <a:r>
+              <a:rPr lang="ru-RU" sz="1600" b="1" dirty="0"/>
+              <a:t>q</a:t>
+            </a:r>
+            <a:r>
+              <a:rPr lang="ru-RU" sz="1600" dirty="0"/>
+              <a:t> (0…5) – оценка качества воспроизведения</a:t>
+            </a:r>
+          </a:p>
+          <a:p>
+            <a:pPr marL="0" indent="0">
+              <a:buNone/>
+            </a:pPr>
+            <a:r>
+              <a:rPr lang="ru-RU" sz="1600" b="1" dirty="0"/>
+              <a:t>Краткий пример</a:t>
+            </a:r>
+            <a:endParaRPr lang="ru-RU" sz="1600" dirty="0"/>
+          </a:p>
+          <a:p>
+            <a:pPr lvl="0"/>
+            <a:r>
+              <a:rPr lang="ru-RU" sz="1600" dirty="0"/>
+              <a:t>Пусть n=3, EF=2.5 → I₃ = 6 × 2.5 = 15 дней</a:t>
+            </a:r>
+          </a:p>
+          <a:p>
+            <a:pPr lvl="0"/>
+            <a:r>
+              <a:rPr lang="ru-RU" sz="1600" dirty="0"/>
+              <a:t>При q=4: EF' = 2.5 + (0.1 – 1×(0.08 + 1×0.02)) ≈ 2.52</a:t>
+            </a:r>
+          </a:p>
+        </p:txBody>
+      </p:sp>
+    </p:spTree>
+    <p:extLst>
+      <p:ext uri="{BB962C8B-B14F-4D97-AF65-F5344CB8AC3E}">
+        <p14:creationId xmlns:p14="http://schemas.microsoft.com/office/powerpoint/2010/main" val="3067251858"/>
+      </p:ext>
+    </p:extLst>
+  </p:cSld>
+  <p:clrMapOvr>
+    <a:masterClrMapping/>
+  </p:clrMapOvr>
+</p:sld>
+</file>
+
+<file path=ppt/slides/slide13.xml><?xml version="1.0" encoding="utf-8"?>
+<p:sld xmlns:a="http://schemas.openxmlformats.org/drawingml/2006/main" xmlns:r="http://schemas.openxmlformats.org/officeDocument/2006/relationships" xmlns:p="http://schemas.openxmlformats.org/presentationml/2006/main">
+  <p:cSld>
+    <p:spTree>
+      <p:nvGrpSpPr>
+        <p:cNvPr id="1" name=""/>
+        <p:cNvGrpSpPr/>
+        <p:nvPr/>
+      </p:nvGrpSpPr>
+      <p:grpSpPr>
+        <a:xfrm>
+          <a:off x="0" y="0"/>
+          <a:ext cx="0" cy="0"/>
+          <a:chOff x="0" y="0"/>
+          <a:chExt cx="0" cy="0"/>
+        </a:xfrm>
+      </p:grpSpPr>
+      <p:sp>
+        <p:nvSpPr>
+          <p:cNvPr id="10" name="Прямоугольник 9">
+            <a:extLst>
+              <a:ext uri="{FF2B5EF4-FFF2-40B4-BE49-F238E27FC236}">
+                <a16:creationId xmlns:a16="http://schemas.microsoft.com/office/drawing/2014/main" id="{33D03015-65AB-407B-9A4A-22B7FD20E548}"/>
+              </a:ext>
+            </a:extLst>
+          </p:cNvPr>
+          <p:cNvSpPr/>
+          <p:nvPr/>
+        </p:nvSpPr>
+        <p:spPr>
+          <a:xfrm>
+            <a:off x="271324" y="980728"/>
+            <a:ext cx="8601352" cy="5131717"/>
+          </a:xfrm>
+          <a:prstGeom prst="rect">
+            <a:avLst/>
+          </a:prstGeom>
+          <a:solidFill>
+            <a:schemeClr val="tx1">
+              <a:alpha val="45000"/>
+            </a:schemeClr>
+          </a:solidFill>
+          <a:ln>
+            <a:noFill/>
+          </a:ln>
+        </p:spPr>
+        <p:style>
+          <a:lnRef idx="2">
+            <a:schemeClr val="accent1">
+              <a:shade val="50000"/>
+            </a:schemeClr>
+          </a:lnRef>
+          <a:fillRef idx="1">
+            <a:schemeClr val="accent1"/>
+          </a:fillRef>
+          <a:effectRef idx="0">
+            <a:schemeClr val="accent1"/>
+          </a:effectRef>
+          <a:fontRef idx="minor">
+            <a:schemeClr val="lt1"/>
+          </a:fontRef>
+        </p:style>
+        <p:txBody>
+          <a:bodyPr rtlCol="0" anchor="ctr"/>
+          <a:lstStyle/>
+          <a:p>
+            <a:pPr algn="ctr"/>
+            <a:endParaRPr lang="ru-RU"/>
+          </a:p>
+        </p:txBody>
+      </p:sp>
+      <p:sp>
+        <p:nvSpPr>
+          <p:cNvPr id="6" name="Прямоугольник 5">
+            <a:extLst>
+              <a:ext uri="{FF2B5EF4-FFF2-40B4-BE49-F238E27FC236}">
+                <a16:creationId xmlns:a16="http://schemas.microsoft.com/office/drawing/2014/main" id="{CA8D9E70-364E-490A-927A-DD11954012F3}"/>
+              </a:ext>
+            </a:extLst>
+          </p:cNvPr>
+          <p:cNvSpPr/>
+          <p:nvPr/>
+        </p:nvSpPr>
+        <p:spPr>
+          <a:xfrm>
+            <a:off x="2339752" y="3894956"/>
+            <a:ext cx="3960440" cy="360040"/>
+          </a:xfrm>
+          <a:prstGeom prst="rect">
+            <a:avLst/>
+          </a:prstGeom>
+          <a:solidFill>
+            <a:schemeClr val="bg1"/>
+          </a:solidFill>
+          <a:ln>
+            <a:noFill/>
+          </a:ln>
+        </p:spPr>
+        <p:style>
+          <a:lnRef idx="2">
+            <a:schemeClr val="accent1">
+              <a:shade val="50000"/>
+            </a:schemeClr>
+          </a:lnRef>
+          <a:fillRef idx="1">
+            <a:schemeClr val="accent1"/>
+          </a:fillRef>
+          <a:effectRef idx="0">
+            <a:schemeClr val="accent1"/>
+          </a:effectRef>
+          <a:fontRef idx="minor">
+            <a:schemeClr val="lt1"/>
+          </a:fontRef>
+        </p:style>
+        <p:txBody>
+          <a:bodyPr rtlCol="0" anchor="ctr"/>
+          <a:lstStyle/>
+          <a:p>
+            <a:pPr algn="ctr"/>
+            <a:endParaRPr lang="ru-RU"/>
+          </a:p>
+        </p:txBody>
+      </p:sp>
+      <p:sp>
+        <p:nvSpPr>
+          <p:cNvPr id="12" name="Прямоугольник 11">
+            <a:extLst>
+              <a:ext uri="{FF2B5EF4-FFF2-40B4-BE49-F238E27FC236}">
+                <a16:creationId xmlns:a16="http://schemas.microsoft.com/office/drawing/2014/main" id="{5113C7D1-E7F9-452B-91C3-030ACC644F6F}"/>
+              </a:ext>
+            </a:extLst>
+          </p:cNvPr>
+          <p:cNvSpPr/>
+          <p:nvPr/>
+        </p:nvSpPr>
+        <p:spPr>
+          <a:xfrm>
+            <a:off x="6228184" y="2348880"/>
+            <a:ext cx="1080120" cy="360040"/>
+          </a:xfrm>
+          <a:prstGeom prst="rect">
+            <a:avLst/>
+          </a:prstGeom>
+          <a:solidFill>
+            <a:schemeClr val="bg1"/>
+          </a:solidFill>
+          <a:ln>
+            <a:noFill/>
+          </a:ln>
+        </p:spPr>
+        <p:style>
+          <a:lnRef idx="2">
+            <a:schemeClr val="accent1">
+              <a:shade val="50000"/>
+            </a:schemeClr>
+          </a:lnRef>
+          <a:fillRef idx="1">
+            <a:schemeClr val="accent1"/>
+          </a:fillRef>
+          <a:effectRef idx="0">
+            <a:schemeClr val="accent1"/>
+          </a:effectRef>
+          <a:fontRef idx="minor">
+            <a:schemeClr val="lt1"/>
+          </a:fontRef>
+        </p:style>
+        <p:txBody>
+          <a:bodyPr rtlCol="0" anchor="ctr"/>
+          <a:lstStyle/>
+          <a:p>
+            <a:pPr algn="ctr"/>
+            <a:endParaRPr lang="ru-RU"/>
+          </a:p>
+        </p:txBody>
+      </p:sp>
+      <p:sp>
+        <p:nvSpPr>
+          <p:cNvPr id="3" name="Прямоугольник 2">
+            <a:extLst>
+              <a:ext uri="{FF2B5EF4-FFF2-40B4-BE49-F238E27FC236}">
+                <a16:creationId xmlns:a16="http://schemas.microsoft.com/office/drawing/2014/main" id="{BC3EAFD2-77AA-4957-B4E3-3065F13DF167}"/>
+              </a:ext>
+            </a:extLst>
+          </p:cNvPr>
+          <p:cNvSpPr/>
+          <p:nvPr/>
+        </p:nvSpPr>
+        <p:spPr>
+          <a:xfrm>
+            <a:off x="1187624" y="1628800"/>
+            <a:ext cx="3168352" cy="432048"/>
+          </a:xfrm>
+          <a:prstGeom prst="rect">
+            <a:avLst/>
+          </a:prstGeom>
+          <a:solidFill>
+            <a:schemeClr val="bg1"/>
+          </a:solidFill>
+          <a:ln>
+            <a:noFill/>
+          </a:ln>
+        </p:spPr>
+        <p:style>
+          <a:lnRef idx="2">
+            <a:schemeClr val="accent1">
+              <a:shade val="50000"/>
+            </a:schemeClr>
+          </a:lnRef>
+          <a:fillRef idx="1">
+            <a:schemeClr val="accent1"/>
+          </a:fillRef>
+          <a:effectRef idx="0">
+            <a:schemeClr val="accent1"/>
+          </a:effectRef>
+          <a:fontRef idx="minor">
+            <a:schemeClr val="lt1"/>
+          </a:fontRef>
+        </p:style>
+        <p:txBody>
+          <a:bodyPr rtlCol="0" anchor="ctr"/>
+          <a:lstStyle/>
+          <a:p>
+            <a:pPr algn="ctr"/>
+            <a:endParaRPr lang="ru-RU"/>
+          </a:p>
+        </p:txBody>
+      </p:sp>
+      <p:sp>
+        <p:nvSpPr>
+          <p:cNvPr id="11" name="Заголовок 1"/>
+          <p:cNvSpPr txBox="1">
+            <a:spLocks/>
+          </p:cNvSpPr>
+          <p:nvPr/>
+        </p:nvSpPr>
+        <p:spPr>
+          <a:xfrm>
+            <a:off x="251519" y="6112445"/>
+            <a:ext cx="8621157" cy="520850"/>
+          </a:xfrm>
+          <a:prstGeom prst="rect">
+            <a:avLst/>
+          </a:prstGeom>
+          <a:solidFill>
+            <a:srgbClr val="E6E6E6"/>
+          </a:solidFill>
+        </p:spPr>
+        <p:txBody>
+          <a:bodyPr vert="horz" lIns="91440" tIns="45720" rIns="91440" bIns="45720" rtlCol="0" anchor="ctr">
+            <a:noAutofit/>
+          </a:bodyPr>
+          <a:lstStyle>
+            <a:lvl1pPr algn="l" defTabSz="914400" rtl="0" eaLnBrk="1" latinLnBrk="0" hangingPunct="1">
+              <a:lnSpc>
+                <a:spcPct val="90000"/>
+              </a:lnSpc>
+              <a:spcBef>
+                <a:spcPct val="0"/>
+              </a:spcBef>
+              <a:buNone/>
+              <a:defRPr sz="4400" kern="1200">
+                <a:solidFill>
+                  <a:schemeClr val="tx1"/>
+                </a:solidFill>
+                <a:latin typeface="+mj-lt"/>
+                <a:ea typeface="+mj-ea"/>
+                <a:cs typeface="+mj-cs"/>
+              </a:defRPr>
+            </a:lvl1pPr>
+          </a:lstStyle>
+          <a:p>
+            <a:r>
+              <a:rPr lang="ru-RU" sz="1400" dirty="0">
+                <a:solidFill>
+                  <a:schemeClr val="tx1">
+                    <a:lumMod val="75000"/>
+                    <a:lumOff val="25000"/>
+                  </a:schemeClr>
+                </a:solidFill>
+                <a:latin typeface="Elektra Text Pro"/>
+                <a:cs typeface="Arial" pitchFamily="34" charset="0"/>
+              </a:rPr>
+              <a:t>Веб-приложение для обучения по системе </a:t>
+            </a:r>
+            <a:r>
+              <a:rPr lang="ru-RU" sz="1400" dirty="0" err="1">
+                <a:solidFill>
+                  <a:schemeClr val="tx1">
+                    <a:lumMod val="75000"/>
+                    <a:lumOff val="25000"/>
+                  </a:schemeClr>
+                </a:solidFill>
+                <a:latin typeface="Elektra Text Pro"/>
+                <a:cs typeface="Arial" pitchFamily="34" charset="0"/>
+              </a:rPr>
+              <a:t>Лейтнера</a:t>
+            </a:r>
+            <a:r>
+              <a:rPr lang="ru-RU" sz="1400" dirty="0">
+                <a:solidFill>
+                  <a:schemeClr val="tx1">
+                    <a:lumMod val="75000"/>
+                    <a:lumOff val="25000"/>
+                  </a:schemeClr>
+                </a:solidFill>
+                <a:latin typeface="Elektra Text Pro"/>
+                <a:cs typeface="Arial" pitchFamily="34" charset="0"/>
+              </a:rPr>
+              <a:t> с реализацией алгоритма </a:t>
+            </a:r>
+            <a:br>
+              <a:rPr lang="ru-RU" sz="1400" dirty="0">
+                <a:solidFill>
+                  <a:schemeClr val="tx1">
+                    <a:lumMod val="75000"/>
+                    <a:lumOff val="25000"/>
+                  </a:schemeClr>
+                </a:solidFill>
+                <a:latin typeface="Elektra Text Pro"/>
+                <a:cs typeface="Arial" pitchFamily="34" charset="0"/>
+              </a:rPr>
+            </a:br>
+            <a:r>
+              <a:rPr lang="ru-RU" sz="1400" dirty="0">
+                <a:solidFill>
+                  <a:schemeClr val="tx1">
+                    <a:lumMod val="75000"/>
+                    <a:lumOff val="25000"/>
+                  </a:schemeClr>
+                </a:solidFill>
+                <a:latin typeface="Elektra Text Pro"/>
+                <a:cs typeface="Arial" pitchFamily="34" charset="0"/>
+              </a:rPr>
+              <a:t>интервального повторения</a:t>
+            </a:r>
+          </a:p>
+        </p:txBody>
+      </p:sp>
+      <p:sp>
+        <p:nvSpPr>
+          <p:cNvPr id="2" name="Заголовок 1"/>
+          <p:cNvSpPr>
+            <a:spLocks noGrp="1"/>
+          </p:cNvSpPr>
+          <p:nvPr>
+            <p:ph type="title"/>
+          </p:nvPr>
+        </p:nvSpPr>
+        <p:spPr>
+          <a:xfrm>
+            <a:off x="251520" y="224705"/>
+            <a:ext cx="8621156" cy="756023"/>
+          </a:xfrm>
+          <a:solidFill>
+            <a:srgbClr val="E6E6E6"/>
+          </a:solidFill>
+        </p:spPr>
+        <p:txBody>
+          <a:bodyPr>
+            <a:noAutofit/>
+          </a:bodyPr>
+          <a:lstStyle/>
+          <a:p>
+            <a:pPr algn="ctr"/>
+            <a:r>
+              <a:rPr lang="ru-RU" sz="1800" b="1" dirty="0">
+                <a:latin typeface="Elektra Text Pro" panose="02000503030000020004"/>
+                <a:cs typeface="Arial" pitchFamily="34" charset="0"/>
+              </a:rPr>
+              <a:t>КАК ВЫЧИСЛЯЮТСЯ ИНТЕРВАЛЫ?</a:t>
+            </a:r>
+          </a:p>
+        </p:txBody>
+      </p:sp>
+      <p:sp>
+        <p:nvSpPr>
+          <p:cNvPr id="4" name="Объект 3">
+            <a:extLst>
+              <a:ext uri="{FF2B5EF4-FFF2-40B4-BE49-F238E27FC236}">
+                <a16:creationId xmlns:a16="http://schemas.microsoft.com/office/drawing/2014/main" id="{89ED7386-0C4C-4A64-BB73-B9D390C6CDC8}"/>
+              </a:ext>
+            </a:extLst>
+          </p:cNvPr>
+          <p:cNvSpPr>
+            <a:spLocks noGrp="1"/>
+          </p:cNvSpPr>
+          <p:nvPr>
+            <p:ph sz="half" idx="1"/>
+          </p:nvPr>
+        </p:nvSpPr>
+        <p:spPr>
+          <a:xfrm>
+            <a:off x="899592" y="1239169"/>
+            <a:ext cx="3886200" cy="2160239"/>
+          </a:xfrm>
+        </p:spPr>
+        <p:txBody>
+          <a:bodyPr>
+            <a:normAutofit/>
+          </a:bodyPr>
+          <a:lstStyle/>
+          <a:p>
+            <a:pPr marL="0" indent="0">
+              <a:buNone/>
+            </a:pPr>
+            <a:r>
+              <a:rPr lang="ru-RU" sz="1600" b="1" dirty="0"/>
+              <a:t>Параметры</a:t>
+            </a:r>
+            <a:endParaRPr lang="ru-RU" sz="1600" dirty="0"/>
+          </a:p>
+          <a:p>
+            <a:pPr lvl="0"/>
+            <a:r>
+              <a:rPr lang="ru-RU" sz="1600" b="1" dirty="0"/>
+              <a:t>EF</a:t>
+            </a:r>
+            <a:r>
+              <a:rPr lang="ru-RU" sz="1600" dirty="0"/>
+              <a:t> (</a:t>
+            </a:r>
+            <a:r>
+              <a:rPr lang="ru-RU" sz="1600" dirty="0" err="1"/>
+              <a:t>Easiness</a:t>
+            </a:r>
+            <a:r>
+              <a:rPr lang="ru-RU" sz="1600" dirty="0"/>
+              <a:t> </a:t>
+            </a:r>
+            <a:r>
+              <a:rPr lang="ru-RU" sz="1600" dirty="0" err="1"/>
+              <a:t>Factor</a:t>
+            </a:r>
+            <a:r>
+              <a:rPr lang="ru-RU" sz="1600" dirty="0"/>
+              <a:t>) – «коэффициент лёгкости» карточки</a:t>
+            </a:r>
+          </a:p>
+          <a:p>
+            <a:pPr lvl="0"/>
+            <a:r>
+              <a:rPr lang="ru-RU" sz="1600" b="1" dirty="0"/>
+              <a:t>n</a:t>
+            </a:r>
+            <a:r>
+              <a:rPr lang="ru-RU" sz="1600" dirty="0"/>
+              <a:t> – число последовательных успешных повторений</a:t>
+            </a:r>
+          </a:p>
+          <a:p>
+            <a:pPr lvl="0"/>
+            <a:r>
+              <a:rPr lang="en-US" sz="1600" b="1" dirty="0"/>
+              <a:t>l</a:t>
+            </a:r>
+            <a:r>
+              <a:rPr lang="ru-RU" sz="1600" dirty="0"/>
+              <a:t> – интервал для текущего повторения карточки</a:t>
+            </a:r>
+          </a:p>
+        </p:txBody>
+      </p:sp>
+      <p:sp>
+        <p:nvSpPr>
+          <p:cNvPr id="5" name="Объект 4">
+            <a:extLst>
+              <a:ext uri="{FF2B5EF4-FFF2-40B4-BE49-F238E27FC236}">
+                <a16:creationId xmlns:a16="http://schemas.microsoft.com/office/drawing/2014/main" id="{7096A292-EB99-4682-920B-D3AC02A3A52D}"/>
+              </a:ext>
+            </a:extLst>
+          </p:cNvPr>
+          <p:cNvSpPr>
+            <a:spLocks noGrp="1"/>
+          </p:cNvSpPr>
+          <p:nvPr>
+            <p:ph sz="half" idx="2"/>
+          </p:nvPr>
+        </p:nvSpPr>
+        <p:spPr>
+          <a:xfrm>
+            <a:off x="5436096" y="1340769"/>
+            <a:ext cx="2679154" cy="2088232"/>
+          </a:xfrm>
+        </p:spPr>
+        <p:txBody>
+          <a:bodyPr>
+            <a:normAutofit/>
+          </a:bodyPr>
+          <a:lstStyle/>
+          <a:p>
+            <a:pPr marL="0" indent="0">
+              <a:buNone/>
+            </a:pPr>
+            <a:r>
+              <a:rPr lang="ru-RU" sz="1600" b="1" dirty="0"/>
+              <a:t>Алгоритм SM-2</a:t>
+            </a:r>
+            <a:endParaRPr lang="ru-RU" sz="1600" dirty="0"/>
+          </a:p>
+          <a:p>
+            <a:pPr lvl="0"/>
+            <a:r>
+              <a:rPr lang="ru-RU" sz="1600" b="1" dirty="0"/>
+              <a:t>n = 1:</a:t>
+            </a:r>
+            <a:r>
+              <a:rPr lang="ru-RU" sz="1600" dirty="0"/>
+              <a:t> I₁ = 1 день</a:t>
+            </a:r>
+          </a:p>
+          <a:p>
+            <a:pPr lvl="0"/>
+            <a:r>
+              <a:rPr lang="ru-RU" sz="1600" b="1" dirty="0"/>
+              <a:t>n = 2:</a:t>
+            </a:r>
+            <a:r>
+              <a:rPr lang="ru-RU" sz="1600" dirty="0"/>
+              <a:t> I₂ = 6 дней</a:t>
+            </a:r>
+          </a:p>
+          <a:p>
+            <a:pPr lvl="0"/>
+            <a:r>
+              <a:rPr lang="ru-RU" sz="1600" b="1" dirty="0"/>
+              <a:t>n &gt; 2:</a:t>
+            </a:r>
+            <a:r>
+              <a:rPr lang="ru-RU" sz="1600" dirty="0"/>
+              <a:t> Iₙ = Iₙ₋₁ × EF</a:t>
+            </a:r>
+          </a:p>
+          <a:p>
+            <a:pPr marL="0" indent="0">
+              <a:buNone/>
+            </a:pPr>
+            <a:endParaRPr lang="ru-RU" sz="1600" dirty="0"/>
+          </a:p>
+        </p:txBody>
+      </p:sp>
+      <p:sp>
+        <p:nvSpPr>
+          <p:cNvPr id="9" name="TextBox 8"/>
+          <p:cNvSpPr txBox="1"/>
+          <p:nvPr/>
+        </p:nvSpPr>
+        <p:spPr>
+          <a:xfrm>
+            <a:off x="7884368" y="6165306"/>
+            <a:ext cx="988309" cy="369332"/>
+          </a:xfrm>
+          <a:prstGeom prst="rect">
+            <a:avLst/>
+          </a:prstGeom>
+          <a:noFill/>
+        </p:spPr>
+        <p:txBody>
+          <a:bodyPr wrap="square" rtlCol="0">
+            <a:spAutoFit/>
+          </a:bodyPr>
+          <a:lstStyle/>
+          <a:p>
+            <a:pPr algn="r"/>
+            <a:fld id="{249A5D52-88F9-4971-91E7-95B02B6DE201}" type="slidenum">
+              <a:rPr lang="ru-RU" smtClean="0"/>
+              <a:pPr algn="r"/>
+              <a:t>13</a:t>
+            </a:fld>
+            <a:r>
+              <a:rPr lang="ru-RU" dirty="0"/>
+              <a:t>/21</a:t>
+            </a:r>
+          </a:p>
+        </p:txBody>
+      </p:sp>
+      <p:sp>
+        <p:nvSpPr>
+          <p:cNvPr id="8" name="Объект 4">
+            <a:extLst>
+              <a:ext uri="{FF2B5EF4-FFF2-40B4-BE49-F238E27FC236}">
+                <a16:creationId xmlns:a16="http://schemas.microsoft.com/office/drawing/2014/main" id="{888FB21E-EB8A-4E9D-899D-28C57B3F5690}"/>
+              </a:ext>
+            </a:extLst>
+          </p:cNvPr>
+          <p:cNvSpPr txBox="1">
+            <a:spLocks/>
+          </p:cNvSpPr>
+          <p:nvPr/>
+        </p:nvSpPr>
+        <p:spPr>
+          <a:xfrm>
+            <a:off x="2060264" y="3569064"/>
+            <a:ext cx="5023471" cy="2088232"/>
+          </a:xfrm>
+          <a:prstGeom prst="rect">
+            <a:avLst/>
+          </a:prstGeom>
+        </p:spPr>
+        <p:txBody>
+          <a:bodyPr vert="horz" lIns="91440" tIns="45720" rIns="91440" bIns="45720" rtlCol="0">
+            <a:normAutofit/>
+          </a:bodyPr>
+          <a:lstStyle>
+            <a:lvl1pPr marL="228600" indent="-228600" algn="l" defTabSz="914400" rtl="0" eaLnBrk="1" latinLnBrk="0" hangingPunct="1">
+              <a:lnSpc>
+                <a:spcPct val="90000"/>
+              </a:lnSpc>
+              <a:spcBef>
+                <a:spcPts val="1000"/>
+              </a:spcBef>
+              <a:buFont typeface="Arial" panose="020B0604020202020204" pitchFamily="34" charset="0"/>
+              <a:buChar char="•"/>
+              <a:defRPr sz="2800" kern="1200">
+                <a:solidFill>
+                  <a:schemeClr val="tx1"/>
+                </a:solidFill>
+                <a:latin typeface="+mn-lt"/>
+                <a:ea typeface="+mn-ea"/>
+                <a:cs typeface="+mn-cs"/>
+              </a:defRPr>
+            </a:lvl1pPr>
+            <a:lvl2pPr marL="685800" indent="-228600" algn="l" defTabSz="914400" rtl="0" eaLnBrk="1" latinLnBrk="0" hangingPunct="1">
+              <a:lnSpc>
+                <a:spcPct val="90000"/>
+              </a:lnSpc>
+              <a:spcBef>
+                <a:spcPts val="500"/>
+              </a:spcBef>
+              <a:buFont typeface="Arial" panose="020B0604020202020204" pitchFamily="34" charset="0"/>
+              <a:buChar char="•"/>
+              <a:defRPr sz="2400" kern="1200">
+                <a:solidFill>
+                  <a:schemeClr val="tx1"/>
+                </a:solidFill>
+                <a:latin typeface="+mn-lt"/>
+                <a:ea typeface="+mn-ea"/>
+                <a:cs typeface="+mn-cs"/>
+              </a:defRPr>
+            </a:lvl2pPr>
+            <a:lvl3pPr marL="1143000" indent="-228600" algn="l" defTabSz="914400" rtl="0" eaLnBrk="1" latinLnBrk="0" hangingPunct="1">
+              <a:lnSpc>
+                <a:spcPct val="90000"/>
+              </a:lnSpc>
+              <a:spcBef>
+                <a:spcPts val="500"/>
+              </a:spcBef>
+              <a:buFont typeface="Arial" panose="020B0604020202020204" pitchFamily="34" charset="0"/>
+              <a:buChar char="•"/>
+              <a:defRPr sz="2000" kern="1200">
+                <a:solidFill>
+                  <a:schemeClr val="tx1"/>
+                </a:solidFill>
+                <a:latin typeface="+mn-lt"/>
+                <a:ea typeface="+mn-ea"/>
+                <a:cs typeface="+mn-cs"/>
+              </a:defRPr>
+            </a:lvl3pPr>
+            <a:lvl4pPr marL="1600200" indent="-228600" algn="l" defTabSz="914400" rtl="0" eaLnBrk="1" latinLnBrk="0" hangingPunct="1">
+              <a:lnSpc>
+                <a:spcPct val="90000"/>
+              </a:lnSpc>
+              <a:spcBef>
+                <a:spcPts val="500"/>
+              </a:spcBef>
+              <a:buFont typeface="Arial" panose="020B0604020202020204" pitchFamily="34" charset="0"/>
+              <a:buChar char="•"/>
+              <a:defRPr sz="1800" kern="1200">
+                <a:solidFill>
+                  <a:schemeClr val="tx1"/>
+                </a:solidFill>
+                <a:latin typeface="+mn-lt"/>
+                <a:ea typeface="+mn-ea"/>
+                <a:cs typeface="+mn-cs"/>
+              </a:defRPr>
+            </a:lvl4pPr>
+            <a:lvl5pPr marL="2057400" indent="-228600" algn="l" defTabSz="914400" rtl="0" eaLnBrk="1" latinLnBrk="0" hangingPunct="1">
+              <a:lnSpc>
+                <a:spcPct val="90000"/>
+              </a:lnSpc>
+              <a:spcBef>
+                <a:spcPts val="500"/>
+              </a:spcBef>
+              <a:buFont typeface="Arial" panose="020B0604020202020204" pitchFamily="34" charset="0"/>
+              <a:buChar char="•"/>
+              <a:defRPr sz="1800" kern="1200">
+                <a:solidFill>
+                  <a:schemeClr val="tx1"/>
+                </a:solidFill>
+                <a:latin typeface="+mn-lt"/>
+                <a:ea typeface="+mn-ea"/>
+                <a:cs typeface="+mn-cs"/>
+              </a:defRPr>
+            </a:lvl5pPr>
+            <a:lvl6pPr marL="2514600" indent="-228600" algn="l" defTabSz="914400" rtl="0" eaLnBrk="1" latinLnBrk="0" hangingPunct="1">
+              <a:lnSpc>
+                <a:spcPct val="90000"/>
+              </a:lnSpc>
+              <a:spcBef>
+                <a:spcPts val="500"/>
+              </a:spcBef>
+              <a:buFont typeface="Arial" panose="020B0604020202020204" pitchFamily="34" charset="0"/>
+              <a:buChar char="•"/>
+              <a:defRPr sz="1800" kern="1200">
+                <a:solidFill>
+                  <a:schemeClr val="tx1"/>
+                </a:solidFill>
+                <a:latin typeface="+mn-lt"/>
+                <a:ea typeface="+mn-ea"/>
+                <a:cs typeface="+mn-cs"/>
+              </a:defRPr>
+            </a:lvl6pPr>
+            <a:lvl7pPr marL="2971800" indent="-228600" algn="l" defTabSz="914400" rtl="0" eaLnBrk="1" latinLnBrk="0" hangingPunct="1">
+              <a:lnSpc>
+                <a:spcPct val="90000"/>
+              </a:lnSpc>
+              <a:spcBef>
+                <a:spcPts val="500"/>
+              </a:spcBef>
+              <a:buFont typeface="Arial" panose="020B0604020202020204" pitchFamily="34" charset="0"/>
+              <a:buChar char="•"/>
+              <a:defRPr sz="1800" kern="1200">
+                <a:solidFill>
+                  <a:schemeClr val="tx1"/>
+                </a:solidFill>
+                <a:latin typeface="+mn-lt"/>
+                <a:ea typeface="+mn-ea"/>
+                <a:cs typeface="+mn-cs"/>
+              </a:defRPr>
+            </a:lvl7pPr>
+            <a:lvl8pPr marL="3429000" indent="-228600" algn="l" defTabSz="914400" rtl="0" eaLnBrk="1" latinLnBrk="0" hangingPunct="1">
+              <a:lnSpc>
+                <a:spcPct val="90000"/>
+              </a:lnSpc>
+              <a:spcBef>
+                <a:spcPts val="500"/>
+              </a:spcBef>
+              <a:buFont typeface="Arial" panose="020B0604020202020204" pitchFamily="34" charset="0"/>
+              <a:buChar char="•"/>
+              <a:defRPr sz="1800" kern="1200">
+                <a:solidFill>
+                  <a:schemeClr val="tx1"/>
+                </a:solidFill>
+                <a:latin typeface="+mn-lt"/>
+                <a:ea typeface="+mn-ea"/>
+                <a:cs typeface="+mn-cs"/>
+              </a:defRPr>
+            </a:lvl8pPr>
+            <a:lvl9pPr marL="3886200" indent="-228600" algn="l" defTabSz="914400" rtl="0" eaLnBrk="1" latinLnBrk="0" hangingPunct="1">
+              <a:lnSpc>
+                <a:spcPct val="90000"/>
+              </a:lnSpc>
+              <a:spcBef>
+                <a:spcPts val="500"/>
+              </a:spcBef>
+              <a:buFont typeface="Arial" panose="020B0604020202020204" pitchFamily="34" charset="0"/>
+              <a:buChar char="•"/>
+              <a:defRPr sz="1800" kern="1200">
+                <a:solidFill>
+                  <a:schemeClr val="tx1"/>
+                </a:solidFill>
+                <a:latin typeface="+mn-lt"/>
+                <a:ea typeface="+mn-ea"/>
+                <a:cs typeface="+mn-cs"/>
+              </a:defRPr>
+            </a:lvl9pPr>
+          </a:lstStyle>
+          <a:p>
+            <a:pPr marL="0" indent="0">
+              <a:buNone/>
+            </a:pPr>
+            <a:r>
+              <a:rPr lang="ru-RU" sz="1600" b="1" dirty="0"/>
+              <a:t>Обновление EF</a:t>
+            </a:r>
+            <a:endParaRPr lang="ru-RU" sz="1600" dirty="0"/>
+          </a:p>
+          <a:p>
+            <a:r>
+              <a:rPr lang="ru-RU" sz="1600" dirty="0"/>
+              <a:t>EF' = EF + (0.1 – (5 – q) × (0.08 + (5 – q) × 0.02))</a:t>
+            </a:r>
+          </a:p>
+          <a:p>
+            <a:pPr marL="0" indent="0">
+              <a:buNone/>
+            </a:pPr>
+            <a:r>
+              <a:rPr lang="ru-RU" sz="1600" dirty="0"/>
+              <a:t>где </a:t>
+            </a:r>
+            <a:r>
+              <a:rPr lang="ru-RU" sz="1600" b="1" dirty="0"/>
+              <a:t>q</a:t>
+            </a:r>
+            <a:r>
+              <a:rPr lang="ru-RU" sz="1600" dirty="0"/>
+              <a:t> (0…5) – оценка качества воспроизведения</a:t>
+            </a:r>
+          </a:p>
+          <a:p>
+            <a:pPr marL="0" indent="0">
+              <a:buNone/>
+            </a:pPr>
+            <a:r>
+              <a:rPr lang="ru-RU" sz="1600" b="1" dirty="0"/>
+              <a:t>Краткий пример</a:t>
+            </a:r>
+            <a:endParaRPr lang="ru-RU" sz="1600" dirty="0"/>
+          </a:p>
+          <a:p>
+            <a:pPr lvl="0"/>
+            <a:r>
+              <a:rPr lang="ru-RU" sz="1600" dirty="0"/>
+              <a:t>Пусть n=3, EF=2.5 → I₃ = 6 × 2.5 = 15 дней</a:t>
+            </a:r>
+          </a:p>
+          <a:p>
+            <a:pPr lvl="0"/>
+            <a:r>
+              <a:rPr lang="ru-RU" sz="1600" dirty="0"/>
+              <a:t>При q=4: EF' = 2.5 + (0.1 – 1×(0.08 + 1×0.02)) ≈ 2.52</a:t>
+            </a:r>
+          </a:p>
+        </p:txBody>
+      </p:sp>
+    </p:spTree>
+    <p:extLst>
+      <p:ext uri="{BB962C8B-B14F-4D97-AF65-F5344CB8AC3E}">
+        <p14:creationId xmlns:p14="http://schemas.microsoft.com/office/powerpoint/2010/main" val="3625592048"/>
+      </p:ext>
+    </p:extLst>
+  </p:cSld>
+  <p:clrMapOvr>
+    <a:masterClrMapping/>
+  </p:clrMapOvr>
+</p:sld>
+</file>
+
+<file path=ppt/slides/slide14.xml><?xml version="1.0" encoding="utf-8"?>
+<p:sld xmlns:a="http://schemas.openxmlformats.org/drawingml/2006/main" xmlns:r="http://schemas.openxmlformats.org/officeDocument/2006/relationships" xmlns:p="http://schemas.openxmlformats.org/presentationml/2006/main">
+  <p:cSld>
+    <p:spTree>
+      <p:nvGrpSpPr>
+        <p:cNvPr id="1" name=""/>
+        <p:cNvGrpSpPr/>
+        <p:nvPr/>
+      </p:nvGrpSpPr>
+      <p:grpSpPr>
+        <a:xfrm>
+          <a:off x="0" y="0"/>
+          <a:ext cx="0" cy="0"/>
+          <a:chOff x="0" y="0"/>
+          <a:chExt cx="0" cy="0"/>
+        </a:xfrm>
+      </p:grpSpPr>
+      <p:sp>
+        <p:nvSpPr>
+          <p:cNvPr id="11" name="Заголовок 1"/>
+          <p:cNvSpPr txBox="1">
+            <a:spLocks/>
+          </p:cNvSpPr>
+          <p:nvPr/>
+        </p:nvSpPr>
+        <p:spPr>
+          <a:xfrm>
+            <a:off x="251519" y="6112445"/>
+            <a:ext cx="8621157" cy="520850"/>
+          </a:xfrm>
+          <a:prstGeom prst="rect">
+            <a:avLst/>
+          </a:prstGeom>
+          <a:solidFill>
+            <a:srgbClr val="E6E6E6"/>
+          </a:solidFill>
+        </p:spPr>
+        <p:txBody>
+          <a:bodyPr vert="horz" lIns="91440" tIns="45720" rIns="91440" bIns="45720" rtlCol="0" anchor="ctr">
+            <a:noAutofit/>
+          </a:bodyPr>
+          <a:lstStyle>
+            <a:lvl1pPr algn="l" defTabSz="914400" rtl="0" eaLnBrk="1" latinLnBrk="0" hangingPunct="1">
+              <a:lnSpc>
+                <a:spcPct val="90000"/>
+              </a:lnSpc>
+              <a:spcBef>
+                <a:spcPct val="0"/>
+              </a:spcBef>
+              <a:buNone/>
+              <a:defRPr sz="4400" kern="1200">
+                <a:solidFill>
+                  <a:schemeClr val="tx1"/>
+                </a:solidFill>
+                <a:latin typeface="+mj-lt"/>
+                <a:ea typeface="+mj-ea"/>
+                <a:cs typeface="+mj-cs"/>
+              </a:defRPr>
+            </a:lvl1pPr>
+          </a:lstStyle>
+          <a:p>
+            <a:r>
+              <a:rPr lang="ru-RU" sz="1400" dirty="0">
+                <a:solidFill>
+                  <a:schemeClr val="tx1">
+                    <a:lumMod val="75000"/>
+                    <a:lumOff val="25000"/>
+                  </a:schemeClr>
+                </a:solidFill>
+                <a:latin typeface="Elektra Text Pro"/>
+                <a:cs typeface="Arial" pitchFamily="34" charset="0"/>
+              </a:rPr>
+              <a:t>Веб-приложение для обучения по системе </a:t>
+            </a:r>
+            <a:r>
+              <a:rPr lang="ru-RU" sz="1400" dirty="0" err="1">
+                <a:solidFill>
+                  <a:schemeClr val="tx1">
+                    <a:lumMod val="75000"/>
+                    <a:lumOff val="25000"/>
+                  </a:schemeClr>
+                </a:solidFill>
+                <a:latin typeface="Elektra Text Pro"/>
+                <a:cs typeface="Arial" pitchFamily="34" charset="0"/>
+              </a:rPr>
+              <a:t>Лейтнера</a:t>
+            </a:r>
+            <a:r>
+              <a:rPr lang="ru-RU" sz="1400" dirty="0">
+                <a:solidFill>
+                  <a:schemeClr val="tx1">
+                    <a:lumMod val="75000"/>
+                    <a:lumOff val="25000"/>
+                  </a:schemeClr>
+                </a:solidFill>
+                <a:latin typeface="Elektra Text Pro"/>
+                <a:cs typeface="Arial" pitchFamily="34" charset="0"/>
+              </a:rPr>
+              <a:t> с реализацией алгоритма </a:t>
+            </a:r>
+            <a:br>
+              <a:rPr lang="ru-RU" sz="1400" dirty="0">
+                <a:solidFill>
+                  <a:schemeClr val="tx1">
+                    <a:lumMod val="75000"/>
+                    <a:lumOff val="25000"/>
+                  </a:schemeClr>
+                </a:solidFill>
+                <a:latin typeface="Elektra Text Pro"/>
+                <a:cs typeface="Arial" pitchFamily="34" charset="0"/>
+              </a:rPr>
+            </a:br>
+            <a:r>
+              <a:rPr lang="ru-RU" sz="1400" dirty="0">
+                <a:solidFill>
+                  <a:schemeClr val="tx1">
+                    <a:lumMod val="75000"/>
+                    <a:lumOff val="25000"/>
+                  </a:schemeClr>
+                </a:solidFill>
+                <a:latin typeface="Elektra Text Pro"/>
+                <a:cs typeface="Arial" pitchFamily="34" charset="0"/>
+              </a:rPr>
+              <a:t>интервального повторения</a:t>
+            </a:r>
+          </a:p>
+        </p:txBody>
+      </p:sp>
+      <p:sp>
+        <p:nvSpPr>
+          <p:cNvPr id="2" name="Заголовок 1"/>
+          <p:cNvSpPr>
+            <a:spLocks noGrp="1"/>
+          </p:cNvSpPr>
+          <p:nvPr>
+            <p:ph type="title"/>
+          </p:nvPr>
+        </p:nvSpPr>
+        <p:spPr>
+          <a:xfrm>
+            <a:off x="251520" y="224705"/>
+            <a:ext cx="8621156" cy="756023"/>
+          </a:xfrm>
+          <a:solidFill>
+            <a:srgbClr val="E6E6E6"/>
+          </a:solidFill>
+        </p:spPr>
+        <p:txBody>
+          <a:bodyPr>
+            <a:noAutofit/>
+          </a:bodyPr>
+          <a:lstStyle/>
+          <a:p>
+            <a:pPr algn="ctr"/>
+            <a:r>
+              <a:rPr lang="ru-RU" sz="1800" b="1" dirty="0">
+                <a:latin typeface="Elektra Text Pro" panose="02000503030000020004"/>
+                <a:cs typeface="Arial" pitchFamily="34" charset="0"/>
+              </a:rPr>
+              <a:t>КАК ВЫЧИСЛЯЮТСЯ ИНТЕРВАЛЫ?</a:t>
+            </a:r>
+          </a:p>
+        </p:txBody>
+      </p:sp>
+      <p:sp>
+        <p:nvSpPr>
+          <p:cNvPr id="4" name="Объект 3">
+            <a:extLst>
+              <a:ext uri="{FF2B5EF4-FFF2-40B4-BE49-F238E27FC236}">
+                <a16:creationId xmlns:a16="http://schemas.microsoft.com/office/drawing/2014/main" id="{89ED7386-0C4C-4A64-BB73-B9D390C6CDC8}"/>
+              </a:ext>
+            </a:extLst>
+          </p:cNvPr>
+          <p:cNvSpPr>
+            <a:spLocks noGrp="1"/>
+          </p:cNvSpPr>
+          <p:nvPr>
+            <p:ph sz="half" idx="1"/>
+          </p:nvPr>
+        </p:nvSpPr>
+        <p:spPr>
+          <a:xfrm>
+            <a:off x="899592" y="1239169"/>
+            <a:ext cx="3886200" cy="2160239"/>
+          </a:xfrm>
+        </p:spPr>
+        <p:txBody>
+          <a:bodyPr>
+            <a:normAutofit/>
+          </a:bodyPr>
+          <a:lstStyle/>
+          <a:p>
+            <a:pPr marL="0" indent="0">
+              <a:buNone/>
+            </a:pPr>
+            <a:r>
+              <a:rPr lang="ru-RU" sz="1600" b="1" dirty="0"/>
+              <a:t>Параметры</a:t>
+            </a:r>
+            <a:endParaRPr lang="ru-RU" sz="1600" dirty="0"/>
+          </a:p>
+          <a:p>
+            <a:pPr lvl="0"/>
+            <a:r>
+              <a:rPr lang="ru-RU" sz="1600" b="1" dirty="0"/>
+              <a:t>EF</a:t>
+            </a:r>
+            <a:r>
+              <a:rPr lang="ru-RU" sz="1600" dirty="0"/>
+              <a:t> (</a:t>
+            </a:r>
+            <a:r>
+              <a:rPr lang="ru-RU" sz="1600" dirty="0" err="1"/>
+              <a:t>Easiness</a:t>
+            </a:r>
+            <a:r>
+              <a:rPr lang="ru-RU" sz="1600" dirty="0"/>
+              <a:t> </a:t>
+            </a:r>
+            <a:r>
+              <a:rPr lang="ru-RU" sz="1600" dirty="0" err="1"/>
+              <a:t>Factor</a:t>
+            </a:r>
+            <a:r>
+              <a:rPr lang="ru-RU" sz="1600" dirty="0"/>
+              <a:t>) – «коэффициент лёгкости» карточки</a:t>
+            </a:r>
+          </a:p>
+          <a:p>
+            <a:pPr lvl="0"/>
+            <a:r>
+              <a:rPr lang="ru-RU" sz="1600" b="1" dirty="0"/>
+              <a:t>n</a:t>
+            </a:r>
+            <a:r>
+              <a:rPr lang="ru-RU" sz="1600" dirty="0"/>
+              <a:t> – число последовательных успешных повторений</a:t>
+            </a:r>
+          </a:p>
+          <a:p>
+            <a:pPr lvl="0"/>
+            <a:r>
+              <a:rPr lang="en-US" sz="1600" b="1" dirty="0"/>
+              <a:t>l</a:t>
+            </a:r>
+            <a:r>
+              <a:rPr lang="ru-RU" sz="1600" dirty="0"/>
+              <a:t> – интервал для текущего повторения карточки</a:t>
+            </a:r>
+          </a:p>
+        </p:txBody>
+      </p:sp>
+      <p:sp>
+        <p:nvSpPr>
+          <p:cNvPr id="5" name="Объект 4">
+            <a:extLst>
+              <a:ext uri="{FF2B5EF4-FFF2-40B4-BE49-F238E27FC236}">
+                <a16:creationId xmlns:a16="http://schemas.microsoft.com/office/drawing/2014/main" id="{7096A292-EB99-4682-920B-D3AC02A3A52D}"/>
+              </a:ext>
+            </a:extLst>
+          </p:cNvPr>
+          <p:cNvSpPr>
+            <a:spLocks noGrp="1"/>
+          </p:cNvSpPr>
+          <p:nvPr>
+            <p:ph sz="half" idx="2"/>
+          </p:nvPr>
+        </p:nvSpPr>
+        <p:spPr>
+          <a:xfrm>
+            <a:off x="5436096" y="1340769"/>
+            <a:ext cx="2679154" cy="2088232"/>
+          </a:xfrm>
+        </p:spPr>
+        <p:txBody>
+          <a:bodyPr>
+            <a:normAutofit/>
+          </a:bodyPr>
+          <a:lstStyle/>
+          <a:p>
+            <a:pPr marL="0" indent="0">
+              <a:buNone/>
+            </a:pPr>
+            <a:r>
+              <a:rPr lang="ru-RU" sz="1600" b="1" dirty="0"/>
+              <a:t>Алгоритм SM-2</a:t>
+            </a:r>
+            <a:endParaRPr lang="ru-RU" sz="1600" dirty="0"/>
+          </a:p>
+          <a:p>
+            <a:pPr lvl="0"/>
+            <a:r>
+              <a:rPr lang="ru-RU" sz="1600" b="1" dirty="0"/>
+              <a:t>n = 1:</a:t>
+            </a:r>
+            <a:r>
+              <a:rPr lang="ru-RU" sz="1600" dirty="0"/>
+              <a:t> I₁ = 1 день</a:t>
+            </a:r>
+          </a:p>
+          <a:p>
+            <a:pPr lvl="0"/>
+            <a:r>
+              <a:rPr lang="ru-RU" sz="1600" b="1" dirty="0"/>
+              <a:t>n = 2:</a:t>
+            </a:r>
+            <a:r>
+              <a:rPr lang="ru-RU" sz="1600" dirty="0"/>
+              <a:t> I₂ = 6 дней</a:t>
+            </a:r>
+          </a:p>
+          <a:p>
+            <a:pPr lvl="0"/>
+            <a:r>
+              <a:rPr lang="ru-RU" sz="1600" b="1" dirty="0"/>
+              <a:t>n &gt; 2:</a:t>
+            </a:r>
+            <a:r>
+              <a:rPr lang="ru-RU" sz="1600" dirty="0"/>
+              <a:t> Iₙ = Iₙ₋₁ × EF</a:t>
+            </a:r>
+          </a:p>
+          <a:p>
+            <a:pPr marL="0" indent="0">
+              <a:buNone/>
+            </a:pPr>
+            <a:endParaRPr lang="ru-RU" sz="1600" dirty="0"/>
+          </a:p>
+        </p:txBody>
+      </p:sp>
+      <p:sp>
+        <p:nvSpPr>
+          <p:cNvPr id="9" name="TextBox 8"/>
+          <p:cNvSpPr txBox="1"/>
+          <p:nvPr/>
+        </p:nvSpPr>
+        <p:spPr>
+          <a:xfrm>
+            <a:off x="7884368" y="6165306"/>
+            <a:ext cx="988309" cy="369332"/>
+          </a:xfrm>
+          <a:prstGeom prst="rect">
+            <a:avLst/>
+          </a:prstGeom>
+          <a:noFill/>
+        </p:spPr>
+        <p:txBody>
+          <a:bodyPr wrap="square" rtlCol="0">
+            <a:spAutoFit/>
+          </a:bodyPr>
+          <a:lstStyle/>
+          <a:p>
+            <a:pPr algn="r"/>
+            <a:fld id="{249A5D52-88F9-4971-91E7-95B02B6DE201}" type="slidenum">
+              <a:rPr lang="ru-RU" smtClean="0"/>
+              <a:pPr algn="r"/>
+              <a:t>14</a:t>
+            </a:fld>
+            <a:r>
+              <a:rPr lang="ru-RU" dirty="0"/>
+              <a:t>/21</a:t>
+            </a:r>
+          </a:p>
+        </p:txBody>
+      </p:sp>
+      <p:sp>
+        <p:nvSpPr>
+          <p:cNvPr id="8" name="Объект 4">
+            <a:extLst>
+              <a:ext uri="{FF2B5EF4-FFF2-40B4-BE49-F238E27FC236}">
+                <a16:creationId xmlns:a16="http://schemas.microsoft.com/office/drawing/2014/main" id="{888FB21E-EB8A-4E9D-899D-28C57B3F5690}"/>
+              </a:ext>
+            </a:extLst>
+          </p:cNvPr>
+          <p:cNvSpPr txBox="1">
+            <a:spLocks/>
+          </p:cNvSpPr>
+          <p:nvPr/>
+        </p:nvSpPr>
+        <p:spPr>
+          <a:xfrm>
+            <a:off x="2060264" y="3569064"/>
+            <a:ext cx="5023471" cy="2088232"/>
+          </a:xfrm>
+          <a:prstGeom prst="rect">
+            <a:avLst/>
+          </a:prstGeom>
+        </p:spPr>
+        <p:txBody>
+          <a:bodyPr vert="horz" lIns="91440" tIns="45720" rIns="91440" bIns="45720" rtlCol="0">
+            <a:normAutofit/>
+          </a:bodyPr>
+          <a:lstStyle>
+            <a:lvl1pPr marL="228600" indent="-228600" algn="l" defTabSz="914400" rtl="0" eaLnBrk="1" latinLnBrk="0" hangingPunct="1">
+              <a:lnSpc>
+                <a:spcPct val="90000"/>
+              </a:lnSpc>
+              <a:spcBef>
+                <a:spcPts val="1000"/>
+              </a:spcBef>
+              <a:buFont typeface="Arial" panose="020B0604020202020204" pitchFamily="34" charset="0"/>
+              <a:buChar char="•"/>
+              <a:defRPr sz="2800" kern="1200">
+                <a:solidFill>
+                  <a:schemeClr val="tx1"/>
+                </a:solidFill>
+                <a:latin typeface="+mn-lt"/>
+                <a:ea typeface="+mn-ea"/>
+                <a:cs typeface="+mn-cs"/>
+              </a:defRPr>
+            </a:lvl1pPr>
+            <a:lvl2pPr marL="685800" indent="-228600" algn="l" defTabSz="914400" rtl="0" eaLnBrk="1" latinLnBrk="0" hangingPunct="1">
+              <a:lnSpc>
+                <a:spcPct val="90000"/>
+              </a:lnSpc>
+              <a:spcBef>
+                <a:spcPts val="500"/>
+              </a:spcBef>
+              <a:buFont typeface="Arial" panose="020B0604020202020204" pitchFamily="34" charset="0"/>
+              <a:buChar char="•"/>
+              <a:defRPr sz="2400" kern="1200">
+                <a:solidFill>
+                  <a:schemeClr val="tx1"/>
+                </a:solidFill>
+                <a:latin typeface="+mn-lt"/>
+                <a:ea typeface="+mn-ea"/>
+                <a:cs typeface="+mn-cs"/>
+              </a:defRPr>
+            </a:lvl2pPr>
+            <a:lvl3pPr marL="1143000" indent="-228600" algn="l" defTabSz="914400" rtl="0" eaLnBrk="1" latinLnBrk="0" hangingPunct="1">
+              <a:lnSpc>
+                <a:spcPct val="90000"/>
+              </a:lnSpc>
+              <a:spcBef>
+                <a:spcPts val="500"/>
+              </a:spcBef>
+              <a:buFont typeface="Arial" panose="020B0604020202020204" pitchFamily="34" charset="0"/>
+              <a:buChar char="•"/>
+              <a:defRPr sz="2000" kern="1200">
+                <a:solidFill>
+                  <a:schemeClr val="tx1"/>
+                </a:solidFill>
+                <a:latin typeface="+mn-lt"/>
+                <a:ea typeface="+mn-ea"/>
+                <a:cs typeface="+mn-cs"/>
+              </a:defRPr>
+            </a:lvl3pPr>
+            <a:lvl4pPr marL="1600200" indent="-228600" algn="l" defTabSz="914400" rtl="0" eaLnBrk="1" latinLnBrk="0" hangingPunct="1">
+              <a:lnSpc>
+                <a:spcPct val="90000"/>
+              </a:lnSpc>
+              <a:spcBef>
+                <a:spcPts val="500"/>
+              </a:spcBef>
+              <a:buFont typeface="Arial" panose="020B0604020202020204" pitchFamily="34" charset="0"/>
+              <a:buChar char="•"/>
+              <a:defRPr sz="1800" kern="1200">
+                <a:solidFill>
+                  <a:schemeClr val="tx1"/>
+                </a:solidFill>
+                <a:latin typeface="+mn-lt"/>
+                <a:ea typeface="+mn-ea"/>
+                <a:cs typeface="+mn-cs"/>
+              </a:defRPr>
+            </a:lvl4pPr>
+            <a:lvl5pPr marL="2057400" indent="-228600" algn="l" defTabSz="914400" rtl="0" eaLnBrk="1" latinLnBrk="0" hangingPunct="1">
+              <a:lnSpc>
+                <a:spcPct val="90000"/>
+              </a:lnSpc>
+              <a:spcBef>
+                <a:spcPts val="500"/>
+              </a:spcBef>
+              <a:buFont typeface="Arial" panose="020B0604020202020204" pitchFamily="34" charset="0"/>
+              <a:buChar char="•"/>
+              <a:defRPr sz="1800" kern="1200">
+                <a:solidFill>
+                  <a:schemeClr val="tx1"/>
+                </a:solidFill>
+                <a:latin typeface="+mn-lt"/>
+                <a:ea typeface="+mn-ea"/>
+                <a:cs typeface="+mn-cs"/>
+              </a:defRPr>
+            </a:lvl5pPr>
+            <a:lvl6pPr marL="2514600" indent="-228600" algn="l" defTabSz="914400" rtl="0" eaLnBrk="1" latinLnBrk="0" hangingPunct="1">
+              <a:lnSpc>
+                <a:spcPct val="90000"/>
+              </a:lnSpc>
+              <a:spcBef>
+                <a:spcPts val="500"/>
+              </a:spcBef>
+              <a:buFont typeface="Arial" panose="020B0604020202020204" pitchFamily="34" charset="0"/>
+              <a:buChar char="•"/>
+              <a:defRPr sz="1800" kern="1200">
+                <a:solidFill>
+                  <a:schemeClr val="tx1"/>
+                </a:solidFill>
+                <a:latin typeface="+mn-lt"/>
+                <a:ea typeface="+mn-ea"/>
+                <a:cs typeface="+mn-cs"/>
+              </a:defRPr>
+            </a:lvl6pPr>
+            <a:lvl7pPr marL="2971800" indent="-228600" algn="l" defTabSz="914400" rtl="0" eaLnBrk="1" latinLnBrk="0" hangingPunct="1">
+              <a:lnSpc>
+                <a:spcPct val="90000"/>
+              </a:lnSpc>
+              <a:spcBef>
+                <a:spcPts val="500"/>
+              </a:spcBef>
+              <a:buFont typeface="Arial" panose="020B0604020202020204" pitchFamily="34" charset="0"/>
+              <a:buChar char="•"/>
+              <a:defRPr sz="1800" kern="1200">
+                <a:solidFill>
+                  <a:schemeClr val="tx1"/>
+                </a:solidFill>
+                <a:latin typeface="+mn-lt"/>
+                <a:ea typeface="+mn-ea"/>
+                <a:cs typeface="+mn-cs"/>
+              </a:defRPr>
+            </a:lvl7pPr>
+            <a:lvl8pPr marL="3429000" indent="-228600" algn="l" defTabSz="914400" rtl="0" eaLnBrk="1" latinLnBrk="0" hangingPunct="1">
+              <a:lnSpc>
+                <a:spcPct val="90000"/>
+              </a:lnSpc>
+              <a:spcBef>
+                <a:spcPts val="500"/>
+              </a:spcBef>
+              <a:buFont typeface="Arial" panose="020B0604020202020204" pitchFamily="34" charset="0"/>
+              <a:buChar char="•"/>
+              <a:defRPr sz="1800" kern="1200">
+                <a:solidFill>
+                  <a:schemeClr val="tx1"/>
+                </a:solidFill>
+                <a:latin typeface="+mn-lt"/>
+                <a:ea typeface="+mn-ea"/>
+                <a:cs typeface="+mn-cs"/>
+              </a:defRPr>
+            </a:lvl8pPr>
+            <a:lvl9pPr marL="3886200" indent="-228600" algn="l" defTabSz="914400" rtl="0" eaLnBrk="1" latinLnBrk="0" hangingPunct="1">
+              <a:lnSpc>
+                <a:spcPct val="90000"/>
+              </a:lnSpc>
+              <a:spcBef>
+                <a:spcPts val="500"/>
+              </a:spcBef>
+              <a:buFont typeface="Arial" panose="020B0604020202020204" pitchFamily="34" charset="0"/>
+              <a:buChar char="•"/>
+              <a:defRPr sz="1800" kern="1200">
+                <a:solidFill>
+                  <a:schemeClr val="tx1"/>
+                </a:solidFill>
+                <a:latin typeface="+mn-lt"/>
+                <a:ea typeface="+mn-ea"/>
+                <a:cs typeface="+mn-cs"/>
+              </a:defRPr>
+            </a:lvl9pPr>
+          </a:lstStyle>
+          <a:p>
+            <a:pPr marL="0" indent="0">
+              <a:buNone/>
+            </a:pPr>
+            <a:r>
+              <a:rPr lang="ru-RU" sz="1600" b="1" dirty="0"/>
+              <a:t>Обновление EF</a:t>
+            </a:r>
+            <a:endParaRPr lang="ru-RU" sz="1600" dirty="0"/>
+          </a:p>
+          <a:p>
+            <a:r>
+              <a:rPr lang="ru-RU" sz="1600" dirty="0"/>
+              <a:t>EF' = EF + (0.1 – (5 – q) × (0.08 + (5 – q) × 0.02))</a:t>
+            </a:r>
+          </a:p>
+          <a:p>
+            <a:pPr marL="0" indent="0">
+              <a:buNone/>
+            </a:pPr>
+            <a:r>
+              <a:rPr lang="ru-RU" sz="1600" dirty="0"/>
+              <a:t>где </a:t>
+            </a:r>
+            <a:r>
+              <a:rPr lang="ru-RU" sz="1600" b="1" dirty="0"/>
+              <a:t>q</a:t>
+            </a:r>
+            <a:r>
+              <a:rPr lang="ru-RU" sz="1600" dirty="0"/>
+              <a:t> (0…5) – оценка качества воспроизведения</a:t>
+            </a:r>
+          </a:p>
+          <a:p>
+            <a:pPr marL="0" indent="0">
+              <a:buNone/>
+            </a:pPr>
+            <a:r>
+              <a:rPr lang="ru-RU" sz="1600" b="1" dirty="0"/>
+              <a:t>Краткий пример</a:t>
+            </a:r>
+            <a:endParaRPr lang="ru-RU" sz="1600" dirty="0"/>
+          </a:p>
+          <a:p>
+            <a:pPr lvl="0"/>
+            <a:r>
+              <a:rPr lang="ru-RU" sz="1600" dirty="0"/>
+              <a:t>Пусть n=3, EF=2.5 → I₃ = 6 × 2.5 = 15 дней</a:t>
+            </a:r>
+          </a:p>
+          <a:p>
+            <a:pPr lvl="0"/>
+            <a:r>
+              <a:rPr lang="ru-RU" sz="1600" dirty="0"/>
+              <a:t>При q=4: EF' = 2.5 + (0.1 – 1×(0.08 + 1×0.02)) ≈ 2.52</a:t>
+            </a:r>
+          </a:p>
+        </p:txBody>
+      </p:sp>
+    </p:spTree>
+    <p:extLst>
+      <p:ext uri="{BB962C8B-B14F-4D97-AF65-F5344CB8AC3E}">
+        <p14:creationId xmlns:p14="http://schemas.microsoft.com/office/powerpoint/2010/main" val="1017724928"/>
+      </p:ext>
+    </p:extLst>
+  </p:cSld>
+  <p:clrMapOvr>
+    <a:masterClrMapping/>
+  </p:clrMapOvr>
+</p:sld>
+</file>
+
+<file path=ppt/slides/slide15.xml><?xml version="1.0" encoding="utf-8"?>
+<p:sld xmlns:a="http://schemas.openxmlformats.org/drawingml/2006/main" xmlns:r="http://schemas.openxmlformats.org/officeDocument/2006/relationships" xmlns:p="http://schemas.openxmlformats.org/presentationml/2006/main">
+  <p:cSld>
+    <p:spTree>
+      <p:nvGrpSpPr>
+        <p:cNvPr id="1" name=""/>
+        <p:cNvGrpSpPr/>
+        <p:nvPr/>
+      </p:nvGrpSpPr>
+      <p:grpSpPr>
+        <a:xfrm>
+          <a:off x="0" y="0"/>
+          <a:ext cx="0" cy="0"/>
+          <a:chOff x="0" y="0"/>
+          <a:chExt cx="0" cy="0"/>
+        </a:xfrm>
+      </p:grpSpPr>
+      <p:sp>
+        <p:nvSpPr>
+          <p:cNvPr id="10" name="Нижний колонтитул 9"/>
+          <p:cNvSpPr>
+            <a:spLocks noGrp="1"/>
+          </p:cNvSpPr>
+          <p:nvPr>
+            <p:ph type="ftr" sz="quarter" idx="11"/>
+          </p:nvPr>
+        </p:nvSpPr>
+        <p:spPr>
+          <a:xfrm>
+            <a:off x="251520" y="6093295"/>
+            <a:ext cx="8640000" cy="540000"/>
+          </a:xfrm>
+          <a:solidFill>
+            <a:srgbClr val="E6E6E6"/>
+          </a:solidFill>
+        </p:spPr>
+        <p:txBody>
+          <a:bodyPr/>
+          <a:lstStyle/>
+          <a:p>
+            <a:pPr algn="l"/>
+            <a:endParaRPr lang="ru-RU" sz="1400" b="1" dirty="0">
+              <a:solidFill>
+                <a:schemeClr val="tx1">
+                  <a:lumMod val="50000"/>
+                  <a:lumOff val="50000"/>
+                </a:schemeClr>
+              </a:solidFill>
+              <a:latin typeface="Arial" pitchFamily="34" charset="0"/>
+              <a:cs typeface="Arial" pitchFamily="34" charset="0"/>
+            </a:endParaRPr>
+          </a:p>
+        </p:txBody>
+      </p:sp>
+      <p:sp>
+        <p:nvSpPr>
+          <p:cNvPr id="6" name="Прямоугольник 5"/>
+          <p:cNvSpPr/>
+          <p:nvPr/>
+        </p:nvSpPr>
+        <p:spPr>
+          <a:xfrm>
+            <a:off x="251520" y="342900"/>
+            <a:ext cx="8640000" cy="720000"/>
+          </a:xfrm>
+          <a:prstGeom prst="rect">
+            <a:avLst/>
+          </a:prstGeom>
+          <a:solidFill>
+            <a:schemeClr val="bg1">
+              <a:lumMod val="85000"/>
+            </a:schemeClr>
+          </a:solidFill>
+          <a:ln>
+            <a:noFill/>
+          </a:ln>
+        </p:spPr>
+        <p:style>
+          <a:lnRef idx="2">
+            <a:schemeClr val="accent1">
+              <a:shade val="50000"/>
+            </a:schemeClr>
+          </a:lnRef>
+          <a:fillRef idx="1">
+            <a:schemeClr val="accent1"/>
+          </a:fillRef>
+          <a:effectRef idx="0">
+            <a:schemeClr val="accent1"/>
+          </a:effectRef>
+          <a:fontRef idx="minor">
+            <a:schemeClr val="lt1"/>
+          </a:fontRef>
+        </p:style>
+        <p:txBody>
+          <a:bodyPr rtlCol="0" anchor="ctr"/>
+          <a:lstStyle/>
+          <a:p>
+            <a:pPr algn="ctr"/>
+            <a:endParaRPr lang="ru-RU"/>
+          </a:p>
+        </p:txBody>
+      </p:sp>
+      <p:sp>
+        <p:nvSpPr>
+          <p:cNvPr id="2" name="Заголовок 1"/>
+          <p:cNvSpPr>
+            <a:spLocks noGrp="1"/>
+          </p:cNvSpPr>
+          <p:nvPr>
+            <p:ph type="title"/>
+          </p:nvPr>
+        </p:nvSpPr>
+        <p:spPr>
+          <a:xfrm>
+            <a:off x="251519" y="355605"/>
+            <a:ext cx="8640001" cy="720725"/>
+          </a:xfrm>
+          <a:solidFill>
+            <a:srgbClr val="E6E6E6"/>
+          </a:solidFill>
+        </p:spPr>
+        <p:txBody>
+          <a:bodyPr>
+            <a:noAutofit/>
+          </a:bodyPr>
+          <a:lstStyle/>
+          <a:p>
+            <a:pPr algn="ctr"/>
+            <a:r>
+              <a:rPr lang="ru-RU" sz="1800" b="1" dirty="0">
+                <a:latin typeface="Elektra Text Pro"/>
+                <a:cs typeface="Arial" pitchFamily="34" charset="0"/>
+              </a:rPr>
+              <a:t>ПРАКТИЧЕСКАЯ СХЕМА РАБОТЫ АЛГОРИТМА</a:t>
+            </a:r>
+          </a:p>
+        </p:txBody>
+      </p:sp>
+      <p:sp>
+        <p:nvSpPr>
+          <p:cNvPr id="9" name="TextBox 8"/>
+          <p:cNvSpPr txBox="1"/>
+          <p:nvPr/>
+        </p:nvSpPr>
+        <p:spPr>
+          <a:xfrm>
+            <a:off x="8100392" y="6165306"/>
+            <a:ext cx="772285" cy="369332"/>
+          </a:xfrm>
+          <a:prstGeom prst="rect">
+            <a:avLst/>
+          </a:prstGeom>
+          <a:noFill/>
+        </p:spPr>
+        <p:txBody>
+          <a:bodyPr wrap="square" rtlCol="0">
+            <a:spAutoFit/>
+          </a:bodyPr>
+          <a:lstStyle/>
+          <a:p>
+            <a:pPr algn="r"/>
+            <a:fld id="{249A5D52-88F9-4971-91E7-95B02B6DE201}" type="slidenum">
+              <a:rPr lang="ru-RU" smtClean="0"/>
+              <a:pPr algn="r"/>
+              <a:t>15</a:t>
+            </a:fld>
+            <a:r>
+              <a:rPr lang="ru-RU" dirty="0"/>
+              <a:t>/21</a:t>
+            </a:r>
+          </a:p>
+        </p:txBody>
+      </p:sp>
+      <p:sp>
+        <p:nvSpPr>
+          <p:cNvPr id="11" name="Заголовок 1"/>
+          <p:cNvSpPr txBox="1">
+            <a:spLocks/>
+          </p:cNvSpPr>
+          <p:nvPr/>
+        </p:nvSpPr>
+        <p:spPr>
+          <a:xfrm>
+            <a:off x="251520" y="6112445"/>
+            <a:ext cx="7200800" cy="520850"/>
+          </a:xfrm>
+          <a:prstGeom prst="rect">
+            <a:avLst/>
+          </a:prstGeom>
+          <a:solidFill>
+            <a:srgbClr val="E6E6E6"/>
+          </a:solidFill>
+        </p:spPr>
+        <p:txBody>
+          <a:bodyPr vert="horz" lIns="91440" tIns="45720" rIns="91440" bIns="45720" rtlCol="0" anchor="ctr">
+            <a:noAutofit/>
+          </a:bodyPr>
+          <a:lstStyle>
+            <a:lvl1pPr algn="l" defTabSz="914400" rtl="0" eaLnBrk="1" latinLnBrk="0" hangingPunct="1">
+              <a:lnSpc>
+                <a:spcPct val="90000"/>
+              </a:lnSpc>
+              <a:spcBef>
+                <a:spcPct val="0"/>
+              </a:spcBef>
+              <a:buNone/>
+              <a:defRPr sz="4400" kern="1200">
+                <a:solidFill>
+                  <a:schemeClr val="tx1"/>
+                </a:solidFill>
+                <a:latin typeface="+mj-lt"/>
+                <a:ea typeface="+mj-ea"/>
+                <a:cs typeface="+mj-cs"/>
+              </a:defRPr>
+            </a:lvl1pPr>
+          </a:lstStyle>
+          <a:p>
+            <a:r>
+              <a:rPr lang="ru-RU" sz="1400" dirty="0">
+                <a:solidFill>
+                  <a:schemeClr val="tx1">
+                    <a:lumMod val="75000"/>
+                    <a:lumOff val="25000"/>
+                  </a:schemeClr>
+                </a:solidFill>
+                <a:latin typeface="Elektra Text Pro"/>
+                <a:cs typeface="Arial" pitchFamily="34" charset="0"/>
+              </a:rPr>
+              <a:t>Веб-приложение для обучения по системе </a:t>
+            </a:r>
+            <a:r>
+              <a:rPr lang="ru-RU" sz="1400" dirty="0" err="1">
+                <a:solidFill>
+                  <a:schemeClr val="tx1">
+                    <a:lumMod val="75000"/>
+                    <a:lumOff val="25000"/>
+                  </a:schemeClr>
+                </a:solidFill>
+                <a:latin typeface="Elektra Text Pro"/>
+                <a:cs typeface="Arial" pitchFamily="34" charset="0"/>
+              </a:rPr>
+              <a:t>Лейтнера</a:t>
+            </a:r>
+            <a:r>
+              <a:rPr lang="ru-RU" sz="1400" dirty="0">
+                <a:solidFill>
+                  <a:schemeClr val="tx1">
+                    <a:lumMod val="75000"/>
+                    <a:lumOff val="25000"/>
+                  </a:schemeClr>
+                </a:solidFill>
+                <a:latin typeface="Elektra Text Pro"/>
+                <a:cs typeface="Arial" pitchFamily="34" charset="0"/>
+              </a:rPr>
+              <a:t> с реализацией алгоритма </a:t>
+            </a:r>
+            <a:br>
+              <a:rPr lang="ru-RU" sz="1400" dirty="0">
+                <a:solidFill>
+                  <a:schemeClr val="tx1">
+                    <a:lumMod val="75000"/>
+                    <a:lumOff val="25000"/>
+                  </a:schemeClr>
+                </a:solidFill>
+                <a:latin typeface="Elektra Text Pro"/>
+                <a:cs typeface="Arial" pitchFamily="34" charset="0"/>
+              </a:rPr>
+            </a:br>
+            <a:r>
+              <a:rPr lang="ru-RU" sz="1400" dirty="0">
+                <a:solidFill>
+                  <a:schemeClr val="tx1">
+                    <a:lumMod val="75000"/>
+                    <a:lumOff val="25000"/>
+                  </a:schemeClr>
+                </a:solidFill>
+                <a:latin typeface="Elektra Text Pro"/>
+                <a:cs typeface="Arial" pitchFamily="34" charset="0"/>
+              </a:rPr>
+              <a:t>интервального повторения</a:t>
+            </a:r>
+          </a:p>
+        </p:txBody>
+      </p:sp>
+      <p:pic>
+        <p:nvPicPr>
+          <p:cNvPr id="3" name="Рисунок 2">
+            <a:extLst>
+              <a:ext uri="{FF2B5EF4-FFF2-40B4-BE49-F238E27FC236}">
+                <a16:creationId xmlns:a16="http://schemas.microsoft.com/office/drawing/2014/main" id="{EC2A9800-6DD9-49DC-A1E2-402D66AA4FBD}"/>
+              </a:ext>
+            </a:extLst>
+          </p:cNvPr>
+          <p:cNvPicPr>
+            <a:picLocks noChangeAspect="1"/>
+          </p:cNvPicPr>
+          <p:nvPr/>
+        </p:nvPicPr>
+        <p:blipFill>
+          <a:blip r:embed="rId3"/>
+          <a:stretch>
+            <a:fillRect/>
+          </a:stretch>
+        </p:blipFill>
+        <p:spPr>
+          <a:xfrm>
+            <a:off x="2444508" y="1069503"/>
+            <a:ext cx="4254021" cy="4941168"/>
+          </a:xfrm>
+          <a:prstGeom prst="rect">
+            <a:avLst/>
+          </a:prstGeom>
+        </p:spPr>
+      </p:pic>
+    </p:spTree>
+    <p:extLst>
+      <p:ext uri="{BB962C8B-B14F-4D97-AF65-F5344CB8AC3E}">
+        <p14:creationId xmlns:p14="http://schemas.microsoft.com/office/powerpoint/2010/main" val="1911640730"/>
+      </p:ext>
+    </p:extLst>
+  </p:cSld>
+  <p:clrMapOvr>
+    <a:masterClrMapping/>
+  </p:clrMapOvr>
+</p:sld>
+</file>
+
+<file path=ppt/slides/slide16.xml><?xml version="1.0" encoding="utf-8"?>
+<p:sld xmlns:a="http://schemas.openxmlformats.org/drawingml/2006/main" xmlns:r="http://schemas.openxmlformats.org/officeDocument/2006/relationships" xmlns:p="http://schemas.openxmlformats.org/presentationml/2006/main">
+  <p:cSld>
+    <p:spTree>
+      <p:nvGrpSpPr>
+        <p:cNvPr id="1" name=""/>
+        <p:cNvGrpSpPr/>
+        <p:nvPr/>
+      </p:nvGrpSpPr>
+      <p:grpSpPr>
+        <a:xfrm>
+          <a:off x="0" y="0"/>
+          <a:ext cx="0" cy="0"/>
+          <a:chOff x="0" y="0"/>
+          <a:chExt cx="0" cy="0"/>
+        </a:xfrm>
+      </p:grpSpPr>
+      <p:sp>
+        <p:nvSpPr>
+          <p:cNvPr id="10" name="Нижний колонтитул 9"/>
+          <p:cNvSpPr>
+            <a:spLocks noGrp="1"/>
+          </p:cNvSpPr>
+          <p:nvPr>
+            <p:ph type="ftr" sz="quarter" idx="11"/>
+          </p:nvPr>
+        </p:nvSpPr>
+        <p:spPr>
+          <a:xfrm>
+            <a:off x="251520" y="6093295"/>
+            <a:ext cx="8640000" cy="540000"/>
+          </a:xfrm>
+          <a:solidFill>
+            <a:srgbClr val="E6E6E6"/>
+          </a:solidFill>
+          <a:ln>
+            <a:noFill/>
+          </a:ln>
+        </p:spPr>
+        <p:txBody>
+          <a:bodyPr/>
+          <a:lstStyle/>
+          <a:p>
+            <a:pPr algn="l"/>
+            <a:endParaRPr lang="ru-RU" sz="1400" b="1" dirty="0">
+              <a:solidFill>
+                <a:schemeClr val="tx1">
+                  <a:lumMod val="50000"/>
+                  <a:lumOff val="50000"/>
+                </a:schemeClr>
+              </a:solidFill>
+              <a:latin typeface="Arial" pitchFamily="34" charset="0"/>
+              <a:cs typeface="Arial" pitchFamily="34" charset="0"/>
+            </a:endParaRPr>
+          </a:p>
+        </p:txBody>
+      </p:sp>
+      <p:sp>
+        <p:nvSpPr>
+          <p:cNvPr id="6" name="Прямоугольник 5"/>
+          <p:cNvSpPr/>
+          <p:nvPr/>
+        </p:nvSpPr>
+        <p:spPr>
+          <a:xfrm>
+            <a:off x="251520" y="342900"/>
+            <a:ext cx="8640000" cy="720000"/>
+          </a:xfrm>
+          <a:prstGeom prst="rect">
+            <a:avLst/>
+          </a:prstGeom>
+          <a:solidFill>
+            <a:schemeClr val="bg1">
+              <a:lumMod val="85000"/>
+            </a:schemeClr>
+          </a:solidFill>
+          <a:ln>
+            <a:noFill/>
+          </a:ln>
+        </p:spPr>
+        <p:style>
+          <a:lnRef idx="2">
+            <a:schemeClr val="accent1">
+              <a:shade val="50000"/>
+            </a:schemeClr>
+          </a:lnRef>
+          <a:fillRef idx="1">
+            <a:schemeClr val="accent1"/>
+          </a:fillRef>
+          <a:effectRef idx="0">
+            <a:schemeClr val="accent1"/>
+          </a:effectRef>
+          <a:fontRef idx="minor">
+            <a:schemeClr val="lt1"/>
+          </a:fontRef>
+        </p:style>
+        <p:txBody>
+          <a:bodyPr rtlCol="0" anchor="ctr"/>
+          <a:lstStyle/>
+          <a:p>
+            <a:pPr algn="ctr"/>
+            <a:endParaRPr lang="ru-RU"/>
+          </a:p>
+        </p:txBody>
+      </p:sp>
+      <p:sp>
+        <p:nvSpPr>
+          <p:cNvPr id="2" name="Заголовок 1"/>
+          <p:cNvSpPr>
+            <a:spLocks noGrp="1"/>
+          </p:cNvSpPr>
+          <p:nvPr>
+            <p:ph type="title"/>
+          </p:nvPr>
+        </p:nvSpPr>
+        <p:spPr>
+          <a:xfrm>
+            <a:off x="251519" y="355605"/>
+            <a:ext cx="8640001" cy="720725"/>
+          </a:xfrm>
+          <a:solidFill>
+            <a:srgbClr val="E6E6E6"/>
+          </a:solidFill>
+        </p:spPr>
+        <p:txBody>
+          <a:bodyPr>
+            <a:noAutofit/>
+          </a:bodyPr>
+          <a:lstStyle/>
+          <a:p>
+            <a:pPr algn="ctr"/>
+            <a:r>
+              <a:rPr lang="ru-RU" sz="1800" b="1" dirty="0">
+                <a:latin typeface="Elektra Text Pro"/>
+                <a:cs typeface="Arial" pitchFamily="34" charset="0"/>
+              </a:rPr>
+              <a:t>СТРУКТУРНАЯ СХЕМА И ТЕХНОЛОГИИ СИСТЕМЫ</a:t>
+            </a:r>
+          </a:p>
+        </p:txBody>
+      </p:sp>
+      <p:sp>
+        <p:nvSpPr>
+          <p:cNvPr id="9" name="TextBox 8"/>
+          <p:cNvSpPr txBox="1"/>
+          <p:nvPr/>
+        </p:nvSpPr>
+        <p:spPr>
+          <a:xfrm>
+            <a:off x="8100393" y="6165306"/>
+            <a:ext cx="791128" cy="369332"/>
+          </a:xfrm>
+          <a:prstGeom prst="rect">
+            <a:avLst/>
+          </a:prstGeom>
+          <a:noFill/>
+        </p:spPr>
+        <p:txBody>
+          <a:bodyPr wrap="square" rtlCol="0">
+            <a:spAutoFit/>
+          </a:bodyPr>
+          <a:lstStyle/>
+          <a:p>
+            <a:pPr algn="r"/>
+            <a:fld id="{249A5D52-88F9-4971-91E7-95B02B6DE201}" type="slidenum">
+              <a:rPr lang="ru-RU" smtClean="0"/>
+              <a:pPr algn="r"/>
+              <a:t>16</a:t>
             </a:fld>
             <a:r>
               <a:rPr lang="ru-RU" dirty="0"/>
@@ -7310,8 +10663,332 @@
         </p:blipFill>
         <p:spPr>
           <a:xfrm>
-            <a:off x="2527436" y="1195434"/>
-            <a:ext cx="4089127" cy="4682829"/>
+            <a:off x="482392" y="1185909"/>
+            <a:ext cx="4273487" cy="4893956"/>
+          </a:xfrm>
+          <a:prstGeom prst="rect">
+            <a:avLst/>
+          </a:prstGeom>
+        </p:spPr>
+      </p:pic>
+      <p:pic>
+        <p:nvPicPr>
+          <p:cNvPr id="4" name="Рисунок 3">
+            <a:extLst>
+              <a:ext uri="{FF2B5EF4-FFF2-40B4-BE49-F238E27FC236}">
+                <a16:creationId xmlns:a16="http://schemas.microsoft.com/office/drawing/2014/main" id="{1EA9FA8E-F4A0-439B-9BDD-ABC1C4FC8E5C}"/>
+              </a:ext>
+            </a:extLst>
+          </p:cNvPr>
+          <p:cNvPicPr>
+            <a:picLocks noChangeAspect="1"/>
+          </p:cNvPicPr>
+          <p:nvPr/>
+        </p:nvPicPr>
+        <p:blipFill>
+          <a:blip r:embed="rId4">
+            <a:extLst>
+              <a:ext uri="{28A0092B-C50C-407E-A947-70E740481C1C}">
+                <a14:useLocalDpi xmlns:a14="http://schemas.microsoft.com/office/drawing/2010/main" val="0"/>
+              </a:ext>
+            </a:extLst>
+          </a:blip>
+          <a:stretch>
+            <a:fillRect/>
+          </a:stretch>
+        </p:blipFill>
+        <p:spPr>
+          <a:xfrm>
+            <a:off x="5247212" y="1288544"/>
+            <a:ext cx="711935" cy="1303784"/>
+          </a:xfrm>
+          <a:prstGeom prst="rect">
+            <a:avLst/>
+          </a:prstGeom>
+        </p:spPr>
+      </p:pic>
+      <p:pic>
+        <p:nvPicPr>
+          <p:cNvPr id="8" name="Рисунок 7">
+            <a:extLst>
+              <a:ext uri="{FF2B5EF4-FFF2-40B4-BE49-F238E27FC236}">
+                <a16:creationId xmlns:a16="http://schemas.microsoft.com/office/drawing/2014/main" id="{C602F6E6-A8D1-40C6-B293-97F098066865}"/>
+              </a:ext>
+            </a:extLst>
+          </p:cNvPr>
+          <p:cNvPicPr>
+            <a:picLocks noChangeAspect="1"/>
+          </p:cNvPicPr>
+          <p:nvPr/>
+        </p:nvPicPr>
+        <p:blipFill>
+          <a:blip r:embed="rId5">
+            <a:extLst>
+              <a:ext uri="{28A0092B-C50C-407E-A947-70E740481C1C}">
+                <a14:useLocalDpi xmlns:a14="http://schemas.microsoft.com/office/drawing/2010/main" val="0"/>
+              </a:ext>
+            </a:extLst>
+          </a:blip>
+          <a:stretch>
+            <a:fillRect/>
+          </a:stretch>
+        </p:blipFill>
+        <p:spPr>
+          <a:xfrm>
+            <a:off x="5959147" y="1473263"/>
+            <a:ext cx="1669728" cy="1111128"/>
+          </a:xfrm>
+          <a:prstGeom prst="rect">
+            <a:avLst/>
+          </a:prstGeom>
+        </p:spPr>
+      </p:pic>
+      <p:pic>
+        <p:nvPicPr>
+          <p:cNvPr id="13" name="Рисунок 12">
+            <a:extLst>
+              <a:ext uri="{FF2B5EF4-FFF2-40B4-BE49-F238E27FC236}">
+                <a16:creationId xmlns:a16="http://schemas.microsoft.com/office/drawing/2014/main" id="{2A6AA336-E334-4665-8CA8-21C6001BE7F2}"/>
+              </a:ext>
+            </a:extLst>
+          </p:cNvPr>
+          <p:cNvPicPr>
+            <a:picLocks noChangeAspect="1"/>
+          </p:cNvPicPr>
+          <p:nvPr/>
+        </p:nvPicPr>
+        <p:blipFill>
+          <a:blip r:embed="rId6">
+            <a:extLst>
+              <a:ext uri="{28A0092B-C50C-407E-A947-70E740481C1C}">
+                <a14:useLocalDpi xmlns:a14="http://schemas.microsoft.com/office/drawing/2010/main" val="0"/>
+              </a:ext>
+            </a:extLst>
+          </a:blip>
+          <a:stretch>
+            <a:fillRect/>
+          </a:stretch>
+        </p:blipFill>
+        <p:spPr>
+          <a:xfrm>
+            <a:off x="7523384" y="1482055"/>
+            <a:ext cx="1015818" cy="1047993"/>
+          </a:xfrm>
+          <a:prstGeom prst="rect">
+            <a:avLst/>
+          </a:prstGeom>
+        </p:spPr>
+      </p:pic>
+      <p:pic>
+        <p:nvPicPr>
+          <p:cNvPr id="15" name="Рисунок 14">
+            <a:extLst>
+              <a:ext uri="{FF2B5EF4-FFF2-40B4-BE49-F238E27FC236}">
+                <a16:creationId xmlns:a16="http://schemas.microsoft.com/office/drawing/2014/main" id="{F85E64EE-9931-47C4-91F2-7A5161B965EF}"/>
+              </a:ext>
+            </a:extLst>
+          </p:cNvPr>
+          <p:cNvPicPr>
+            <a:picLocks noChangeAspect="1"/>
+          </p:cNvPicPr>
+          <p:nvPr/>
+        </p:nvPicPr>
+        <p:blipFill>
+          <a:blip r:embed="rId7">
+            <a:extLst>
+              <a:ext uri="{28A0092B-C50C-407E-A947-70E740481C1C}">
+                <a14:useLocalDpi xmlns:a14="http://schemas.microsoft.com/office/drawing/2010/main" val="0"/>
+              </a:ext>
+            </a:extLst>
+          </a:blip>
+          <a:stretch>
+            <a:fillRect/>
+          </a:stretch>
+        </p:blipFill>
+        <p:spPr>
+          <a:xfrm>
+            <a:off x="5021070" y="2794110"/>
+            <a:ext cx="1071563" cy="1071563"/>
+          </a:xfrm>
+          <a:prstGeom prst="rect">
+            <a:avLst/>
+          </a:prstGeom>
+        </p:spPr>
+      </p:pic>
+      <p:pic>
+        <p:nvPicPr>
+          <p:cNvPr id="19" name="Рисунок 18">
+            <a:extLst>
+              <a:ext uri="{FF2B5EF4-FFF2-40B4-BE49-F238E27FC236}">
+                <a16:creationId xmlns:a16="http://schemas.microsoft.com/office/drawing/2014/main" id="{3EA321C3-E355-4887-9718-397F11EB8124}"/>
+              </a:ext>
+            </a:extLst>
+          </p:cNvPr>
+          <p:cNvPicPr>
+            <a:picLocks noChangeAspect="1"/>
+          </p:cNvPicPr>
+          <p:nvPr/>
+        </p:nvPicPr>
+        <p:blipFill>
+          <a:blip r:embed="rId8">
+            <a:extLst>
+              <a:ext uri="{28A0092B-C50C-407E-A947-70E740481C1C}">
+                <a14:useLocalDpi xmlns:a14="http://schemas.microsoft.com/office/drawing/2010/main" val="0"/>
+              </a:ext>
+            </a:extLst>
+          </a:blip>
+          <a:stretch>
+            <a:fillRect/>
+          </a:stretch>
+        </p:blipFill>
+        <p:spPr>
+          <a:xfrm>
+            <a:off x="6381934" y="2909386"/>
+            <a:ext cx="1275376" cy="841009"/>
+          </a:xfrm>
+          <a:prstGeom prst="rect">
+            <a:avLst/>
+          </a:prstGeom>
+        </p:spPr>
+      </p:pic>
+      <p:pic>
+        <p:nvPicPr>
+          <p:cNvPr id="21" name="Рисунок 20">
+            <a:extLst>
+              <a:ext uri="{FF2B5EF4-FFF2-40B4-BE49-F238E27FC236}">
+                <a16:creationId xmlns:a16="http://schemas.microsoft.com/office/drawing/2014/main" id="{B7E12596-DC57-4F5A-AA56-DC1A08EFC720}"/>
+              </a:ext>
+            </a:extLst>
+          </p:cNvPr>
+          <p:cNvPicPr>
+            <a:picLocks noChangeAspect="1"/>
+          </p:cNvPicPr>
+          <p:nvPr/>
+        </p:nvPicPr>
+        <p:blipFill>
+          <a:blip r:embed="rId9">
+            <a:extLst>
+              <a:ext uri="{28A0092B-C50C-407E-A947-70E740481C1C}">
+                <a14:useLocalDpi xmlns:a14="http://schemas.microsoft.com/office/drawing/2010/main" val="0"/>
+              </a:ext>
+            </a:extLst>
+          </a:blip>
+          <a:stretch>
+            <a:fillRect/>
+          </a:stretch>
+        </p:blipFill>
+        <p:spPr>
+          <a:xfrm>
+            <a:off x="7827115" y="2836491"/>
+            <a:ext cx="959322" cy="1136284"/>
+          </a:xfrm>
+          <a:prstGeom prst="rect">
+            <a:avLst/>
+          </a:prstGeom>
+        </p:spPr>
+      </p:pic>
+      <p:pic>
+        <p:nvPicPr>
+          <p:cNvPr id="23" name="Рисунок 22">
+            <a:extLst>
+              <a:ext uri="{FF2B5EF4-FFF2-40B4-BE49-F238E27FC236}">
+                <a16:creationId xmlns:a16="http://schemas.microsoft.com/office/drawing/2014/main" id="{76DF0552-19E6-4929-B454-21BE436A2385}"/>
+              </a:ext>
+            </a:extLst>
+          </p:cNvPr>
+          <p:cNvPicPr>
+            <a:picLocks noChangeAspect="1"/>
+          </p:cNvPicPr>
+          <p:nvPr/>
+        </p:nvPicPr>
+        <p:blipFill>
+          <a:blip r:embed="rId10">
+            <a:extLst>
+              <a:ext uri="{28A0092B-C50C-407E-A947-70E740481C1C}">
+                <a14:useLocalDpi xmlns:a14="http://schemas.microsoft.com/office/drawing/2010/main" val="0"/>
+              </a:ext>
+            </a:extLst>
+          </a:blip>
+          <a:stretch>
+            <a:fillRect/>
+          </a:stretch>
+        </p:blipFill>
+        <p:spPr>
+          <a:xfrm>
+            <a:off x="4968522" y="4090230"/>
+            <a:ext cx="1174212" cy="1324467"/>
+          </a:xfrm>
+          <a:prstGeom prst="rect">
+            <a:avLst/>
+          </a:prstGeom>
+        </p:spPr>
+      </p:pic>
+      <p:pic>
+        <p:nvPicPr>
+          <p:cNvPr id="25" name="Рисунок 24">
+            <a:extLst>
+              <a:ext uri="{FF2B5EF4-FFF2-40B4-BE49-F238E27FC236}">
+                <a16:creationId xmlns:a16="http://schemas.microsoft.com/office/drawing/2014/main" id="{F51843FA-A88B-42E7-8B9C-D7CF4B010AFE}"/>
+              </a:ext>
+            </a:extLst>
+          </p:cNvPr>
+          <p:cNvPicPr>
+            <a:picLocks noChangeAspect="1"/>
+          </p:cNvPicPr>
+          <p:nvPr/>
+        </p:nvPicPr>
+        <p:blipFill>
+          <a:blip r:embed="rId11">
+            <a:extLst>
+              <a:ext uri="{28A0092B-C50C-407E-A947-70E740481C1C}">
+                <a14:useLocalDpi xmlns:a14="http://schemas.microsoft.com/office/drawing/2010/main" val="0"/>
+              </a:ext>
+            </a:extLst>
+          </a:blip>
+          <a:stretch>
+            <a:fillRect/>
+          </a:stretch>
+        </p:blipFill>
+        <p:spPr>
+          <a:xfrm>
+            <a:off x="6169087" y="3998044"/>
+            <a:ext cx="1503611" cy="1503611"/>
+          </a:xfrm>
+          <a:prstGeom prst="rect">
+            <a:avLst/>
+          </a:prstGeom>
+        </p:spPr>
+      </p:pic>
+      <p:pic>
+        <p:nvPicPr>
+          <p:cNvPr id="27" name="Рисунок 26">
+            <a:extLst>
+              <a:ext uri="{FF2B5EF4-FFF2-40B4-BE49-F238E27FC236}">
+                <a16:creationId xmlns:a16="http://schemas.microsoft.com/office/drawing/2014/main" id="{B287A379-0A62-4902-815A-511F15282537}"/>
+              </a:ext>
+            </a:extLst>
+          </p:cNvPr>
+          <p:cNvPicPr>
+            <a:picLocks noChangeAspect="1"/>
+          </p:cNvPicPr>
+          <p:nvPr/>
+        </p:nvPicPr>
+        <p:blipFill>
+          <a:blip r:embed="rId12">
+            <a:extLst>
+              <a:ext uri="{28A0092B-C50C-407E-A947-70E740481C1C}">
+                <a14:useLocalDpi xmlns:a14="http://schemas.microsoft.com/office/drawing/2010/main" val="0"/>
+              </a:ext>
+            </a:extLst>
+          </a:blip>
+          <a:stretch>
+            <a:fillRect/>
+          </a:stretch>
+        </p:blipFill>
+        <p:spPr>
+          <a:xfrm>
+            <a:off x="7582548" y="4197871"/>
+            <a:ext cx="1463682" cy="1303784"/>
           </a:xfrm>
           <a:prstGeom prst="rect">
             <a:avLst/>
@@ -7331,7 +11008,7 @@
 </p:sld>
 </file>
 
-<file path=ppt/slides/slide13.xml><?xml version="1.0" encoding="utf-8"?>
+<file path=ppt/slides/slide17.xml><?xml version="1.0" encoding="utf-8"?>
 <p:sld xmlns:a="http://schemas.openxmlformats.org/drawingml/2006/main" xmlns:r="http://schemas.openxmlformats.org/officeDocument/2006/relationships" xmlns:p="http://schemas.openxmlformats.org/presentationml/2006/main">
   <p:cSld>
     <p:spTree>
@@ -7495,7 +11172,7 @@
             <a:fld id="{249A5D52-88F9-4971-91E7-95B02B6DE201}" type="slidenum">
               <a:rPr lang="ru-RU" smtClean="0"/>
               <a:pPr algn="r"/>
-              <a:t>13</a:t>
+              <a:t>17</a:t>
             </a:fld>
             <a:r>
               <a:rPr lang="ru-RU" dirty="0"/>
@@ -7664,7 +11341,7 @@
 </p:sld>
 </file>
 
-<file path=ppt/slides/slide14.xml><?xml version="1.0" encoding="utf-8"?>
+<file path=ppt/slides/slide18.xml><?xml version="1.0" encoding="utf-8"?>
 <p:sld xmlns:a="http://schemas.openxmlformats.org/drawingml/2006/main" xmlns:r="http://schemas.openxmlformats.org/officeDocument/2006/relationships" xmlns:p="http://schemas.openxmlformats.org/presentationml/2006/main">
   <p:cSld>
     <p:spTree>
@@ -7780,7 +11457,7 @@
             <a:fld id="{249A5D52-88F9-4971-91E7-95B02B6DE201}" type="slidenum">
               <a:rPr lang="ru-RU" smtClean="0"/>
               <a:pPr algn="r"/>
-              <a:t>14</a:t>
+              <a:t>18</a:t>
             </a:fld>
             <a:r>
               <a:rPr lang="ru-RU" dirty="0"/>
@@ -7949,7 +11626,7 @@
 </p:sld>
 </file>
 
-<file path=ppt/slides/slide15.xml><?xml version="1.0" encoding="utf-8"?>
+<file path=ppt/slides/slide19.xml><?xml version="1.0" encoding="utf-8"?>
 <p:sld xmlns:a="http://schemas.openxmlformats.org/drawingml/2006/main" xmlns:r="http://schemas.openxmlformats.org/officeDocument/2006/relationships" xmlns:p="http://schemas.openxmlformats.org/presentationml/2006/main">
   <p:cSld>
     <p:spTree>
@@ -8113,7 +11790,7 @@
             <a:fld id="{249A5D52-88F9-4971-91E7-95B02B6DE201}" type="slidenum">
               <a:rPr lang="ru-RU" smtClean="0"/>
               <a:pPr algn="r"/>
-              <a:t>15</a:t>
+              <a:t>19</a:t>
             </a:fld>
             <a:r>
               <a:rPr lang="ru-RU" dirty="0"/>
@@ -8267,1795 +11944,6 @@
     <p:extLst>
       <p:ext uri="{BB962C8B-B14F-4D97-AF65-F5344CB8AC3E}">
         <p14:creationId xmlns:p14="http://schemas.microsoft.com/office/powerpoint/2010/main" val="2198158696"/>
-      </p:ext>
-    </p:extLst>
-  </p:cSld>
-  <p:clrMapOvr>
-    <a:masterClrMapping/>
-  </p:clrMapOvr>
-</p:sld>
-</file>
-
-<file path=ppt/slides/slide16.xml><?xml version="1.0" encoding="utf-8"?>
-<p:sld xmlns:a="http://schemas.openxmlformats.org/drawingml/2006/main" xmlns:r="http://schemas.openxmlformats.org/officeDocument/2006/relationships" xmlns:p="http://schemas.openxmlformats.org/presentationml/2006/main">
-  <p:cSld>
-    <p:spTree>
-      <p:nvGrpSpPr>
-        <p:cNvPr id="1" name="">
-          <a:extLst>
-            <a:ext uri="{FF2B5EF4-FFF2-40B4-BE49-F238E27FC236}">
-              <a16:creationId xmlns:a16="http://schemas.microsoft.com/office/drawing/2014/main" id="{9C021088-9979-3297-05B4-024523158C40}"/>
-            </a:ext>
-          </a:extLst>
-        </p:cNvPr>
-        <p:cNvGrpSpPr/>
-        <p:nvPr/>
-      </p:nvGrpSpPr>
-      <p:grpSpPr>
-        <a:xfrm>
-          <a:off x="0" y="0"/>
-          <a:ext cx="0" cy="0"/>
-          <a:chOff x="0" y="0"/>
-          <a:chExt cx="0" cy="0"/>
-        </a:xfrm>
-      </p:grpSpPr>
-      <p:sp>
-        <p:nvSpPr>
-          <p:cNvPr id="10" name="Нижний колонтитул 9">
-            <a:extLst>
-              <a:ext uri="{FF2B5EF4-FFF2-40B4-BE49-F238E27FC236}">
-                <a16:creationId xmlns:a16="http://schemas.microsoft.com/office/drawing/2014/main" id="{227729D0-5232-6312-77D0-100FA508D3DE}"/>
-              </a:ext>
-            </a:extLst>
-          </p:cNvPr>
-          <p:cNvSpPr>
-            <a:spLocks noGrp="1"/>
-          </p:cNvSpPr>
-          <p:nvPr>
-            <p:ph type="ftr" sz="quarter" idx="11"/>
-          </p:nvPr>
-        </p:nvSpPr>
-        <p:spPr>
-          <a:xfrm>
-            <a:off x="251520" y="6093295"/>
-            <a:ext cx="8640000" cy="540000"/>
-          </a:xfrm>
-          <a:solidFill>
-            <a:srgbClr val="E6E6E6"/>
-          </a:solidFill>
-        </p:spPr>
-        <p:txBody>
-          <a:bodyPr/>
-          <a:lstStyle/>
-          <a:p>
-            <a:pPr algn="l"/>
-            <a:endParaRPr lang="ru-RU" sz="1400" b="1" dirty="0">
-              <a:solidFill>
-                <a:schemeClr val="tx1">
-                  <a:lumMod val="50000"/>
-                  <a:lumOff val="50000"/>
-                </a:schemeClr>
-              </a:solidFill>
-              <a:latin typeface="Arial" pitchFamily="34" charset="0"/>
-              <a:cs typeface="Arial" pitchFamily="34" charset="0"/>
-            </a:endParaRPr>
-          </a:p>
-        </p:txBody>
-      </p:sp>
-      <p:sp>
-        <p:nvSpPr>
-          <p:cNvPr id="6" name="Прямоугольник 5">
-            <a:extLst>
-              <a:ext uri="{FF2B5EF4-FFF2-40B4-BE49-F238E27FC236}">
-                <a16:creationId xmlns:a16="http://schemas.microsoft.com/office/drawing/2014/main" id="{BE31CD7A-93C1-C01A-2183-B6BAFD644C7D}"/>
-              </a:ext>
-            </a:extLst>
-          </p:cNvPr>
-          <p:cNvSpPr/>
-          <p:nvPr/>
-        </p:nvSpPr>
-        <p:spPr>
-          <a:xfrm>
-            <a:off x="251520" y="342900"/>
-            <a:ext cx="8640000" cy="720000"/>
-          </a:xfrm>
-          <a:prstGeom prst="rect">
-            <a:avLst/>
-          </a:prstGeom>
-          <a:solidFill>
-            <a:schemeClr val="bg1">
-              <a:lumMod val="85000"/>
-            </a:schemeClr>
-          </a:solidFill>
-          <a:ln>
-            <a:noFill/>
-          </a:ln>
-        </p:spPr>
-        <p:style>
-          <a:lnRef idx="2">
-            <a:schemeClr val="accent1">
-              <a:shade val="50000"/>
-            </a:schemeClr>
-          </a:lnRef>
-          <a:fillRef idx="1">
-            <a:schemeClr val="accent1"/>
-          </a:fillRef>
-          <a:effectRef idx="0">
-            <a:schemeClr val="accent1"/>
-          </a:effectRef>
-          <a:fontRef idx="minor">
-            <a:schemeClr val="lt1"/>
-          </a:fontRef>
-        </p:style>
-        <p:txBody>
-          <a:bodyPr rtlCol="0" anchor="ctr"/>
-          <a:lstStyle/>
-          <a:p>
-            <a:pPr algn="ctr"/>
-            <a:endParaRPr lang="ru-RU"/>
-          </a:p>
-        </p:txBody>
-      </p:sp>
-      <p:sp>
-        <p:nvSpPr>
-          <p:cNvPr id="2" name="Заголовок 1">
-            <a:extLst>
-              <a:ext uri="{FF2B5EF4-FFF2-40B4-BE49-F238E27FC236}">
-                <a16:creationId xmlns:a16="http://schemas.microsoft.com/office/drawing/2014/main" id="{33FC3FC9-C003-ACE0-0930-1195F5008B87}"/>
-              </a:ext>
-            </a:extLst>
-          </p:cNvPr>
-          <p:cNvSpPr>
-            <a:spLocks noGrp="1"/>
-          </p:cNvSpPr>
-          <p:nvPr>
-            <p:ph type="title"/>
-          </p:nvPr>
-        </p:nvSpPr>
-        <p:spPr>
-          <a:xfrm>
-            <a:off x="251519" y="355605"/>
-            <a:ext cx="8640001" cy="720725"/>
-          </a:xfrm>
-          <a:solidFill>
-            <a:srgbClr val="E6E6E6"/>
-          </a:solidFill>
-        </p:spPr>
-        <p:txBody>
-          <a:bodyPr>
-            <a:noAutofit/>
-          </a:bodyPr>
-          <a:lstStyle/>
-          <a:p>
-            <a:pPr algn="ctr"/>
-            <a:r>
-              <a:rPr lang="ru-RU" sz="1800" b="1" dirty="0">
-                <a:latin typeface="Elektra Text Pro"/>
-                <a:cs typeface="Arial" pitchFamily="34" charset="0"/>
-              </a:rPr>
-              <a:t>ИНТЕРФЕЙС ПРИЛОЖЕНИЯ</a:t>
-            </a:r>
-          </a:p>
-        </p:txBody>
-      </p:sp>
-      <p:sp>
-        <p:nvSpPr>
-          <p:cNvPr id="9" name="TextBox 8">
-            <a:extLst>
-              <a:ext uri="{FF2B5EF4-FFF2-40B4-BE49-F238E27FC236}">
-                <a16:creationId xmlns:a16="http://schemas.microsoft.com/office/drawing/2014/main" id="{534AD733-89AD-0FA3-9A38-9831BCC70B86}"/>
-              </a:ext>
-            </a:extLst>
-          </p:cNvPr>
-          <p:cNvSpPr txBox="1"/>
-          <p:nvPr/>
-        </p:nvSpPr>
-        <p:spPr>
-          <a:xfrm>
-            <a:off x="7956376" y="6165306"/>
-            <a:ext cx="916301" cy="369332"/>
-          </a:xfrm>
-          <a:prstGeom prst="rect">
-            <a:avLst/>
-          </a:prstGeom>
-          <a:noFill/>
-        </p:spPr>
-        <p:txBody>
-          <a:bodyPr wrap="square" rtlCol="0">
-            <a:spAutoFit/>
-          </a:bodyPr>
-          <a:lstStyle/>
-          <a:p>
-            <a:pPr algn="r"/>
-            <a:fld id="{249A5D52-88F9-4971-91E7-95B02B6DE201}" type="slidenum">
-              <a:rPr lang="ru-RU" smtClean="0"/>
-              <a:pPr algn="r"/>
-              <a:t>16</a:t>
-            </a:fld>
-            <a:r>
-              <a:rPr lang="ru-RU" dirty="0"/>
-              <a:t>/21</a:t>
-            </a:r>
-          </a:p>
-        </p:txBody>
-      </p:sp>
-      <p:sp>
-        <p:nvSpPr>
-          <p:cNvPr id="11" name="Заголовок 1">
-            <a:extLst>
-              <a:ext uri="{FF2B5EF4-FFF2-40B4-BE49-F238E27FC236}">
-                <a16:creationId xmlns:a16="http://schemas.microsoft.com/office/drawing/2014/main" id="{F8B64A0F-7C28-498F-AE82-B6C49B5DB168}"/>
-              </a:ext>
-            </a:extLst>
-          </p:cNvPr>
-          <p:cNvSpPr txBox="1">
-            <a:spLocks/>
-          </p:cNvSpPr>
-          <p:nvPr/>
-        </p:nvSpPr>
-        <p:spPr>
-          <a:xfrm>
-            <a:off x="251520" y="6112445"/>
-            <a:ext cx="7200800" cy="520850"/>
-          </a:xfrm>
-          <a:prstGeom prst="rect">
-            <a:avLst/>
-          </a:prstGeom>
-          <a:solidFill>
-            <a:srgbClr val="E6E6E6"/>
-          </a:solidFill>
-        </p:spPr>
-        <p:txBody>
-          <a:bodyPr vert="horz" lIns="91440" tIns="45720" rIns="91440" bIns="45720" rtlCol="0" anchor="ctr">
-            <a:noAutofit/>
-          </a:bodyPr>
-          <a:lstStyle>
-            <a:lvl1pPr algn="l" defTabSz="914400" rtl="0" eaLnBrk="1" latinLnBrk="0" hangingPunct="1">
-              <a:lnSpc>
-                <a:spcPct val="90000"/>
-              </a:lnSpc>
-              <a:spcBef>
-                <a:spcPct val="0"/>
-              </a:spcBef>
-              <a:buNone/>
-              <a:defRPr sz="4400" kern="1200">
-                <a:solidFill>
-                  <a:schemeClr val="tx1"/>
-                </a:solidFill>
-                <a:latin typeface="+mj-lt"/>
-                <a:ea typeface="+mj-ea"/>
-                <a:cs typeface="+mj-cs"/>
-              </a:defRPr>
-            </a:lvl1pPr>
-          </a:lstStyle>
-          <a:p>
-            <a:r>
-              <a:rPr lang="ru-RU" sz="1400" dirty="0">
-                <a:solidFill>
-                  <a:schemeClr val="tx1">
-                    <a:lumMod val="75000"/>
-                    <a:lumOff val="25000"/>
-                  </a:schemeClr>
-                </a:solidFill>
-                <a:latin typeface="Elektra Text Pro"/>
-                <a:cs typeface="Arial" pitchFamily="34" charset="0"/>
-              </a:rPr>
-              <a:t>Веб-приложение для обучения по системе </a:t>
-            </a:r>
-            <a:r>
-              <a:rPr lang="ru-RU" sz="1400" dirty="0" err="1">
-                <a:solidFill>
-                  <a:schemeClr val="tx1">
-                    <a:lumMod val="75000"/>
-                    <a:lumOff val="25000"/>
-                  </a:schemeClr>
-                </a:solidFill>
-                <a:latin typeface="Elektra Text Pro"/>
-                <a:cs typeface="Arial" pitchFamily="34" charset="0"/>
-              </a:rPr>
-              <a:t>Лейтнера</a:t>
-            </a:r>
-            <a:r>
-              <a:rPr lang="ru-RU" sz="1400" dirty="0">
-                <a:solidFill>
-                  <a:schemeClr val="tx1">
-                    <a:lumMod val="75000"/>
-                    <a:lumOff val="25000"/>
-                  </a:schemeClr>
-                </a:solidFill>
-                <a:latin typeface="Elektra Text Pro"/>
-                <a:cs typeface="Arial" pitchFamily="34" charset="0"/>
-              </a:rPr>
-              <a:t> с реализацией алгоритма </a:t>
-            </a:r>
-            <a:br>
-              <a:rPr lang="ru-RU" sz="1400" dirty="0">
-                <a:solidFill>
-                  <a:schemeClr val="tx1">
-                    <a:lumMod val="75000"/>
-                    <a:lumOff val="25000"/>
-                  </a:schemeClr>
-                </a:solidFill>
-                <a:latin typeface="Elektra Text Pro"/>
-                <a:cs typeface="Arial" pitchFamily="34" charset="0"/>
-              </a:rPr>
-            </a:br>
-            <a:r>
-              <a:rPr lang="ru-RU" sz="1400" dirty="0">
-                <a:solidFill>
-                  <a:schemeClr val="tx1">
-                    <a:lumMod val="75000"/>
-                    <a:lumOff val="25000"/>
-                  </a:schemeClr>
-                </a:solidFill>
-                <a:latin typeface="Elektra Text Pro"/>
-                <a:cs typeface="Arial" pitchFamily="34" charset="0"/>
-              </a:rPr>
-              <a:t>интервального повторения</a:t>
-            </a:r>
-          </a:p>
-        </p:txBody>
-      </p:sp>
-      <p:pic>
-        <p:nvPicPr>
-          <p:cNvPr id="3" name="Рисунок 2">
-            <a:extLst>
-              <a:ext uri="{FF2B5EF4-FFF2-40B4-BE49-F238E27FC236}">
-                <a16:creationId xmlns:a16="http://schemas.microsoft.com/office/drawing/2014/main" id="{AA2BE737-13CB-4F32-98EE-F8F2B9145422}"/>
-              </a:ext>
-            </a:extLst>
-          </p:cNvPr>
-          <p:cNvPicPr>
-            <a:picLocks noChangeAspect="1"/>
-          </p:cNvPicPr>
-          <p:nvPr/>
-        </p:nvPicPr>
-        <p:blipFill>
-          <a:blip r:embed="rId3"/>
-          <a:stretch>
-            <a:fillRect/>
-          </a:stretch>
-        </p:blipFill>
-        <p:spPr>
-          <a:xfrm>
-            <a:off x="163819" y="1379602"/>
-            <a:ext cx="8872677" cy="4497670"/>
-          </a:xfrm>
-          <a:prstGeom prst="rect">
-            <a:avLst/>
-          </a:prstGeom>
-        </p:spPr>
-      </p:pic>
-    </p:spTree>
-    <p:extLst>
-      <p:ext uri="{BB962C8B-B14F-4D97-AF65-F5344CB8AC3E}">
-        <p14:creationId xmlns:p14="http://schemas.microsoft.com/office/powerpoint/2010/main" val="1713537609"/>
-      </p:ext>
-    </p:extLst>
-  </p:cSld>
-  <p:clrMapOvr>
-    <a:masterClrMapping/>
-  </p:clrMapOvr>
-</p:sld>
-</file>
-
-<file path=ppt/slides/slide17.xml><?xml version="1.0" encoding="utf-8"?>
-<p:sld xmlns:a="http://schemas.openxmlformats.org/drawingml/2006/main" xmlns:r="http://schemas.openxmlformats.org/officeDocument/2006/relationships" xmlns:p="http://schemas.openxmlformats.org/presentationml/2006/main">
-  <p:cSld>
-    <p:spTree>
-      <p:nvGrpSpPr>
-        <p:cNvPr id="1" name="">
-          <a:extLst>
-            <a:ext uri="{FF2B5EF4-FFF2-40B4-BE49-F238E27FC236}">
-              <a16:creationId xmlns:a16="http://schemas.microsoft.com/office/drawing/2014/main" id="{9C021088-9979-3297-05B4-024523158C40}"/>
-            </a:ext>
-          </a:extLst>
-        </p:cNvPr>
-        <p:cNvGrpSpPr/>
-        <p:nvPr/>
-      </p:nvGrpSpPr>
-      <p:grpSpPr>
-        <a:xfrm>
-          <a:off x="0" y="0"/>
-          <a:ext cx="0" cy="0"/>
-          <a:chOff x="0" y="0"/>
-          <a:chExt cx="0" cy="0"/>
-        </a:xfrm>
-      </p:grpSpPr>
-      <p:sp>
-        <p:nvSpPr>
-          <p:cNvPr id="10" name="Нижний колонтитул 9">
-            <a:extLst>
-              <a:ext uri="{FF2B5EF4-FFF2-40B4-BE49-F238E27FC236}">
-                <a16:creationId xmlns:a16="http://schemas.microsoft.com/office/drawing/2014/main" id="{227729D0-5232-6312-77D0-100FA508D3DE}"/>
-              </a:ext>
-            </a:extLst>
-          </p:cNvPr>
-          <p:cNvSpPr>
-            <a:spLocks noGrp="1"/>
-          </p:cNvSpPr>
-          <p:nvPr>
-            <p:ph type="ftr" sz="quarter" idx="11"/>
-          </p:nvPr>
-        </p:nvSpPr>
-        <p:spPr>
-          <a:xfrm>
-            <a:off x="251520" y="6093295"/>
-            <a:ext cx="8640000" cy="540000"/>
-          </a:xfrm>
-          <a:solidFill>
-            <a:srgbClr val="E6E6E6"/>
-          </a:solidFill>
-        </p:spPr>
-        <p:txBody>
-          <a:bodyPr/>
-          <a:lstStyle/>
-          <a:p>
-            <a:pPr algn="l"/>
-            <a:endParaRPr lang="ru-RU" sz="1400" b="1" dirty="0">
-              <a:solidFill>
-                <a:schemeClr val="tx1">
-                  <a:lumMod val="50000"/>
-                  <a:lumOff val="50000"/>
-                </a:schemeClr>
-              </a:solidFill>
-              <a:latin typeface="Arial" pitchFamily="34" charset="0"/>
-              <a:cs typeface="Arial" pitchFamily="34" charset="0"/>
-            </a:endParaRPr>
-          </a:p>
-        </p:txBody>
-      </p:sp>
-      <p:sp>
-        <p:nvSpPr>
-          <p:cNvPr id="6" name="Прямоугольник 5">
-            <a:extLst>
-              <a:ext uri="{FF2B5EF4-FFF2-40B4-BE49-F238E27FC236}">
-                <a16:creationId xmlns:a16="http://schemas.microsoft.com/office/drawing/2014/main" id="{BE31CD7A-93C1-C01A-2183-B6BAFD644C7D}"/>
-              </a:ext>
-            </a:extLst>
-          </p:cNvPr>
-          <p:cNvSpPr/>
-          <p:nvPr/>
-        </p:nvSpPr>
-        <p:spPr>
-          <a:xfrm>
-            <a:off x="251520" y="342900"/>
-            <a:ext cx="8640000" cy="720000"/>
-          </a:xfrm>
-          <a:prstGeom prst="rect">
-            <a:avLst/>
-          </a:prstGeom>
-          <a:solidFill>
-            <a:schemeClr val="bg1">
-              <a:lumMod val="85000"/>
-            </a:schemeClr>
-          </a:solidFill>
-          <a:ln>
-            <a:noFill/>
-          </a:ln>
-        </p:spPr>
-        <p:style>
-          <a:lnRef idx="2">
-            <a:schemeClr val="accent1">
-              <a:shade val="50000"/>
-            </a:schemeClr>
-          </a:lnRef>
-          <a:fillRef idx="1">
-            <a:schemeClr val="accent1"/>
-          </a:fillRef>
-          <a:effectRef idx="0">
-            <a:schemeClr val="accent1"/>
-          </a:effectRef>
-          <a:fontRef idx="minor">
-            <a:schemeClr val="lt1"/>
-          </a:fontRef>
-        </p:style>
-        <p:txBody>
-          <a:bodyPr rtlCol="0" anchor="ctr"/>
-          <a:lstStyle/>
-          <a:p>
-            <a:pPr algn="ctr"/>
-            <a:endParaRPr lang="ru-RU"/>
-          </a:p>
-        </p:txBody>
-      </p:sp>
-      <p:sp>
-        <p:nvSpPr>
-          <p:cNvPr id="2" name="Заголовок 1">
-            <a:extLst>
-              <a:ext uri="{FF2B5EF4-FFF2-40B4-BE49-F238E27FC236}">
-                <a16:creationId xmlns:a16="http://schemas.microsoft.com/office/drawing/2014/main" id="{33FC3FC9-C003-ACE0-0930-1195F5008B87}"/>
-              </a:ext>
-            </a:extLst>
-          </p:cNvPr>
-          <p:cNvSpPr>
-            <a:spLocks noGrp="1"/>
-          </p:cNvSpPr>
-          <p:nvPr>
-            <p:ph type="title"/>
-          </p:nvPr>
-        </p:nvSpPr>
-        <p:spPr>
-          <a:xfrm>
-            <a:off x="251519" y="355605"/>
-            <a:ext cx="8640001" cy="720725"/>
-          </a:xfrm>
-          <a:solidFill>
-            <a:srgbClr val="E6E6E6"/>
-          </a:solidFill>
-        </p:spPr>
-        <p:txBody>
-          <a:bodyPr>
-            <a:noAutofit/>
-          </a:bodyPr>
-          <a:lstStyle/>
-          <a:p>
-            <a:pPr algn="ctr"/>
-            <a:r>
-              <a:rPr lang="ru-RU" sz="1800" b="1" dirty="0">
-                <a:latin typeface="Elektra Text Pro"/>
-                <a:cs typeface="Arial" pitchFamily="34" charset="0"/>
-              </a:rPr>
-              <a:t>ИНТЕРФЕЙС ПРИЛОЖЕНИЯ</a:t>
-            </a:r>
-          </a:p>
-        </p:txBody>
-      </p:sp>
-      <p:sp>
-        <p:nvSpPr>
-          <p:cNvPr id="9" name="TextBox 8">
-            <a:extLst>
-              <a:ext uri="{FF2B5EF4-FFF2-40B4-BE49-F238E27FC236}">
-                <a16:creationId xmlns:a16="http://schemas.microsoft.com/office/drawing/2014/main" id="{534AD733-89AD-0FA3-9A38-9831BCC70B86}"/>
-              </a:ext>
-            </a:extLst>
-          </p:cNvPr>
-          <p:cNvSpPr txBox="1"/>
-          <p:nvPr/>
-        </p:nvSpPr>
-        <p:spPr>
-          <a:xfrm>
-            <a:off x="7956376" y="6165306"/>
-            <a:ext cx="916301" cy="369332"/>
-          </a:xfrm>
-          <a:prstGeom prst="rect">
-            <a:avLst/>
-          </a:prstGeom>
-          <a:noFill/>
-        </p:spPr>
-        <p:txBody>
-          <a:bodyPr wrap="square" rtlCol="0">
-            <a:spAutoFit/>
-          </a:bodyPr>
-          <a:lstStyle/>
-          <a:p>
-            <a:pPr algn="r"/>
-            <a:fld id="{249A5D52-88F9-4971-91E7-95B02B6DE201}" type="slidenum">
-              <a:rPr lang="ru-RU" smtClean="0"/>
-              <a:pPr algn="r"/>
-              <a:t>17</a:t>
-            </a:fld>
-            <a:r>
-              <a:rPr lang="ru-RU" dirty="0"/>
-              <a:t>/21</a:t>
-            </a:r>
-          </a:p>
-        </p:txBody>
-      </p:sp>
-      <p:sp>
-        <p:nvSpPr>
-          <p:cNvPr id="11" name="Заголовок 1">
-            <a:extLst>
-              <a:ext uri="{FF2B5EF4-FFF2-40B4-BE49-F238E27FC236}">
-                <a16:creationId xmlns:a16="http://schemas.microsoft.com/office/drawing/2014/main" id="{F8B64A0F-7C28-498F-AE82-B6C49B5DB168}"/>
-              </a:ext>
-            </a:extLst>
-          </p:cNvPr>
-          <p:cNvSpPr txBox="1">
-            <a:spLocks/>
-          </p:cNvSpPr>
-          <p:nvPr/>
-        </p:nvSpPr>
-        <p:spPr>
-          <a:xfrm>
-            <a:off x="251520" y="6112445"/>
-            <a:ext cx="7200800" cy="520850"/>
-          </a:xfrm>
-          <a:prstGeom prst="rect">
-            <a:avLst/>
-          </a:prstGeom>
-          <a:solidFill>
-            <a:srgbClr val="E6E6E6"/>
-          </a:solidFill>
-        </p:spPr>
-        <p:txBody>
-          <a:bodyPr vert="horz" lIns="91440" tIns="45720" rIns="91440" bIns="45720" rtlCol="0" anchor="ctr">
-            <a:noAutofit/>
-          </a:bodyPr>
-          <a:lstStyle>
-            <a:lvl1pPr algn="l" defTabSz="914400" rtl="0" eaLnBrk="1" latinLnBrk="0" hangingPunct="1">
-              <a:lnSpc>
-                <a:spcPct val="90000"/>
-              </a:lnSpc>
-              <a:spcBef>
-                <a:spcPct val="0"/>
-              </a:spcBef>
-              <a:buNone/>
-              <a:defRPr sz="4400" kern="1200">
-                <a:solidFill>
-                  <a:schemeClr val="tx1"/>
-                </a:solidFill>
-                <a:latin typeface="+mj-lt"/>
-                <a:ea typeface="+mj-ea"/>
-                <a:cs typeface="+mj-cs"/>
-              </a:defRPr>
-            </a:lvl1pPr>
-          </a:lstStyle>
-          <a:p>
-            <a:r>
-              <a:rPr lang="ru-RU" sz="1400" dirty="0">
-                <a:solidFill>
-                  <a:schemeClr val="tx1">
-                    <a:lumMod val="75000"/>
-                    <a:lumOff val="25000"/>
-                  </a:schemeClr>
-                </a:solidFill>
-                <a:latin typeface="Elektra Text Pro"/>
-                <a:cs typeface="Arial" pitchFamily="34" charset="0"/>
-              </a:rPr>
-              <a:t>Веб-приложение для обучения по системе </a:t>
-            </a:r>
-            <a:r>
-              <a:rPr lang="ru-RU" sz="1400" dirty="0" err="1">
-                <a:solidFill>
-                  <a:schemeClr val="tx1">
-                    <a:lumMod val="75000"/>
-                    <a:lumOff val="25000"/>
-                  </a:schemeClr>
-                </a:solidFill>
-                <a:latin typeface="Elektra Text Pro"/>
-                <a:cs typeface="Arial" pitchFamily="34" charset="0"/>
-              </a:rPr>
-              <a:t>Лейтнера</a:t>
-            </a:r>
-            <a:r>
-              <a:rPr lang="ru-RU" sz="1400" dirty="0">
-                <a:solidFill>
-                  <a:schemeClr val="tx1">
-                    <a:lumMod val="75000"/>
-                    <a:lumOff val="25000"/>
-                  </a:schemeClr>
-                </a:solidFill>
-                <a:latin typeface="Elektra Text Pro"/>
-                <a:cs typeface="Arial" pitchFamily="34" charset="0"/>
-              </a:rPr>
-              <a:t> с реализацией алгоритма </a:t>
-            </a:r>
-            <a:br>
-              <a:rPr lang="ru-RU" sz="1400" dirty="0">
-                <a:solidFill>
-                  <a:schemeClr val="tx1">
-                    <a:lumMod val="75000"/>
-                    <a:lumOff val="25000"/>
-                  </a:schemeClr>
-                </a:solidFill>
-                <a:latin typeface="Elektra Text Pro"/>
-                <a:cs typeface="Arial" pitchFamily="34" charset="0"/>
-              </a:rPr>
-            </a:br>
-            <a:r>
-              <a:rPr lang="ru-RU" sz="1400" dirty="0">
-                <a:solidFill>
-                  <a:schemeClr val="tx1">
-                    <a:lumMod val="75000"/>
-                    <a:lumOff val="25000"/>
-                  </a:schemeClr>
-                </a:solidFill>
-                <a:latin typeface="Elektra Text Pro"/>
-                <a:cs typeface="Arial" pitchFamily="34" charset="0"/>
-              </a:rPr>
-              <a:t>интервального повторения</a:t>
-            </a:r>
-          </a:p>
-        </p:txBody>
-      </p:sp>
-      <p:pic>
-        <p:nvPicPr>
-          <p:cNvPr id="4" name="Рисунок 3">
-            <a:extLst>
-              <a:ext uri="{FF2B5EF4-FFF2-40B4-BE49-F238E27FC236}">
-                <a16:creationId xmlns:a16="http://schemas.microsoft.com/office/drawing/2014/main" id="{A8A04BD9-0599-4A3F-81FF-28258DD5F524}"/>
-              </a:ext>
-            </a:extLst>
-          </p:cNvPr>
-          <p:cNvPicPr>
-            <a:picLocks noChangeAspect="1"/>
-          </p:cNvPicPr>
-          <p:nvPr/>
-        </p:nvPicPr>
-        <p:blipFill>
-          <a:blip r:embed="rId3"/>
-          <a:stretch>
-            <a:fillRect/>
-          </a:stretch>
-        </p:blipFill>
-        <p:spPr>
-          <a:xfrm>
-            <a:off x="492152" y="1114435"/>
-            <a:ext cx="8158733" cy="4913894"/>
-          </a:xfrm>
-          <a:prstGeom prst="rect">
-            <a:avLst/>
-          </a:prstGeom>
-        </p:spPr>
-      </p:pic>
-    </p:spTree>
-    <p:extLst>
-      <p:ext uri="{BB962C8B-B14F-4D97-AF65-F5344CB8AC3E}">
-        <p14:creationId xmlns:p14="http://schemas.microsoft.com/office/powerpoint/2010/main" val="1498631396"/>
-      </p:ext>
-    </p:extLst>
-  </p:cSld>
-  <p:clrMapOvr>
-    <a:masterClrMapping/>
-  </p:clrMapOvr>
-</p:sld>
-</file>
-
-<file path=ppt/slides/slide18.xml><?xml version="1.0" encoding="utf-8"?>
-<p:sld xmlns:a="http://schemas.openxmlformats.org/drawingml/2006/main" xmlns:r="http://schemas.openxmlformats.org/officeDocument/2006/relationships" xmlns:p="http://schemas.openxmlformats.org/presentationml/2006/main">
-  <p:cSld>
-    <p:spTree>
-      <p:nvGrpSpPr>
-        <p:cNvPr id="1" name="">
-          <a:extLst>
-            <a:ext uri="{FF2B5EF4-FFF2-40B4-BE49-F238E27FC236}">
-              <a16:creationId xmlns:a16="http://schemas.microsoft.com/office/drawing/2014/main" id="{9C021088-9979-3297-05B4-024523158C40}"/>
-            </a:ext>
-          </a:extLst>
-        </p:cNvPr>
-        <p:cNvGrpSpPr/>
-        <p:nvPr/>
-      </p:nvGrpSpPr>
-      <p:grpSpPr>
-        <a:xfrm>
-          <a:off x="0" y="0"/>
-          <a:ext cx="0" cy="0"/>
-          <a:chOff x="0" y="0"/>
-          <a:chExt cx="0" cy="0"/>
-        </a:xfrm>
-      </p:grpSpPr>
-      <p:sp>
-        <p:nvSpPr>
-          <p:cNvPr id="10" name="Нижний колонтитул 9">
-            <a:extLst>
-              <a:ext uri="{FF2B5EF4-FFF2-40B4-BE49-F238E27FC236}">
-                <a16:creationId xmlns:a16="http://schemas.microsoft.com/office/drawing/2014/main" id="{227729D0-5232-6312-77D0-100FA508D3DE}"/>
-              </a:ext>
-            </a:extLst>
-          </p:cNvPr>
-          <p:cNvSpPr>
-            <a:spLocks noGrp="1"/>
-          </p:cNvSpPr>
-          <p:nvPr>
-            <p:ph type="ftr" sz="quarter" idx="11"/>
-          </p:nvPr>
-        </p:nvSpPr>
-        <p:spPr>
-          <a:xfrm>
-            <a:off x="251520" y="6093295"/>
-            <a:ext cx="8640000" cy="540000"/>
-          </a:xfrm>
-          <a:solidFill>
-            <a:srgbClr val="E6E6E6"/>
-          </a:solidFill>
-        </p:spPr>
-        <p:txBody>
-          <a:bodyPr/>
-          <a:lstStyle/>
-          <a:p>
-            <a:pPr algn="l"/>
-            <a:endParaRPr lang="ru-RU" sz="1400" b="1" dirty="0">
-              <a:solidFill>
-                <a:schemeClr val="tx1">
-                  <a:lumMod val="50000"/>
-                  <a:lumOff val="50000"/>
-                </a:schemeClr>
-              </a:solidFill>
-              <a:latin typeface="Arial" pitchFamily="34" charset="0"/>
-              <a:cs typeface="Arial" pitchFamily="34" charset="0"/>
-            </a:endParaRPr>
-          </a:p>
-        </p:txBody>
-      </p:sp>
-      <p:sp>
-        <p:nvSpPr>
-          <p:cNvPr id="6" name="Прямоугольник 5">
-            <a:extLst>
-              <a:ext uri="{FF2B5EF4-FFF2-40B4-BE49-F238E27FC236}">
-                <a16:creationId xmlns:a16="http://schemas.microsoft.com/office/drawing/2014/main" id="{BE31CD7A-93C1-C01A-2183-B6BAFD644C7D}"/>
-              </a:ext>
-            </a:extLst>
-          </p:cNvPr>
-          <p:cNvSpPr/>
-          <p:nvPr/>
-        </p:nvSpPr>
-        <p:spPr>
-          <a:xfrm>
-            <a:off x="251520" y="342900"/>
-            <a:ext cx="8640000" cy="720000"/>
-          </a:xfrm>
-          <a:prstGeom prst="rect">
-            <a:avLst/>
-          </a:prstGeom>
-          <a:solidFill>
-            <a:schemeClr val="bg1">
-              <a:lumMod val="85000"/>
-            </a:schemeClr>
-          </a:solidFill>
-          <a:ln>
-            <a:noFill/>
-          </a:ln>
-        </p:spPr>
-        <p:style>
-          <a:lnRef idx="2">
-            <a:schemeClr val="accent1">
-              <a:shade val="50000"/>
-            </a:schemeClr>
-          </a:lnRef>
-          <a:fillRef idx="1">
-            <a:schemeClr val="accent1"/>
-          </a:fillRef>
-          <a:effectRef idx="0">
-            <a:schemeClr val="accent1"/>
-          </a:effectRef>
-          <a:fontRef idx="minor">
-            <a:schemeClr val="lt1"/>
-          </a:fontRef>
-        </p:style>
-        <p:txBody>
-          <a:bodyPr rtlCol="0" anchor="ctr"/>
-          <a:lstStyle/>
-          <a:p>
-            <a:pPr algn="ctr"/>
-            <a:endParaRPr lang="ru-RU"/>
-          </a:p>
-        </p:txBody>
-      </p:sp>
-      <p:sp>
-        <p:nvSpPr>
-          <p:cNvPr id="2" name="Заголовок 1">
-            <a:extLst>
-              <a:ext uri="{FF2B5EF4-FFF2-40B4-BE49-F238E27FC236}">
-                <a16:creationId xmlns:a16="http://schemas.microsoft.com/office/drawing/2014/main" id="{33FC3FC9-C003-ACE0-0930-1195F5008B87}"/>
-              </a:ext>
-            </a:extLst>
-          </p:cNvPr>
-          <p:cNvSpPr>
-            <a:spLocks noGrp="1"/>
-          </p:cNvSpPr>
-          <p:nvPr>
-            <p:ph type="title"/>
-          </p:nvPr>
-        </p:nvSpPr>
-        <p:spPr>
-          <a:xfrm>
-            <a:off x="251519" y="355605"/>
-            <a:ext cx="8640001" cy="720725"/>
-          </a:xfrm>
-          <a:solidFill>
-            <a:srgbClr val="E6E6E6"/>
-          </a:solidFill>
-        </p:spPr>
-        <p:txBody>
-          <a:bodyPr>
-            <a:noAutofit/>
-          </a:bodyPr>
-          <a:lstStyle/>
-          <a:p>
-            <a:pPr algn="ctr"/>
-            <a:r>
-              <a:rPr lang="ru-RU" sz="1800" b="1" dirty="0">
-                <a:latin typeface="Elektra Text Pro"/>
-                <a:cs typeface="Arial" pitchFamily="34" charset="0"/>
-              </a:rPr>
-              <a:t>ИНТЕРФЕЙС ПРИЛОЖЕНИЯ</a:t>
-            </a:r>
-          </a:p>
-        </p:txBody>
-      </p:sp>
-      <p:sp>
-        <p:nvSpPr>
-          <p:cNvPr id="9" name="TextBox 8">
-            <a:extLst>
-              <a:ext uri="{FF2B5EF4-FFF2-40B4-BE49-F238E27FC236}">
-                <a16:creationId xmlns:a16="http://schemas.microsoft.com/office/drawing/2014/main" id="{534AD733-89AD-0FA3-9A38-9831BCC70B86}"/>
-              </a:ext>
-            </a:extLst>
-          </p:cNvPr>
-          <p:cNvSpPr txBox="1"/>
-          <p:nvPr/>
-        </p:nvSpPr>
-        <p:spPr>
-          <a:xfrm>
-            <a:off x="7956376" y="6165306"/>
-            <a:ext cx="916301" cy="369332"/>
-          </a:xfrm>
-          <a:prstGeom prst="rect">
-            <a:avLst/>
-          </a:prstGeom>
-          <a:noFill/>
-        </p:spPr>
-        <p:txBody>
-          <a:bodyPr wrap="square" rtlCol="0">
-            <a:spAutoFit/>
-          </a:bodyPr>
-          <a:lstStyle/>
-          <a:p>
-            <a:pPr algn="r"/>
-            <a:fld id="{249A5D52-88F9-4971-91E7-95B02B6DE201}" type="slidenum">
-              <a:rPr lang="ru-RU" smtClean="0"/>
-              <a:pPr algn="r"/>
-              <a:t>18</a:t>
-            </a:fld>
-            <a:r>
-              <a:rPr lang="ru-RU" dirty="0"/>
-              <a:t>/</a:t>
-            </a:r>
-            <a:r>
-              <a:rPr lang="en-US" dirty="0"/>
-              <a:t>21</a:t>
-            </a:r>
-            <a:endParaRPr lang="ru-RU" dirty="0"/>
-          </a:p>
-        </p:txBody>
-      </p:sp>
-      <p:sp>
-        <p:nvSpPr>
-          <p:cNvPr id="11" name="Заголовок 1">
-            <a:extLst>
-              <a:ext uri="{FF2B5EF4-FFF2-40B4-BE49-F238E27FC236}">
-                <a16:creationId xmlns:a16="http://schemas.microsoft.com/office/drawing/2014/main" id="{F8B64A0F-7C28-498F-AE82-B6C49B5DB168}"/>
-              </a:ext>
-            </a:extLst>
-          </p:cNvPr>
-          <p:cNvSpPr txBox="1">
-            <a:spLocks/>
-          </p:cNvSpPr>
-          <p:nvPr/>
-        </p:nvSpPr>
-        <p:spPr>
-          <a:xfrm>
-            <a:off x="251520" y="6112445"/>
-            <a:ext cx="7200800" cy="520850"/>
-          </a:xfrm>
-          <a:prstGeom prst="rect">
-            <a:avLst/>
-          </a:prstGeom>
-          <a:solidFill>
-            <a:srgbClr val="E6E6E6"/>
-          </a:solidFill>
-        </p:spPr>
-        <p:txBody>
-          <a:bodyPr vert="horz" lIns="91440" tIns="45720" rIns="91440" bIns="45720" rtlCol="0" anchor="ctr">
-            <a:noAutofit/>
-          </a:bodyPr>
-          <a:lstStyle>
-            <a:lvl1pPr algn="l" defTabSz="914400" rtl="0" eaLnBrk="1" latinLnBrk="0" hangingPunct="1">
-              <a:lnSpc>
-                <a:spcPct val="90000"/>
-              </a:lnSpc>
-              <a:spcBef>
-                <a:spcPct val="0"/>
-              </a:spcBef>
-              <a:buNone/>
-              <a:defRPr sz="4400" kern="1200">
-                <a:solidFill>
-                  <a:schemeClr val="tx1"/>
-                </a:solidFill>
-                <a:latin typeface="+mj-lt"/>
-                <a:ea typeface="+mj-ea"/>
-                <a:cs typeface="+mj-cs"/>
-              </a:defRPr>
-            </a:lvl1pPr>
-          </a:lstStyle>
-          <a:p>
-            <a:r>
-              <a:rPr lang="ru-RU" sz="1400" dirty="0">
-                <a:solidFill>
-                  <a:schemeClr val="tx1">
-                    <a:lumMod val="75000"/>
-                    <a:lumOff val="25000"/>
-                  </a:schemeClr>
-                </a:solidFill>
-                <a:latin typeface="Elektra Text Pro"/>
-                <a:cs typeface="Arial" pitchFamily="34" charset="0"/>
-              </a:rPr>
-              <a:t>Веб-приложение для обучения по системе </a:t>
-            </a:r>
-            <a:r>
-              <a:rPr lang="ru-RU" sz="1400" dirty="0" err="1">
-                <a:solidFill>
-                  <a:schemeClr val="tx1">
-                    <a:lumMod val="75000"/>
-                    <a:lumOff val="25000"/>
-                  </a:schemeClr>
-                </a:solidFill>
-                <a:latin typeface="Elektra Text Pro"/>
-                <a:cs typeface="Arial" pitchFamily="34" charset="0"/>
-              </a:rPr>
-              <a:t>Лейтнера</a:t>
-            </a:r>
-            <a:r>
-              <a:rPr lang="ru-RU" sz="1400" dirty="0">
-                <a:solidFill>
-                  <a:schemeClr val="tx1">
-                    <a:lumMod val="75000"/>
-                    <a:lumOff val="25000"/>
-                  </a:schemeClr>
-                </a:solidFill>
-                <a:latin typeface="Elektra Text Pro"/>
-                <a:cs typeface="Arial" pitchFamily="34" charset="0"/>
-              </a:rPr>
-              <a:t> с реализацией алгоритма </a:t>
-            </a:r>
-            <a:br>
-              <a:rPr lang="ru-RU" sz="1400" dirty="0">
-                <a:solidFill>
-                  <a:schemeClr val="tx1">
-                    <a:lumMod val="75000"/>
-                    <a:lumOff val="25000"/>
-                  </a:schemeClr>
-                </a:solidFill>
-                <a:latin typeface="Elektra Text Pro"/>
-                <a:cs typeface="Arial" pitchFamily="34" charset="0"/>
-              </a:rPr>
-            </a:br>
-            <a:r>
-              <a:rPr lang="ru-RU" sz="1400" dirty="0">
-                <a:solidFill>
-                  <a:schemeClr val="tx1">
-                    <a:lumMod val="75000"/>
-                    <a:lumOff val="25000"/>
-                  </a:schemeClr>
-                </a:solidFill>
-                <a:latin typeface="Elektra Text Pro"/>
-                <a:cs typeface="Arial" pitchFamily="34" charset="0"/>
-              </a:rPr>
-              <a:t>интервального повторения</a:t>
-            </a:r>
-          </a:p>
-        </p:txBody>
-      </p:sp>
-      <p:pic>
-        <p:nvPicPr>
-          <p:cNvPr id="3" name="Рисунок 2">
-            <a:extLst>
-              <a:ext uri="{FF2B5EF4-FFF2-40B4-BE49-F238E27FC236}">
-                <a16:creationId xmlns:a16="http://schemas.microsoft.com/office/drawing/2014/main" id="{BF1B5D4A-9D00-4401-B6A2-B532F35F7F30}"/>
-              </a:ext>
-            </a:extLst>
-          </p:cNvPr>
-          <p:cNvPicPr>
-            <a:picLocks noChangeAspect="1"/>
-          </p:cNvPicPr>
-          <p:nvPr/>
-        </p:nvPicPr>
-        <p:blipFill>
-          <a:blip r:embed="rId3"/>
-          <a:stretch>
-            <a:fillRect/>
-          </a:stretch>
-        </p:blipFill>
-        <p:spPr>
-          <a:xfrm>
-            <a:off x="642223" y="1268760"/>
-            <a:ext cx="7858592" cy="4476649"/>
-          </a:xfrm>
-          <a:prstGeom prst="rect">
-            <a:avLst/>
-          </a:prstGeom>
-        </p:spPr>
-      </p:pic>
-    </p:spTree>
-    <p:extLst>
-      <p:ext uri="{BB962C8B-B14F-4D97-AF65-F5344CB8AC3E}">
-        <p14:creationId xmlns:p14="http://schemas.microsoft.com/office/powerpoint/2010/main" val="3589227410"/>
-      </p:ext>
-    </p:extLst>
-  </p:cSld>
-  <p:clrMapOvr>
-    <a:masterClrMapping/>
-  </p:clrMapOvr>
-</p:sld>
-</file>
-
-<file path=ppt/slides/slide19.xml><?xml version="1.0" encoding="utf-8"?>
-<p:sld xmlns:a="http://schemas.openxmlformats.org/drawingml/2006/main" xmlns:r="http://schemas.openxmlformats.org/officeDocument/2006/relationships" xmlns:p="http://schemas.openxmlformats.org/presentationml/2006/main">
-  <p:cSld>
-    <p:spTree>
-      <p:nvGrpSpPr>
-        <p:cNvPr id="1" name=""/>
-        <p:cNvGrpSpPr/>
-        <p:nvPr/>
-      </p:nvGrpSpPr>
-      <p:grpSpPr>
-        <a:xfrm>
-          <a:off x="0" y="0"/>
-          <a:ext cx="0" cy="0"/>
-          <a:chOff x="0" y="0"/>
-          <a:chExt cx="0" cy="0"/>
-        </a:xfrm>
-      </p:grpSpPr>
-      <p:sp>
-        <p:nvSpPr>
-          <p:cNvPr id="10" name="Нижний колонтитул 9"/>
-          <p:cNvSpPr>
-            <a:spLocks noGrp="1"/>
-          </p:cNvSpPr>
-          <p:nvPr>
-            <p:ph type="ftr" sz="quarter" idx="11"/>
-          </p:nvPr>
-        </p:nvSpPr>
-        <p:spPr>
-          <a:xfrm>
-            <a:off x="251520" y="6093295"/>
-            <a:ext cx="8640000" cy="540000"/>
-          </a:xfrm>
-          <a:solidFill>
-            <a:srgbClr val="E6E6E6"/>
-          </a:solidFill>
-        </p:spPr>
-        <p:txBody>
-          <a:bodyPr/>
-          <a:lstStyle/>
-          <a:p>
-            <a:pPr algn="l"/>
-            <a:r>
-              <a:rPr lang="ru-RU" sz="1400" dirty="0">
-                <a:solidFill>
-                  <a:schemeClr val="tx1">
-                    <a:lumMod val="75000"/>
-                    <a:lumOff val="25000"/>
-                  </a:schemeClr>
-                </a:solidFill>
-                <a:latin typeface="Elektra Text Pro"/>
-                <a:cs typeface="Arial" pitchFamily="34" charset="0"/>
-              </a:rPr>
-              <a:t>Веб-приложение для обучения по системе </a:t>
-            </a:r>
-            <a:r>
-              <a:rPr lang="ru-RU" sz="1400" dirty="0" err="1">
-                <a:solidFill>
-                  <a:schemeClr val="tx1">
-                    <a:lumMod val="75000"/>
-                    <a:lumOff val="25000"/>
-                  </a:schemeClr>
-                </a:solidFill>
-                <a:latin typeface="Elektra Text Pro"/>
-                <a:cs typeface="Arial" pitchFamily="34" charset="0"/>
-              </a:rPr>
-              <a:t>Лейтнера</a:t>
-            </a:r>
-            <a:r>
-              <a:rPr lang="ru-RU" sz="1400" dirty="0">
-                <a:solidFill>
-                  <a:schemeClr val="tx1">
-                    <a:lumMod val="75000"/>
-                    <a:lumOff val="25000"/>
-                  </a:schemeClr>
-                </a:solidFill>
-                <a:latin typeface="Elektra Text Pro"/>
-                <a:cs typeface="Arial" pitchFamily="34" charset="0"/>
-              </a:rPr>
-              <a:t> с реализацией алгоритма </a:t>
-            </a:r>
-            <a:br>
-              <a:rPr lang="ru-RU" sz="1400" dirty="0">
-                <a:solidFill>
-                  <a:schemeClr val="tx1">
-                    <a:lumMod val="75000"/>
-                    <a:lumOff val="25000"/>
-                  </a:schemeClr>
-                </a:solidFill>
-                <a:latin typeface="Elektra Text Pro"/>
-                <a:cs typeface="Arial" pitchFamily="34" charset="0"/>
-              </a:rPr>
-            </a:br>
-            <a:r>
-              <a:rPr lang="ru-RU" sz="1400" dirty="0">
-                <a:solidFill>
-                  <a:schemeClr val="tx1">
-                    <a:lumMod val="75000"/>
-                    <a:lumOff val="25000"/>
-                  </a:schemeClr>
-                </a:solidFill>
-                <a:latin typeface="Elektra Text Pro"/>
-                <a:cs typeface="Arial" pitchFamily="34" charset="0"/>
-              </a:rPr>
-              <a:t>интервального повторения</a:t>
-            </a:r>
-          </a:p>
-        </p:txBody>
-      </p:sp>
-      <p:sp>
-        <p:nvSpPr>
-          <p:cNvPr id="6" name="Прямоугольник 5"/>
-          <p:cNvSpPr/>
-          <p:nvPr/>
-        </p:nvSpPr>
-        <p:spPr>
-          <a:xfrm>
-            <a:off x="251520" y="342900"/>
-            <a:ext cx="8640000" cy="720000"/>
-          </a:xfrm>
-          <a:prstGeom prst="rect">
-            <a:avLst/>
-          </a:prstGeom>
-          <a:solidFill>
-            <a:srgbClr val="E6E6E6"/>
-          </a:solidFill>
-          <a:ln>
-            <a:noFill/>
-          </a:ln>
-        </p:spPr>
-        <p:style>
-          <a:lnRef idx="2">
-            <a:schemeClr val="accent1">
-              <a:shade val="50000"/>
-            </a:schemeClr>
-          </a:lnRef>
-          <a:fillRef idx="1">
-            <a:schemeClr val="accent1"/>
-          </a:fillRef>
-          <a:effectRef idx="0">
-            <a:schemeClr val="accent1"/>
-          </a:effectRef>
-          <a:fontRef idx="minor">
-            <a:schemeClr val="lt1"/>
-          </a:fontRef>
-        </p:style>
-        <p:txBody>
-          <a:bodyPr rtlCol="0" anchor="ctr"/>
-          <a:lstStyle/>
-          <a:p>
-            <a:pPr algn="ctr"/>
-            <a:endParaRPr lang="ru-RU"/>
-          </a:p>
-        </p:txBody>
-      </p:sp>
-      <p:sp>
-        <p:nvSpPr>
-          <p:cNvPr id="2" name="Заголовок 1"/>
-          <p:cNvSpPr>
-            <a:spLocks noGrp="1"/>
-          </p:cNvSpPr>
-          <p:nvPr>
-            <p:ph type="title"/>
-          </p:nvPr>
-        </p:nvSpPr>
-        <p:spPr>
-          <a:xfrm>
-            <a:off x="251520" y="355605"/>
-            <a:ext cx="8640000" cy="720725"/>
-          </a:xfrm>
-          <a:solidFill>
-            <a:srgbClr val="E6E6E6"/>
-          </a:solidFill>
-        </p:spPr>
-        <p:txBody>
-          <a:bodyPr>
-            <a:noAutofit/>
-          </a:bodyPr>
-          <a:lstStyle/>
-          <a:p>
-            <a:pPr algn="ctr"/>
-            <a:r>
-              <a:rPr lang="ru-RU" sz="1800" b="1" cap="all" dirty="0">
-                <a:latin typeface="Arial" pitchFamily="34" charset="0"/>
-                <a:cs typeface="Arial" pitchFamily="34" charset="0"/>
-              </a:rPr>
-              <a:t>ВЫВОДЫ</a:t>
-            </a:r>
-            <a:endParaRPr lang="ru-RU" sz="1800" b="1" cap="all" dirty="0">
-              <a:highlight>
-                <a:srgbClr val="FFFF00"/>
-              </a:highlight>
-              <a:latin typeface="Arial" pitchFamily="34" charset="0"/>
-              <a:cs typeface="Arial" pitchFamily="34" charset="0"/>
-            </a:endParaRPr>
-          </a:p>
-        </p:txBody>
-      </p:sp>
-      <p:sp>
-        <p:nvSpPr>
-          <p:cNvPr id="3" name="Объект 2"/>
-          <p:cNvSpPr>
-            <a:spLocks noGrp="1"/>
-          </p:cNvSpPr>
-          <p:nvPr>
-            <p:ph idx="1"/>
-          </p:nvPr>
-        </p:nvSpPr>
-        <p:spPr>
-          <a:xfrm>
-            <a:off x="274504" y="1134911"/>
-            <a:ext cx="8640000" cy="4610099"/>
-          </a:xfrm>
-        </p:spPr>
-        <p:txBody>
-          <a:bodyPr>
-            <a:normAutofit/>
-          </a:bodyPr>
-          <a:lstStyle/>
-          <a:p>
-            <a:pPr marL="0" indent="0">
-              <a:lnSpc>
-                <a:spcPct val="100000"/>
-              </a:lnSpc>
-              <a:buNone/>
-            </a:pPr>
-            <a:r>
-              <a:rPr lang="ru-RU" sz="1800" spc="-1" dirty="0">
-                <a:solidFill>
-                  <a:srgbClr val="000000"/>
-                </a:solidFill>
-                <a:latin typeface="Elektra Text Pro"/>
-                <a:ea typeface="DejaVu Sans"/>
-                <a:cs typeface="Arial" panose="020B0604020202020204" pitchFamily="34" charset="0"/>
-              </a:rPr>
-              <a:t>Веб-приложение для обучения по системе </a:t>
-            </a:r>
-            <a:r>
-              <a:rPr lang="ru-RU" sz="1800" spc="-1" dirty="0" err="1">
-                <a:solidFill>
-                  <a:srgbClr val="000000"/>
-                </a:solidFill>
-                <a:latin typeface="Elektra Text Pro"/>
-                <a:ea typeface="DejaVu Sans"/>
-                <a:cs typeface="Arial" panose="020B0604020202020204" pitchFamily="34" charset="0"/>
-              </a:rPr>
-              <a:t>Лейтнера</a:t>
-            </a:r>
-            <a:r>
-              <a:rPr lang="ru-RU" sz="1800" spc="-1" dirty="0">
-                <a:solidFill>
-                  <a:srgbClr val="000000"/>
-                </a:solidFill>
-                <a:latin typeface="Elektra Text Pro"/>
-                <a:ea typeface="DejaVu Sans"/>
-                <a:cs typeface="Arial" panose="020B0604020202020204" pitchFamily="34" charset="0"/>
-              </a:rPr>
-              <a:t> с реализацией алгоритма </a:t>
-            </a:r>
-            <a:br>
-              <a:rPr lang="ru-RU" sz="1800" spc="-1" dirty="0">
-                <a:solidFill>
-                  <a:srgbClr val="000000"/>
-                </a:solidFill>
-                <a:latin typeface="Elektra Text Pro"/>
-                <a:ea typeface="DejaVu Sans"/>
-                <a:cs typeface="Arial" panose="020B0604020202020204" pitchFamily="34" charset="0"/>
-              </a:rPr>
-            </a:br>
-            <a:r>
-              <a:rPr lang="ru-RU" sz="1800" spc="-1" dirty="0">
-                <a:solidFill>
-                  <a:srgbClr val="000000"/>
-                </a:solidFill>
-                <a:latin typeface="Elektra Text Pro"/>
-                <a:ea typeface="DejaVu Sans"/>
-                <a:cs typeface="Arial" panose="020B0604020202020204" pitchFamily="34" charset="0"/>
-              </a:rPr>
-              <a:t>интервального повторения. Выполнены следующие задачи:</a:t>
-            </a:r>
-          </a:p>
-          <a:p>
-            <a:pPr>
-              <a:lnSpc>
-                <a:spcPct val="100000"/>
-              </a:lnSpc>
-            </a:pPr>
-            <a:r>
-              <a:rPr lang="ru-RU" sz="1800" spc="-1" dirty="0">
-                <a:solidFill>
-                  <a:srgbClr val="000000"/>
-                </a:solidFill>
-                <a:latin typeface="Elektra Text Pro"/>
-                <a:ea typeface="DejaVu Sans"/>
-                <a:cs typeface="Arial" panose="020B0604020202020204" pitchFamily="34" charset="0"/>
-              </a:rPr>
-              <a:t>Проведен анализ предметной области;</a:t>
-            </a:r>
-          </a:p>
-          <a:p>
-            <a:pPr>
-              <a:lnSpc>
-                <a:spcPct val="100000"/>
-              </a:lnSpc>
-            </a:pPr>
-            <a:r>
-              <a:rPr lang="ru-RU" sz="1800" spc="-1" dirty="0">
-                <a:solidFill>
-                  <a:srgbClr val="000000"/>
-                </a:solidFill>
-                <a:latin typeface="Elektra Text Pro"/>
-                <a:ea typeface="DejaVu Sans"/>
-                <a:cs typeface="Arial" panose="020B0604020202020204" pitchFamily="34" charset="0"/>
-              </a:rPr>
-              <a:t>Сделан обзор систем-аналогов в области обучения по системе </a:t>
-            </a:r>
-            <a:r>
-              <a:rPr lang="ru-RU" sz="1800" spc="-1" dirty="0" err="1">
-                <a:solidFill>
-                  <a:srgbClr val="000000"/>
-                </a:solidFill>
-                <a:latin typeface="Elektra Text Pro"/>
-                <a:ea typeface="DejaVu Sans"/>
-                <a:cs typeface="Arial" panose="020B0604020202020204" pitchFamily="34" charset="0"/>
-              </a:rPr>
-              <a:t>Лейтнера</a:t>
-            </a:r>
-            <a:r>
-              <a:rPr lang="ru-RU" sz="1800" spc="-1" dirty="0">
-                <a:solidFill>
-                  <a:srgbClr val="000000"/>
-                </a:solidFill>
-                <a:latin typeface="Elektra Text Pro"/>
-                <a:ea typeface="DejaVu Sans"/>
-                <a:cs typeface="Arial" panose="020B0604020202020204" pitchFamily="34" charset="0"/>
-              </a:rPr>
-              <a:t> с реализацией алгоритма интервального повторения;</a:t>
-            </a:r>
-          </a:p>
-          <a:p>
-            <a:pPr>
-              <a:lnSpc>
-                <a:spcPct val="100000"/>
-              </a:lnSpc>
-            </a:pPr>
-            <a:r>
-              <a:rPr lang="ru-RU" sz="1800" spc="-1" dirty="0">
-                <a:solidFill>
-                  <a:srgbClr val="000000"/>
-                </a:solidFill>
-                <a:latin typeface="Elektra Text Pro"/>
-                <a:ea typeface="DejaVu Sans"/>
-                <a:cs typeface="Arial" panose="020B0604020202020204" pitchFamily="34" charset="0"/>
-              </a:rPr>
-              <a:t>Изучены реализации алгоритма интервального повторения;</a:t>
-            </a:r>
-          </a:p>
-          <a:p>
-            <a:pPr>
-              <a:lnSpc>
-                <a:spcPct val="100000"/>
-              </a:lnSpc>
-            </a:pPr>
-            <a:r>
-              <a:rPr lang="ru-RU" sz="1800" spc="-1" dirty="0">
-                <a:solidFill>
-                  <a:srgbClr val="000000"/>
-                </a:solidFill>
-                <a:latin typeface="Elektra Text Pro"/>
-                <a:ea typeface="DejaVu Sans"/>
-                <a:cs typeface="Arial" panose="020B0604020202020204" pitchFamily="34" charset="0"/>
-              </a:rPr>
-              <a:t>Спроектирована </a:t>
-            </a:r>
-            <a:r>
-              <a:rPr lang="ru-RU" sz="1800" dirty="0"/>
-              <a:t>архитектура системы: определить основные модули, их взаимодействие и используемые технологии</a:t>
-            </a:r>
-            <a:r>
-              <a:rPr lang="ru-RU" sz="1800" spc="-1" dirty="0">
-                <a:solidFill>
-                  <a:srgbClr val="000000"/>
-                </a:solidFill>
-                <a:latin typeface="Elektra Text Pro"/>
-                <a:ea typeface="DejaVu Sans"/>
-                <a:cs typeface="Arial" panose="020B0604020202020204" pitchFamily="34" charset="0"/>
-              </a:rPr>
-              <a:t>;</a:t>
-            </a:r>
-          </a:p>
-          <a:p>
-            <a:pPr>
-              <a:lnSpc>
-                <a:spcPct val="100000"/>
-              </a:lnSpc>
-            </a:pPr>
-            <a:r>
-              <a:rPr lang="ru-RU" sz="1800" spc="-1" dirty="0">
-                <a:solidFill>
-                  <a:srgbClr val="000000"/>
-                </a:solidFill>
-                <a:latin typeface="Elektra Text Pro"/>
-                <a:ea typeface="DejaVu Sans"/>
-                <a:cs typeface="Arial" panose="020B0604020202020204" pitchFamily="34" charset="0"/>
-              </a:rPr>
-              <a:t>Разработано и реализовано информационное и программное обеспечение;</a:t>
-            </a:r>
-          </a:p>
-          <a:p>
-            <a:pPr>
-              <a:lnSpc>
-                <a:spcPct val="100000"/>
-              </a:lnSpc>
-            </a:pPr>
-            <a:r>
-              <a:rPr lang="ru-RU" sz="1800" spc="-1" dirty="0">
-                <a:solidFill>
-                  <a:srgbClr val="000000"/>
-                </a:solidFill>
-                <a:latin typeface="Elektra Text Pro"/>
-                <a:ea typeface="DejaVu Sans"/>
-                <a:cs typeface="Arial" panose="020B0604020202020204" pitchFamily="34" charset="0"/>
-              </a:rPr>
-              <a:t>Проведено тестирование и отладка разработанного веб-приложения.</a:t>
-            </a:r>
-          </a:p>
-          <a:p>
-            <a:pPr>
-              <a:lnSpc>
-                <a:spcPct val="100000"/>
-              </a:lnSpc>
-            </a:pPr>
-            <a:endParaRPr lang="ru-RU" sz="1800" spc="-1" dirty="0">
-              <a:solidFill>
-                <a:srgbClr val="000000"/>
-              </a:solidFill>
-              <a:latin typeface="Elektra Text Pro"/>
-              <a:ea typeface="DejaVu Sans"/>
-              <a:cs typeface="Arial" panose="020B0604020202020204" pitchFamily="34" charset="0"/>
-            </a:endParaRPr>
-          </a:p>
-        </p:txBody>
-      </p:sp>
-      <p:sp>
-        <p:nvSpPr>
-          <p:cNvPr id="9" name="TextBox 8"/>
-          <p:cNvSpPr txBox="1"/>
-          <p:nvPr/>
-        </p:nvSpPr>
-        <p:spPr>
-          <a:xfrm>
-            <a:off x="8100392" y="6165306"/>
-            <a:ext cx="772285" cy="369332"/>
-          </a:xfrm>
-          <a:prstGeom prst="rect">
-            <a:avLst/>
-          </a:prstGeom>
-          <a:noFill/>
-        </p:spPr>
-        <p:txBody>
-          <a:bodyPr wrap="square" rtlCol="0">
-            <a:spAutoFit/>
-          </a:bodyPr>
-          <a:lstStyle/>
-          <a:p>
-            <a:pPr algn="r"/>
-            <a:fld id="{249A5D52-88F9-4971-91E7-95B02B6DE201}" type="slidenum">
-              <a:rPr lang="ru-RU" smtClean="0"/>
-              <a:pPr algn="r"/>
-              <a:t>19</a:t>
-            </a:fld>
-            <a:r>
-              <a:rPr lang="ru-RU" dirty="0"/>
-              <a:t>/19</a:t>
-            </a:r>
-          </a:p>
-        </p:txBody>
-      </p:sp>
-      <p:sp>
-        <p:nvSpPr>
-          <p:cNvPr id="8" name="Объект 2"/>
-          <p:cNvSpPr txBox="1">
-            <a:spLocks/>
-          </p:cNvSpPr>
-          <p:nvPr/>
-        </p:nvSpPr>
-        <p:spPr>
-          <a:xfrm>
-            <a:off x="1894205" y="5551563"/>
-            <a:ext cx="5400598" cy="504056"/>
-          </a:xfrm>
-          <a:prstGeom prst="rect">
-            <a:avLst/>
-          </a:prstGeom>
-          <a:noFill/>
-        </p:spPr>
-        <p:txBody>
-          <a:bodyPr vert="horz" lIns="91440" tIns="45720" rIns="91440" bIns="45720" rtlCol="0" anchor="ctr" anchorCtr="0">
-            <a:normAutofit/>
-          </a:bodyPr>
-          <a:lstStyle>
-            <a:lvl1pPr marL="228600" indent="-228600" algn="l" defTabSz="914400" rtl="0" eaLnBrk="1" latinLnBrk="0" hangingPunct="1">
-              <a:lnSpc>
-                <a:spcPct val="90000"/>
-              </a:lnSpc>
-              <a:spcBef>
-                <a:spcPts val="1000"/>
-              </a:spcBef>
-              <a:buFont typeface="Arial" panose="020B0604020202020204" pitchFamily="34" charset="0"/>
-              <a:buChar char="•"/>
-              <a:defRPr sz="2800" kern="1200">
-                <a:solidFill>
-                  <a:schemeClr val="tx1"/>
-                </a:solidFill>
-                <a:latin typeface="+mn-lt"/>
-                <a:ea typeface="+mn-ea"/>
-                <a:cs typeface="+mn-cs"/>
-              </a:defRPr>
-            </a:lvl1pPr>
-            <a:lvl2pPr marL="685800" indent="-228600" algn="l" defTabSz="914400" rtl="0" eaLnBrk="1" latinLnBrk="0" hangingPunct="1">
-              <a:lnSpc>
-                <a:spcPct val="90000"/>
-              </a:lnSpc>
-              <a:spcBef>
-                <a:spcPts val="500"/>
-              </a:spcBef>
-              <a:buFont typeface="Arial" panose="020B0604020202020204" pitchFamily="34" charset="0"/>
-              <a:buChar char="•"/>
-              <a:defRPr sz="2400" kern="1200">
-                <a:solidFill>
-                  <a:schemeClr val="tx1"/>
-                </a:solidFill>
-                <a:latin typeface="+mn-lt"/>
-                <a:ea typeface="+mn-ea"/>
-                <a:cs typeface="+mn-cs"/>
-              </a:defRPr>
-            </a:lvl2pPr>
-            <a:lvl3pPr marL="1143000" indent="-228600" algn="l" defTabSz="914400" rtl="0" eaLnBrk="1" latinLnBrk="0" hangingPunct="1">
-              <a:lnSpc>
-                <a:spcPct val="90000"/>
-              </a:lnSpc>
-              <a:spcBef>
-                <a:spcPts val="500"/>
-              </a:spcBef>
-              <a:buFont typeface="Arial" panose="020B0604020202020204" pitchFamily="34" charset="0"/>
-              <a:buChar char="•"/>
-              <a:defRPr sz="2000" kern="1200">
-                <a:solidFill>
-                  <a:schemeClr val="tx1"/>
-                </a:solidFill>
-                <a:latin typeface="+mn-lt"/>
-                <a:ea typeface="+mn-ea"/>
-                <a:cs typeface="+mn-cs"/>
-              </a:defRPr>
-            </a:lvl3pPr>
-            <a:lvl4pPr marL="1600200" indent="-228600" algn="l" defTabSz="914400" rtl="0" eaLnBrk="1" latinLnBrk="0" hangingPunct="1">
-              <a:lnSpc>
-                <a:spcPct val="90000"/>
-              </a:lnSpc>
-              <a:spcBef>
-                <a:spcPts val="500"/>
-              </a:spcBef>
-              <a:buFont typeface="Arial" panose="020B0604020202020204" pitchFamily="34" charset="0"/>
-              <a:buChar char="•"/>
-              <a:defRPr sz="1800" kern="1200">
-                <a:solidFill>
-                  <a:schemeClr val="tx1"/>
-                </a:solidFill>
-                <a:latin typeface="+mn-lt"/>
-                <a:ea typeface="+mn-ea"/>
-                <a:cs typeface="+mn-cs"/>
-              </a:defRPr>
-            </a:lvl4pPr>
-            <a:lvl5pPr marL="2057400" indent="-228600" algn="l" defTabSz="914400" rtl="0" eaLnBrk="1" latinLnBrk="0" hangingPunct="1">
-              <a:lnSpc>
-                <a:spcPct val="90000"/>
-              </a:lnSpc>
-              <a:spcBef>
-                <a:spcPts val="500"/>
-              </a:spcBef>
-              <a:buFont typeface="Arial" panose="020B0604020202020204" pitchFamily="34" charset="0"/>
-              <a:buChar char="•"/>
-              <a:defRPr sz="1800" kern="1200">
-                <a:solidFill>
-                  <a:schemeClr val="tx1"/>
-                </a:solidFill>
-                <a:latin typeface="+mn-lt"/>
-                <a:ea typeface="+mn-ea"/>
-                <a:cs typeface="+mn-cs"/>
-              </a:defRPr>
-            </a:lvl5pPr>
-            <a:lvl6pPr marL="2514600" indent="-228600" algn="l" defTabSz="914400" rtl="0" eaLnBrk="1" latinLnBrk="0" hangingPunct="1">
-              <a:lnSpc>
-                <a:spcPct val="90000"/>
-              </a:lnSpc>
-              <a:spcBef>
-                <a:spcPts val="500"/>
-              </a:spcBef>
-              <a:buFont typeface="Arial" panose="020B0604020202020204" pitchFamily="34" charset="0"/>
-              <a:buChar char="•"/>
-              <a:defRPr sz="1800" kern="1200">
-                <a:solidFill>
-                  <a:schemeClr val="tx1"/>
-                </a:solidFill>
-                <a:latin typeface="+mn-lt"/>
-                <a:ea typeface="+mn-ea"/>
-                <a:cs typeface="+mn-cs"/>
-              </a:defRPr>
-            </a:lvl6pPr>
-            <a:lvl7pPr marL="2971800" indent="-228600" algn="l" defTabSz="914400" rtl="0" eaLnBrk="1" latinLnBrk="0" hangingPunct="1">
-              <a:lnSpc>
-                <a:spcPct val="90000"/>
-              </a:lnSpc>
-              <a:spcBef>
-                <a:spcPts val="500"/>
-              </a:spcBef>
-              <a:buFont typeface="Arial" panose="020B0604020202020204" pitchFamily="34" charset="0"/>
-              <a:buChar char="•"/>
-              <a:defRPr sz="1800" kern="1200">
-                <a:solidFill>
-                  <a:schemeClr val="tx1"/>
-                </a:solidFill>
-                <a:latin typeface="+mn-lt"/>
-                <a:ea typeface="+mn-ea"/>
-                <a:cs typeface="+mn-cs"/>
-              </a:defRPr>
-            </a:lvl7pPr>
-            <a:lvl8pPr marL="3429000" indent="-228600" algn="l" defTabSz="914400" rtl="0" eaLnBrk="1" latinLnBrk="0" hangingPunct="1">
-              <a:lnSpc>
-                <a:spcPct val="90000"/>
-              </a:lnSpc>
-              <a:spcBef>
-                <a:spcPts val="500"/>
-              </a:spcBef>
-              <a:buFont typeface="Arial" panose="020B0604020202020204" pitchFamily="34" charset="0"/>
-              <a:buChar char="•"/>
-              <a:defRPr sz="1800" kern="1200">
-                <a:solidFill>
-                  <a:schemeClr val="tx1"/>
-                </a:solidFill>
-                <a:latin typeface="+mn-lt"/>
-                <a:ea typeface="+mn-ea"/>
-                <a:cs typeface="+mn-cs"/>
-              </a:defRPr>
-            </a:lvl8pPr>
-            <a:lvl9pPr marL="3886200" indent="-228600" algn="l" defTabSz="914400" rtl="0" eaLnBrk="1" latinLnBrk="0" hangingPunct="1">
-              <a:lnSpc>
-                <a:spcPct val="90000"/>
-              </a:lnSpc>
-              <a:spcBef>
-                <a:spcPts val="500"/>
-              </a:spcBef>
-              <a:buFont typeface="Arial" panose="020B0604020202020204" pitchFamily="34" charset="0"/>
-              <a:buChar char="•"/>
-              <a:defRPr sz="1800" kern="1200">
-                <a:solidFill>
-                  <a:schemeClr val="tx1"/>
-                </a:solidFill>
-                <a:latin typeface="+mn-lt"/>
-                <a:ea typeface="+mn-ea"/>
-                <a:cs typeface="+mn-cs"/>
-              </a:defRPr>
-            </a:lvl9pPr>
-          </a:lstStyle>
-          <a:p>
-            <a:pPr marL="0" indent="0" algn="ctr">
-              <a:buNone/>
-            </a:pPr>
-            <a:r>
-              <a:rPr lang="ru-RU" sz="1800" b="1" dirty="0">
-                <a:solidFill>
-                  <a:schemeClr val="tx1">
-                    <a:lumMod val="95000"/>
-                    <a:lumOff val="5000"/>
-                  </a:schemeClr>
-                </a:solidFill>
-                <a:latin typeface="Elektra Text Pro" panose="02000503030000020004" pitchFamily="50" charset="-52"/>
-              </a:rPr>
-              <a:t>БЛАГОДАРЮ ЗА ВНИМАНИЕ!</a:t>
-            </a:r>
-          </a:p>
-        </p:txBody>
-      </p:sp>
-    </p:spTree>
-    <p:extLst>
-      <p:ext uri="{BB962C8B-B14F-4D97-AF65-F5344CB8AC3E}">
-        <p14:creationId xmlns:p14="http://schemas.microsoft.com/office/powerpoint/2010/main" val="3348837"/>
       </p:ext>
     </p:extLst>
   </p:cSld>
@@ -10477,6 +12365,1795 @@
 </p:sld>
 </file>
 
+<file path=ppt/slides/slide20.xml><?xml version="1.0" encoding="utf-8"?>
+<p:sld xmlns:a="http://schemas.openxmlformats.org/drawingml/2006/main" xmlns:r="http://schemas.openxmlformats.org/officeDocument/2006/relationships" xmlns:p="http://schemas.openxmlformats.org/presentationml/2006/main">
+  <p:cSld>
+    <p:spTree>
+      <p:nvGrpSpPr>
+        <p:cNvPr id="1" name="">
+          <a:extLst>
+            <a:ext uri="{FF2B5EF4-FFF2-40B4-BE49-F238E27FC236}">
+              <a16:creationId xmlns:a16="http://schemas.microsoft.com/office/drawing/2014/main" id="{9C021088-9979-3297-05B4-024523158C40}"/>
+            </a:ext>
+          </a:extLst>
+        </p:cNvPr>
+        <p:cNvGrpSpPr/>
+        <p:nvPr/>
+      </p:nvGrpSpPr>
+      <p:grpSpPr>
+        <a:xfrm>
+          <a:off x="0" y="0"/>
+          <a:ext cx="0" cy="0"/>
+          <a:chOff x="0" y="0"/>
+          <a:chExt cx="0" cy="0"/>
+        </a:xfrm>
+      </p:grpSpPr>
+      <p:sp>
+        <p:nvSpPr>
+          <p:cNvPr id="10" name="Нижний колонтитул 9">
+            <a:extLst>
+              <a:ext uri="{FF2B5EF4-FFF2-40B4-BE49-F238E27FC236}">
+                <a16:creationId xmlns:a16="http://schemas.microsoft.com/office/drawing/2014/main" id="{227729D0-5232-6312-77D0-100FA508D3DE}"/>
+              </a:ext>
+            </a:extLst>
+          </p:cNvPr>
+          <p:cNvSpPr>
+            <a:spLocks noGrp="1"/>
+          </p:cNvSpPr>
+          <p:nvPr>
+            <p:ph type="ftr" sz="quarter" idx="11"/>
+          </p:nvPr>
+        </p:nvSpPr>
+        <p:spPr>
+          <a:xfrm>
+            <a:off x="251520" y="6093295"/>
+            <a:ext cx="8640000" cy="540000"/>
+          </a:xfrm>
+          <a:solidFill>
+            <a:srgbClr val="E6E6E6"/>
+          </a:solidFill>
+        </p:spPr>
+        <p:txBody>
+          <a:bodyPr/>
+          <a:lstStyle/>
+          <a:p>
+            <a:pPr algn="l"/>
+            <a:endParaRPr lang="ru-RU" sz="1400" b="1" dirty="0">
+              <a:solidFill>
+                <a:schemeClr val="tx1">
+                  <a:lumMod val="50000"/>
+                  <a:lumOff val="50000"/>
+                </a:schemeClr>
+              </a:solidFill>
+              <a:latin typeface="Arial" pitchFamily="34" charset="0"/>
+              <a:cs typeface="Arial" pitchFamily="34" charset="0"/>
+            </a:endParaRPr>
+          </a:p>
+        </p:txBody>
+      </p:sp>
+      <p:sp>
+        <p:nvSpPr>
+          <p:cNvPr id="6" name="Прямоугольник 5">
+            <a:extLst>
+              <a:ext uri="{FF2B5EF4-FFF2-40B4-BE49-F238E27FC236}">
+                <a16:creationId xmlns:a16="http://schemas.microsoft.com/office/drawing/2014/main" id="{BE31CD7A-93C1-C01A-2183-B6BAFD644C7D}"/>
+              </a:ext>
+            </a:extLst>
+          </p:cNvPr>
+          <p:cNvSpPr/>
+          <p:nvPr/>
+        </p:nvSpPr>
+        <p:spPr>
+          <a:xfrm>
+            <a:off x="251520" y="342900"/>
+            <a:ext cx="8640000" cy="720000"/>
+          </a:xfrm>
+          <a:prstGeom prst="rect">
+            <a:avLst/>
+          </a:prstGeom>
+          <a:solidFill>
+            <a:schemeClr val="bg1">
+              <a:lumMod val="85000"/>
+            </a:schemeClr>
+          </a:solidFill>
+          <a:ln>
+            <a:noFill/>
+          </a:ln>
+        </p:spPr>
+        <p:style>
+          <a:lnRef idx="2">
+            <a:schemeClr val="accent1">
+              <a:shade val="50000"/>
+            </a:schemeClr>
+          </a:lnRef>
+          <a:fillRef idx="1">
+            <a:schemeClr val="accent1"/>
+          </a:fillRef>
+          <a:effectRef idx="0">
+            <a:schemeClr val="accent1"/>
+          </a:effectRef>
+          <a:fontRef idx="minor">
+            <a:schemeClr val="lt1"/>
+          </a:fontRef>
+        </p:style>
+        <p:txBody>
+          <a:bodyPr rtlCol="0" anchor="ctr"/>
+          <a:lstStyle/>
+          <a:p>
+            <a:pPr algn="ctr"/>
+            <a:endParaRPr lang="ru-RU"/>
+          </a:p>
+        </p:txBody>
+      </p:sp>
+      <p:sp>
+        <p:nvSpPr>
+          <p:cNvPr id="2" name="Заголовок 1">
+            <a:extLst>
+              <a:ext uri="{FF2B5EF4-FFF2-40B4-BE49-F238E27FC236}">
+                <a16:creationId xmlns:a16="http://schemas.microsoft.com/office/drawing/2014/main" id="{33FC3FC9-C003-ACE0-0930-1195F5008B87}"/>
+              </a:ext>
+            </a:extLst>
+          </p:cNvPr>
+          <p:cNvSpPr>
+            <a:spLocks noGrp="1"/>
+          </p:cNvSpPr>
+          <p:nvPr>
+            <p:ph type="title"/>
+          </p:nvPr>
+        </p:nvSpPr>
+        <p:spPr>
+          <a:xfrm>
+            <a:off x="251519" y="355605"/>
+            <a:ext cx="8640001" cy="720725"/>
+          </a:xfrm>
+          <a:solidFill>
+            <a:srgbClr val="E6E6E6"/>
+          </a:solidFill>
+        </p:spPr>
+        <p:txBody>
+          <a:bodyPr>
+            <a:noAutofit/>
+          </a:bodyPr>
+          <a:lstStyle/>
+          <a:p>
+            <a:pPr algn="ctr"/>
+            <a:r>
+              <a:rPr lang="ru-RU" sz="1800" b="1" dirty="0">
+                <a:latin typeface="Elektra Text Pro"/>
+                <a:cs typeface="Arial" pitchFamily="34" charset="0"/>
+              </a:rPr>
+              <a:t>ИНТЕРФЕЙС ПРИЛОЖЕНИЯ</a:t>
+            </a:r>
+          </a:p>
+        </p:txBody>
+      </p:sp>
+      <p:sp>
+        <p:nvSpPr>
+          <p:cNvPr id="9" name="TextBox 8">
+            <a:extLst>
+              <a:ext uri="{FF2B5EF4-FFF2-40B4-BE49-F238E27FC236}">
+                <a16:creationId xmlns:a16="http://schemas.microsoft.com/office/drawing/2014/main" id="{534AD733-89AD-0FA3-9A38-9831BCC70B86}"/>
+              </a:ext>
+            </a:extLst>
+          </p:cNvPr>
+          <p:cNvSpPr txBox="1"/>
+          <p:nvPr/>
+        </p:nvSpPr>
+        <p:spPr>
+          <a:xfrm>
+            <a:off x="7956376" y="6165306"/>
+            <a:ext cx="916301" cy="369332"/>
+          </a:xfrm>
+          <a:prstGeom prst="rect">
+            <a:avLst/>
+          </a:prstGeom>
+          <a:noFill/>
+        </p:spPr>
+        <p:txBody>
+          <a:bodyPr wrap="square" rtlCol="0">
+            <a:spAutoFit/>
+          </a:bodyPr>
+          <a:lstStyle/>
+          <a:p>
+            <a:pPr algn="r"/>
+            <a:fld id="{249A5D52-88F9-4971-91E7-95B02B6DE201}" type="slidenum">
+              <a:rPr lang="ru-RU" smtClean="0"/>
+              <a:pPr algn="r"/>
+              <a:t>20</a:t>
+            </a:fld>
+            <a:r>
+              <a:rPr lang="ru-RU" dirty="0"/>
+              <a:t>/21</a:t>
+            </a:r>
+          </a:p>
+        </p:txBody>
+      </p:sp>
+      <p:sp>
+        <p:nvSpPr>
+          <p:cNvPr id="11" name="Заголовок 1">
+            <a:extLst>
+              <a:ext uri="{FF2B5EF4-FFF2-40B4-BE49-F238E27FC236}">
+                <a16:creationId xmlns:a16="http://schemas.microsoft.com/office/drawing/2014/main" id="{F8B64A0F-7C28-498F-AE82-B6C49B5DB168}"/>
+              </a:ext>
+            </a:extLst>
+          </p:cNvPr>
+          <p:cNvSpPr txBox="1">
+            <a:spLocks/>
+          </p:cNvSpPr>
+          <p:nvPr/>
+        </p:nvSpPr>
+        <p:spPr>
+          <a:xfrm>
+            <a:off x="251520" y="6112445"/>
+            <a:ext cx="7200800" cy="520850"/>
+          </a:xfrm>
+          <a:prstGeom prst="rect">
+            <a:avLst/>
+          </a:prstGeom>
+          <a:solidFill>
+            <a:srgbClr val="E6E6E6"/>
+          </a:solidFill>
+        </p:spPr>
+        <p:txBody>
+          <a:bodyPr vert="horz" lIns="91440" tIns="45720" rIns="91440" bIns="45720" rtlCol="0" anchor="ctr">
+            <a:noAutofit/>
+          </a:bodyPr>
+          <a:lstStyle>
+            <a:lvl1pPr algn="l" defTabSz="914400" rtl="0" eaLnBrk="1" latinLnBrk="0" hangingPunct="1">
+              <a:lnSpc>
+                <a:spcPct val="90000"/>
+              </a:lnSpc>
+              <a:spcBef>
+                <a:spcPct val="0"/>
+              </a:spcBef>
+              <a:buNone/>
+              <a:defRPr sz="4400" kern="1200">
+                <a:solidFill>
+                  <a:schemeClr val="tx1"/>
+                </a:solidFill>
+                <a:latin typeface="+mj-lt"/>
+                <a:ea typeface="+mj-ea"/>
+                <a:cs typeface="+mj-cs"/>
+              </a:defRPr>
+            </a:lvl1pPr>
+          </a:lstStyle>
+          <a:p>
+            <a:r>
+              <a:rPr lang="ru-RU" sz="1400" dirty="0">
+                <a:solidFill>
+                  <a:schemeClr val="tx1">
+                    <a:lumMod val="75000"/>
+                    <a:lumOff val="25000"/>
+                  </a:schemeClr>
+                </a:solidFill>
+                <a:latin typeface="Elektra Text Pro"/>
+                <a:cs typeface="Arial" pitchFamily="34" charset="0"/>
+              </a:rPr>
+              <a:t>Веб-приложение для обучения по системе </a:t>
+            </a:r>
+            <a:r>
+              <a:rPr lang="ru-RU" sz="1400" dirty="0" err="1">
+                <a:solidFill>
+                  <a:schemeClr val="tx1">
+                    <a:lumMod val="75000"/>
+                    <a:lumOff val="25000"/>
+                  </a:schemeClr>
+                </a:solidFill>
+                <a:latin typeface="Elektra Text Pro"/>
+                <a:cs typeface="Arial" pitchFamily="34" charset="0"/>
+              </a:rPr>
+              <a:t>Лейтнера</a:t>
+            </a:r>
+            <a:r>
+              <a:rPr lang="ru-RU" sz="1400" dirty="0">
+                <a:solidFill>
+                  <a:schemeClr val="tx1">
+                    <a:lumMod val="75000"/>
+                    <a:lumOff val="25000"/>
+                  </a:schemeClr>
+                </a:solidFill>
+                <a:latin typeface="Elektra Text Pro"/>
+                <a:cs typeface="Arial" pitchFamily="34" charset="0"/>
+              </a:rPr>
+              <a:t> с реализацией алгоритма </a:t>
+            </a:r>
+            <a:br>
+              <a:rPr lang="ru-RU" sz="1400" dirty="0">
+                <a:solidFill>
+                  <a:schemeClr val="tx1">
+                    <a:lumMod val="75000"/>
+                    <a:lumOff val="25000"/>
+                  </a:schemeClr>
+                </a:solidFill>
+                <a:latin typeface="Elektra Text Pro"/>
+                <a:cs typeface="Arial" pitchFamily="34" charset="0"/>
+              </a:rPr>
+            </a:br>
+            <a:r>
+              <a:rPr lang="ru-RU" sz="1400" dirty="0">
+                <a:solidFill>
+                  <a:schemeClr val="tx1">
+                    <a:lumMod val="75000"/>
+                    <a:lumOff val="25000"/>
+                  </a:schemeClr>
+                </a:solidFill>
+                <a:latin typeface="Elektra Text Pro"/>
+                <a:cs typeface="Arial" pitchFamily="34" charset="0"/>
+              </a:rPr>
+              <a:t>интервального повторения</a:t>
+            </a:r>
+          </a:p>
+        </p:txBody>
+      </p:sp>
+      <p:pic>
+        <p:nvPicPr>
+          <p:cNvPr id="3" name="Рисунок 2">
+            <a:extLst>
+              <a:ext uri="{FF2B5EF4-FFF2-40B4-BE49-F238E27FC236}">
+                <a16:creationId xmlns:a16="http://schemas.microsoft.com/office/drawing/2014/main" id="{AA2BE737-13CB-4F32-98EE-F8F2B9145422}"/>
+              </a:ext>
+            </a:extLst>
+          </p:cNvPr>
+          <p:cNvPicPr>
+            <a:picLocks noChangeAspect="1"/>
+          </p:cNvPicPr>
+          <p:nvPr/>
+        </p:nvPicPr>
+        <p:blipFill>
+          <a:blip r:embed="rId3"/>
+          <a:stretch>
+            <a:fillRect/>
+          </a:stretch>
+        </p:blipFill>
+        <p:spPr>
+          <a:xfrm>
+            <a:off x="163819" y="1379602"/>
+            <a:ext cx="8872677" cy="4497670"/>
+          </a:xfrm>
+          <a:prstGeom prst="rect">
+            <a:avLst/>
+          </a:prstGeom>
+        </p:spPr>
+      </p:pic>
+    </p:spTree>
+    <p:extLst>
+      <p:ext uri="{BB962C8B-B14F-4D97-AF65-F5344CB8AC3E}">
+        <p14:creationId xmlns:p14="http://schemas.microsoft.com/office/powerpoint/2010/main" val="1713537609"/>
+      </p:ext>
+    </p:extLst>
+  </p:cSld>
+  <p:clrMapOvr>
+    <a:masterClrMapping/>
+  </p:clrMapOvr>
+</p:sld>
+</file>
+
+<file path=ppt/slides/slide21.xml><?xml version="1.0" encoding="utf-8"?>
+<p:sld xmlns:a="http://schemas.openxmlformats.org/drawingml/2006/main" xmlns:r="http://schemas.openxmlformats.org/officeDocument/2006/relationships" xmlns:p="http://schemas.openxmlformats.org/presentationml/2006/main">
+  <p:cSld>
+    <p:spTree>
+      <p:nvGrpSpPr>
+        <p:cNvPr id="1" name="">
+          <a:extLst>
+            <a:ext uri="{FF2B5EF4-FFF2-40B4-BE49-F238E27FC236}">
+              <a16:creationId xmlns:a16="http://schemas.microsoft.com/office/drawing/2014/main" id="{9C021088-9979-3297-05B4-024523158C40}"/>
+            </a:ext>
+          </a:extLst>
+        </p:cNvPr>
+        <p:cNvGrpSpPr/>
+        <p:nvPr/>
+      </p:nvGrpSpPr>
+      <p:grpSpPr>
+        <a:xfrm>
+          <a:off x="0" y="0"/>
+          <a:ext cx="0" cy="0"/>
+          <a:chOff x="0" y="0"/>
+          <a:chExt cx="0" cy="0"/>
+        </a:xfrm>
+      </p:grpSpPr>
+      <p:sp>
+        <p:nvSpPr>
+          <p:cNvPr id="10" name="Нижний колонтитул 9">
+            <a:extLst>
+              <a:ext uri="{FF2B5EF4-FFF2-40B4-BE49-F238E27FC236}">
+                <a16:creationId xmlns:a16="http://schemas.microsoft.com/office/drawing/2014/main" id="{227729D0-5232-6312-77D0-100FA508D3DE}"/>
+              </a:ext>
+            </a:extLst>
+          </p:cNvPr>
+          <p:cNvSpPr>
+            <a:spLocks noGrp="1"/>
+          </p:cNvSpPr>
+          <p:nvPr>
+            <p:ph type="ftr" sz="quarter" idx="11"/>
+          </p:nvPr>
+        </p:nvSpPr>
+        <p:spPr>
+          <a:xfrm>
+            <a:off x="251520" y="6093295"/>
+            <a:ext cx="8640000" cy="540000"/>
+          </a:xfrm>
+          <a:solidFill>
+            <a:srgbClr val="E6E6E6"/>
+          </a:solidFill>
+        </p:spPr>
+        <p:txBody>
+          <a:bodyPr/>
+          <a:lstStyle/>
+          <a:p>
+            <a:pPr algn="l"/>
+            <a:endParaRPr lang="ru-RU" sz="1400" b="1" dirty="0">
+              <a:solidFill>
+                <a:schemeClr val="tx1">
+                  <a:lumMod val="50000"/>
+                  <a:lumOff val="50000"/>
+                </a:schemeClr>
+              </a:solidFill>
+              <a:latin typeface="Arial" pitchFamily="34" charset="0"/>
+              <a:cs typeface="Arial" pitchFamily="34" charset="0"/>
+            </a:endParaRPr>
+          </a:p>
+        </p:txBody>
+      </p:sp>
+      <p:sp>
+        <p:nvSpPr>
+          <p:cNvPr id="6" name="Прямоугольник 5">
+            <a:extLst>
+              <a:ext uri="{FF2B5EF4-FFF2-40B4-BE49-F238E27FC236}">
+                <a16:creationId xmlns:a16="http://schemas.microsoft.com/office/drawing/2014/main" id="{BE31CD7A-93C1-C01A-2183-B6BAFD644C7D}"/>
+              </a:ext>
+            </a:extLst>
+          </p:cNvPr>
+          <p:cNvSpPr/>
+          <p:nvPr/>
+        </p:nvSpPr>
+        <p:spPr>
+          <a:xfrm>
+            <a:off x="251520" y="342900"/>
+            <a:ext cx="8640000" cy="720000"/>
+          </a:xfrm>
+          <a:prstGeom prst="rect">
+            <a:avLst/>
+          </a:prstGeom>
+          <a:solidFill>
+            <a:schemeClr val="bg1">
+              <a:lumMod val="85000"/>
+            </a:schemeClr>
+          </a:solidFill>
+          <a:ln>
+            <a:noFill/>
+          </a:ln>
+        </p:spPr>
+        <p:style>
+          <a:lnRef idx="2">
+            <a:schemeClr val="accent1">
+              <a:shade val="50000"/>
+            </a:schemeClr>
+          </a:lnRef>
+          <a:fillRef idx="1">
+            <a:schemeClr val="accent1"/>
+          </a:fillRef>
+          <a:effectRef idx="0">
+            <a:schemeClr val="accent1"/>
+          </a:effectRef>
+          <a:fontRef idx="minor">
+            <a:schemeClr val="lt1"/>
+          </a:fontRef>
+        </p:style>
+        <p:txBody>
+          <a:bodyPr rtlCol="0" anchor="ctr"/>
+          <a:lstStyle/>
+          <a:p>
+            <a:pPr algn="ctr"/>
+            <a:endParaRPr lang="ru-RU"/>
+          </a:p>
+        </p:txBody>
+      </p:sp>
+      <p:sp>
+        <p:nvSpPr>
+          <p:cNvPr id="2" name="Заголовок 1">
+            <a:extLst>
+              <a:ext uri="{FF2B5EF4-FFF2-40B4-BE49-F238E27FC236}">
+                <a16:creationId xmlns:a16="http://schemas.microsoft.com/office/drawing/2014/main" id="{33FC3FC9-C003-ACE0-0930-1195F5008B87}"/>
+              </a:ext>
+            </a:extLst>
+          </p:cNvPr>
+          <p:cNvSpPr>
+            <a:spLocks noGrp="1"/>
+          </p:cNvSpPr>
+          <p:nvPr>
+            <p:ph type="title"/>
+          </p:nvPr>
+        </p:nvSpPr>
+        <p:spPr>
+          <a:xfrm>
+            <a:off x="251519" y="355605"/>
+            <a:ext cx="8640001" cy="720725"/>
+          </a:xfrm>
+          <a:solidFill>
+            <a:srgbClr val="E6E6E6"/>
+          </a:solidFill>
+        </p:spPr>
+        <p:txBody>
+          <a:bodyPr>
+            <a:noAutofit/>
+          </a:bodyPr>
+          <a:lstStyle/>
+          <a:p>
+            <a:pPr algn="ctr"/>
+            <a:r>
+              <a:rPr lang="ru-RU" sz="1800" b="1" dirty="0">
+                <a:latin typeface="Elektra Text Pro"/>
+                <a:cs typeface="Arial" pitchFamily="34" charset="0"/>
+              </a:rPr>
+              <a:t>ИНТЕРФЕЙС ПРИЛОЖЕНИЯ</a:t>
+            </a:r>
+          </a:p>
+        </p:txBody>
+      </p:sp>
+      <p:sp>
+        <p:nvSpPr>
+          <p:cNvPr id="9" name="TextBox 8">
+            <a:extLst>
+              <a:ext uri="{FF2B5EF4-FFF2-40B4-BE49-F238E27FC236}">
+                <a16:creationId xmlns:a16="http://schemas.microsoft.com/office/drawing/2014/main" id="{534AD733-89AD-0FA3-9A38-9831BCC70B86}"/>
+              </a:ext>
+            </a:extLst>
+          </p:cNvPr>
+          <p:cNvSpPr txBox="1"/>
+          <p:nvPr/>
+        </p:nvSpPr>
+        <p:spPr>
+          <a:xfrm>
+            <a:off x="7956376" y="6165306"/>
+            <a:ext cx="916301" cy="369332"/>
+          </a:xfrm>
+          <a:prstGeom prst="rect">
+            <a:avLst/>
+          </a:prstGeom>
+          <a:noFill/>
+        </p:spPr>
+        <p:txBody>
+          <a:bodyPr wrap="square" rtlCol="0">
+            <a:spAutoFit/>
+          </a:bodyPr>
+          <a:lstStyle/>
+          <a:p>
+            <a:pPr algn="r"/>
+            <a:fld id="{249A5D52-88F9-4971-91E7-95B02B6DE201}" type="slidenum">
+              <a:rPr lang="ru-RU" smtClean="0"/>
+              <a:pPr algn="r"/>
+              <a:t>21</a:t>
+            </a:fld>
+            <a:r>
+              <a:rPr lang="ru-RU" dirty="0"/>
+              <a:t>/21</a:t>
+            </a:r>
+          </a:p>
+        </p:txBody>
+      </p:sp>
+      <p:sp>
+        <p:nvSpPr>
+          <p:cNvPr id="11" name="Заголовок 1">
+            <a:extLst>
+              <a:ext uri="{FF2B5EF4-FFF2-40B4-BE49-F238E27FC236}">
+                <a16:creationId xmlns:a16="http://schemas.microsoft.com/office/drawing/2014/main" id="{F8B64A0F-7C28-498F-AE82-B6C49B5DB168}"/>
+              </a:ext>
+            </a:extLst>
+          </p:cNvPr>
+          <p:cNvSpPr txBox="1">
+            <a:spLocks/>
+          </p:cNvSpPr>
+          <p:nvPr/>
+        </p:nvSpPr>
+        <p:spPr>
+          <a:xfrm>
+            <a:off x="251520" y="6112445"/>
+            <a:ext cx="7200800" cy="520850"/>
+          </a:xfrm>
+          <a:prstGeom prst="rect">
+            <a:avLst/>
+          </a:prstGeom>
+          <a:solidFill>
+            <a:srgbClr val="E6E6E6"/>
+          </a:solidFill>
+        </p:spPr>
+        <p:txBody>
+          <a:bodyPr vert="horz" lIns="91440" tIns="45720" rIns="91440" bIns="45720" rtlCol="0" anchor="ctr">
+            <a:noAutofit/>
+          </a:bodyPr>
+          <a:lstStyle>
+            <a:lvl1pPr algn="l" defTabSz="914400" rtl="0" eaLnBrk="1" latinLnBrk="0" hangingPunct="1">
+              <a:lnSpc>
+                <a:spcPct val="90000"/>
+              </a:lnSpc>
+              <a:spcBef>
+                <a:spcPct val="0"/>
+              </a:spcBef>
+              <a:buNone/>
+              <a:defRPr sz="4400" kern="1200">
+                <a:solidFill>
+                  <a:schemeClr val="tx1"/>
+                </a:solidFill>
+                <a:latin typeface="+mj-lt"/>
+                <a:ea typeface="+mj-ea"/>
+                <a:cs typeface="+mj-cs"/>
+              </a:defRPr>
+            </a:lvl1pPr>
+          </a:lstStyle>
+          <a:p>
+            <a:r>
+              <a:rPr lang="ru-RU" sz="1400" dirty="0">
+                <a:solidFill>
+                  <a:schemeClr val="tx1">
+                    <a:lumMod val="75000"/>
+                    <a:lumOff val="25000"/>
+                  </a:schemeClr>
+                </a:solidFill>
+                <a:latin typeface="Elektra Text Pro"/>
+                <a:cs typeface="Arial" pitchFamily="34" charset="0"/>
+              </a:rPr>
+              <a:t>Веб-приложение для обучения по системе </a:t>
+            </a:r>
+            <a:r>
+              <a:rPr lang="ru-RU" sz="1400" dirty="0" err="1">
+                <a:solidFill>
+                  <a:schemeClr val="tx1">
+                    <a:lumMod val="75000"/>
+                    <a:lumOff val="25000"/>
+                  </a:schemeClr>
+                </a:solidFill>
+                <a:latin typeface="Elektra Text Pro"/>
+                <a:cs typeface="Arial" pitchFamily="34" charset="0"/>
+              </a:rPr>
+              <a:t>Лейтнера</a:t>
+            </a:r>
+            <a:r>
+              <a:rPr lang="ru-RU" sz="1400" dirty="0">
+                <a:solidFill>
+                  <a:schemeClr val="tx1">
+                    <a:lumMod val="75000"/>
+                    <a:lumOff val="25000"/>
+                  </a:schemeClr>
+                </a:solidFill>
+                <a:latin typeface="Elektra Text Pro"/>
+                <a:cs typeface="Arial" pitchFamily="34" charset="0"/>
+              </a:rPr>
+              <a:t> с реализацией алгоритма </a:t>
+            </a:r>
+            <a:br>
+              <a:rPr lang="ru-RU" sz="1400" dirty="0">
+                <a:solidFill>
+                  <a:schemeClr val="tx1">
+                    <a:lumMod val="75000"/>
+                    <a:lumOff val="25000"/>
+                  </a:schemeClr>
+                </a:solidFill>
+                <a:latin typeface="Elektra Text Pro"/>
+                <a:cs typeface="Arial" pitchFamily="34" charset="0"/>
+              </a:rPr>
+            </a:br>
+            <a:r>
+              <a:rPr lang="ru-RU" sz="1400" dirty="0">
+                <a:solidFill>
+                  <a:schemeClr val="tx1">
+                    <a:lumMod val="75000"/>
+                    <a:lumOff val="25000"/>
+                  </a:schemeClr>
+                </a:solidFill>
+                <a:latin typeface="Elektra Text Pro"/>
+                <a:cs typeface="Arial" pitchFamily="34" charset="0"/>
+              </a:rPr>
+              <a:t>интервального повторения</a:t>
+            </a:r>
+          </a:p>
+        </p:txBody>
+      </p:sp>
+      <p:pic>
+        <p:nvPicPr>
+          <p:cNvPr id="4" name="Рисунок 3">
+            <a:extLst>
+              <a:ext uri="{FF2B5EF4-FFF2-40B4-BE49-F238E27FC236}">
+                <a16:creationId xmlns:a16="http://schemas.microsoft.com/office/drawing/2014/main" id="{A8A04BD9-0599-4A3F-81FF-28258DD5F524}"/>
+              </a:ext>
+            </a:extLst>
+          </p:cNvPr>
+          <p:cNvPicPr>
+            <a:picLocks noChangeAspect="1"/>
+          </p:cNvPicPr>
+          <p:nvPr/>
+        </p:nvPicPr>
+        <p:blipFill>
+          <a:blip r:embed="rId3"/>
+          <a:stretch>
+            <a:fillRect/>
+          </a:stretch>
+        </p:blipFill>
+        <p:spPr>
+          <a:xfrm>
+            <a:off x="492152" y="1114435"/>
+            <a:ext cx="8158733" cy="4913894"/>
+          </a:xfrm>
+          <a:prstGeom prst="rect">
+            <a:avLst/>
+          </a:prstGeom>
+        </p:spPr>
+      </p:pic>
+    </p:spTree>
+    <p:extLst>
+      <p:ext uri="{BB962C8B-B14F-4D97-AF65-F5344CB8AC3E}">
+        <p14:creationId xmlns:p14="http://schemas.microsoft.com/office/powerpoint/2010/main" val="1498631396"/>
+      </p:ext>
+    </p:extLst>
+  </p:cSld>
+  <p:clrMapOvr>
+    <a:masterClrMapping/>
+  </p:clrMapOvr>
+</p:sld>
+</file>
+
+<file path=ppt/slides/slide22.xml><?xml version="1.0" encoding="utf-8"?>
+<p:sld xmlns:a="http://schemas.openxmlformats.org/drawingml/2006/main" xmlns:r="http://schemas.openxmlformats.org/officeDocument/2006/relationships" xmlns:p="http://schemas.openxmlformats.org/presentationml/2006/main">
+  <p:cSld>
+    <p:spTree>
+      <p:nvGrpSpPr>
+        <p:cNvPr id="1" name="">
+          <a:extLst>
+            <a:ext uri="{FF2B5EF4-FFF2-40B4-BE49-F238E27FC236}">
+              <a16:creationId xmlns:a16="http://schemas.microsoft.com/office/drawing/2014/main" id="{9C021088-9979-3297-05B4-024523158C40}"/>
+            </a:ext>
+          </a:extLst>
+        </p:cNvPr>
+        <p:cNvGrpSpPr/>
+        <p:nvPr/>
+      </p:nvGrpSpPr>
+      <p:grpSpPr>
+        <a:xfrm>
+          <a:off x="0" y="0"/>
+          <a:ext cx="0" cy="0"/>
+          <a:chOff x="0" y="0"/>
+          <a:chExt cx="0" cy="0"/>
+        </a:xfrm>
+      </p:grpSpPr>
+      <p:sp>
+        <p:nvSpPr>
+          <p:cNvPr id="10" name="Нижний колонтитул 9">
+            <a:extLst>
+              <a:ext uri="{FF2B5EF4-FFF2-40B4-BE49-F238E27FC236}">
+                <a16:creationId xmlns:a16="http://schemas.microsoft.com/office/drawing/2014/main" id="{227729D0-5232-6312-77D0-100FA508D3DE}"/>
+              </a:ext>
+            </a:extLst>
+          </p:cNvPr>
+          <p:cNvSpPr>
+            <a:spLocks noGrp="1"/>
+          </p:cNvSpPr>
+          <p:nvPr>
+            <p:ph type="ftr" sz="quarter" idx="11"/>
+          </p:nvPr>
+        </p:nvSpPr>
+        <p:spPr>
+          <a:xfrm>
+            <a:off x="251520" y="6093295"/>
+            <a:ext cx="8640000" cy="540000"/>
+          </a:xfrm>
+          <a:solidFill>
+            <a:srgbClr val="E6E6E6"/>
+          </a:solidFill>
+        </p:spPr>
+        <p:txBody>
+          <a:bodyPr/>
+          <a:lstStyle/>
+          <a:p>
+            <a:pPr algn="l"/>
+            <a:endParaRPr lang="ru-RU" sz="1400" b="1" dirty="0">
+              <a:solidFill>
+                <a:schemeClr val="tx1">
+                  <a:lumMod val="50000"/>
+                  <a:lumOff val="50000"/>
+                </a:schemeClr>
+              </a:solidFill>
+              <a:latin typeface="Arial" pitchFamily="34" charset="0"/>
+              <a:cs typeface="Arial" pitchFamily="34" charset="0"/>
+            </a:endParaRPr>
+          </a:p>
+        </p:txBody>
+      </p:sp>
+      <p:sp>
+        <p:nvSpPr>
+          <p:cNvPr id="6" name="Прямоугольник 5">
+            <a:extLst>
+              <a:ext uri="{FF2B5EF4-FFF2-40B4-BE49-F238E27FC236}">
+                <a16:creationId xmlns:a16="http://schemas.microsoft.com/office/drawing/2014/main" id="{BE31CD7A-93C1-C01A-2183-B6BAFD644C7D}"/>
+              </a:ext>
+            </a:extLst>
+          </p:cNvPr>
+          <p:cNvSpPr/>
+          <p:nvPr/>
+        </p:nvSpPr>
+        <p:spPr>
+          <a:xfrm>
+            <a:off x="251520" y="342900"/>
+            <a:ext cx="8640000" cy="720000"/>
+          </a:xfrm>
+          <a:prstGeom prst="rect">
+            <a:avLst/>
+          </a:prstGeom>
+          <a:solidFill>
+            <a:schemeClr val="bg1">
+              <a:lumMod val="85000"/>
+            </a:schemeClr>
+          </a:solidFill>
+          <a:ln>
+            <a:noFill/>
+          </a:ln>
+        </p:spPr>
+        <p:style>
+          <a:lnRef idx="2">
+            <a:schemeClr val="accent1">
+              <a:shade val="50000"/>
+            </a:schemeClr>
+          </a:lnRef>
+          <a:fillRef idx="1">
+            <a:schemeClr val="accent1"/>
+          </a:fillRef>
+          <a:effectRef idx="0">
+            <a:schemeClr val="accent1"/>
+          </a:effectRef>
+          <a:fontRef idx="minor">
+            <a:schemeClr val="lt1"/>
+          </a:fontRef>
+        </p:style>
+        <p:txBody>
+          <a:bodyPr rtlCol="0" anchor="ctr"/>
+          <a:lstStyle/>
+          <a:p>
+            <a:pPr algn="ctr"/>
+            <a:endParaRPr lang="ru-RU"/>
+          </a:p>
+        </p:txBody>
+      </p:sp>
+      <p:sp>
+        <p:nvSpPr>
+          <p:cNvPr id="2" name="Заголовок 1">
+            <a:extLst>
+              <a:ext uri="{FF2B5EF4-FFF2-40B4-BE49-F238E27FC236}">
+                <a16:creationId xmlns:a16="http://schemas.microsoft.com/office/drawing/2014/main" id="{33FC3FC9-C003-ACE0-0930-1195F5008B87}"/>
+              </a:ext>
+            </a:extLst>
+          </p:cNvPr>
+          <p:cNvSpPr>
+            <a:spLocks noGrp="1"/>
+          </p:cNvSpPr>
+          <p:nvPr>
+            <p:ph type="title"/>
+          </p:nvPr>
+        </p:nvSpPr>
+        <p:spPr>
+          <a:xfrm>
+            <a:off x="251519" y="355605"/>
+            <a:ext cx="8640001" cy="720725"/>
+          </a:xfrm>
+          <a:solidFill>
+            <a:srgbClr val="E6E6E6"/>
+          </a:solidFill>
+        </p:spPr>
+        <p:txBody>
+          <a:bodyPr>
+            <a:noAutofit/>
+          </a:bodyPr>
+          <a:lstStyle/>
+          <a:p>
+            <a:pPr algn="ctr"/>
+            <a:r>
+              <a:rPr lang="ru-RU" sz="1800" b="1" dirty="0">
+                <a:latin typeface="Elektra Text Pro"/>
+                <a:cs typeface="Arial" pitchFamily="34" charset="0"/>
+              </a:rPr>
+              <a:t>ИНТЕРФЕЙС ПРИЛОЖЕНИЯ</a:t>
+            </a:r>
+          </a:p>
+        </p:txBody>
+      </p:sp>
+      <p:sp>
+        <p:nvSpPr>
+          <p:cNvPr id="9" name="TextBox 8">
+            <a:extLst>
+              <a:ext uri="{FF2B5EF4-FFF2-40B4-BE49-F238E27FC236}">
+                <a16:creationId xmlns:a16="http://schemas.microsoft.com/office/drawing/2014/main" id="{534AD733-89AD-0FA3-9A38-9831BCC70B86}"/>
+              </a:ext>
+            </a:extLst>
+          </p:cNvPr>
+          <p:cNvSpPr txBox="1"/>
+          <p:nvPr/>
+        </p:nvSpPr>
+        <p:spPr>
+          <a:xfrm>
+            <a:off x="7956376" y="6165306"/>
+            <a:ext cx="916301" cy="369332"/>
+          </a:xfrm>
+          <a:prstGeom prst="rect">
+            <a:avLst/>
+          </a:prstGeom>
+          <a:noFill/>
+        </p:spPr>
+        <p:txBody>
+          <a:bodyPr wrap="square" rtlCol="0">
+            <a:spAutoFit/>
+          </a:bodyPr>
+          <a:lstStyle/>
+          <a:p>
+            <a:pPr algn="r"/>
+            <a:fld id="{249A5D52-88F9-4971-91E7-95B02B6DE201}" type="slidenum">
+              <a:rPr lang="ru-RU" smtClean="0"/>
+              <a:pPr algn="r"/>
+              <a:t>22</a:t>
+            </a:fld>
+            <a:r>
+              <a:rPr lang="ru-RU" dirty="0"/>
+              <a:t>/</a:t>
+            </a:r>
+            <a:r>
+              <a:rPr lang="en-US" dirty="0"/>
+              <a:t>21</a:t>
+            </a:r>
+            <a:endParaRPr lang="ru-RU" dirty="0"/>
+          </a:p>
+        </p:txBody>
+      </p:sp>
+      <p:sp>
+        <p:nvSpPr>
+          <p:cNvPr id="11" name="Заголовок 1">
+            <a:extLst>
+              <a:ext uri="{FF2B5EF4-FFF2-40B4-BE49-F238E27FC236}">
+                <a16:creationId xmlns:a16="http://schemas.microsoft.com/office/drawing/2014/main" id="{F8B64A0F-7C28-498F-AE82-B6C49B5DB168}"/>
+              </a:ext>
+            </a:extLst>
+          </p:cNvPr>
+          <p:cNvSpPr txBox="1">
+            <a:spLocks/>
+          </p:cNvSpPr>
+          <p:nvPr/>
+        </p:nvSpPr>
+        <p:spPr>
+          <a:xfrm>
+            <a:off x="251520" y="6112445"/>
+            <a:ext cx="7200800" cy="520850"/>
+          </a:xfrm>
+          <a:prstGeom prst="rect">
+            <a:avLst/>
+          </a:prstGeom>
+          <a:solidFill>
+            <a:srgbClr val="E6E6E6"/>
+          </a:solidFill>
+        </p:spPr>
+        <p:txBody>
+          <a:bodyPr vert="horz" lIns="91440" tIns="45720" rIns="91440" bIns="45720" rtlCol="0" anchor="ctr">
+            <a:noAutofit/>
+          </a:bodyPr>
+          <a:lstStyle>
+            <a:lvl1pPr algn="l" defTabSz="914400" rtl="0" eaLnBrk="1" latinLnBrk="0" hangingPunct="1">
+              <a:lnSpc>
+                <a:spcPct val="90000"/>
+              </a:lnSpc>
+              <a:spcBef>
+                <a:spcPct val="0"/>
+              </a:spcBef>
+              <a:buNone/>
+              <a:defRPr sz="4400" kern="1200">
+                <a:solidFill>
+                  <a:schemeClr val="tx1"/>
+                </a:solidFill>
+                <a:latin typeface="+mj-lt"/>
+                <a:ea typeface="+mj-ea"/>
+                <a:cs typeface="+mj-cs"/>
+              </a:defRPr>
+            </a:lvl1pPr>
+          </a:lstStyle>
+          <a:p>
+            <a:r>
+              <a:rPr lang="ru-RU" sz="1400" dirty="0">
+                <a:solidFill>
+                  <a:schemeClr val="tx1">
+                    <a:lumMod val="75000"/>
+                    <a:lumOff val="25000"/>
+                  </a:schemeClr>
+                </a:solidFill>
+                <a:latin typeface="Elektra Text Pro"/>
+                <a:cs typeface="Arial" pitchFamily="34" charset="0"/>
+              </a:rPr>
+              <a:t>Веб-приложение для обучения по системе </a:t>
+            </a:r>
+            <a:r>
+              <a:rPr lang="ru-RU" sz="1400" dirty="0" err="1">
+                <a:solidFill>
+                  <a:schemeClr val="tx1">
+                    <a:lumMod val="75000"/>
+                    <a:lumOff val="25000"/>
+                  </a:schemeClr>
+                </a:solidFill>
+                <a:latin typeface="Elektra Text Pro"/>
+                <a:cs typeface="Arial" pitchFamily="34" charset="0"/>
+              </a:rPr>
+              <a:t>Лейтнера</a:t>
+            </a:r>
+            <a:r>
+              <a:rPr lang="ru-RU" sz="1400" dirty="0">
+                <a:solidFill>
+                  <a:schemeClr val="tx1">
+                    <a:lumMod val="75000"/>
+                    <a:lumOff val="25000"/>
+                  </a:schemeClr>
+                </a:solidFill>
+                <a:latin typeface="Elektra Text Pro"/>
+                <a:cs typeface="Arial" pitchFamily="34" charset="0"/>
+              </a:rPr>
+              <a:t> с реализацией алгоритма </a:t>
+            </a:r>
+            <a:br>
+              <a:rPr lang="ru-RU" sz="1400" dirty="0">
+                <a:solidFill>
+                  <a:schemeClr val="tx1">
+                    <a:lumMod val="75000"/>
+                    <a:lumOff val="25000"/>
+                  </a:schemeClr>
+                </a:solidFill>
+                <a:latin typeface="Elektra Text Pro"/>
+                <a:cs typeface="Arial" pitchFamily="34" charset="0"/>
+              </a:rPr>
+            </a:br>
+            <a:r>
+              <a:rPr lang="ru-RU" sz="1400" dirty="0">
+                <a:solidFill>
+                  <a:schemeClr val="tx1">
+                    <a:lumMod val="75000"/>
+                    <a:lumOff val="25000"/>
+                  </a:schemeClr>
+                </a:solidFill>
+                <a:latin typeface="Elektra Text Pro"/>
+                <a:cs typeface="Arial" pitchFamily="34" charset="0"/>
+              </a:rPr>
+              <a:t>интервального повторения</a:t>
+            </a:r>
+          </a:p>
+        </p:txBody>
+      </p:sp>
+      <p:pic>
+        <p:nvPicPr>
+          <p:cNvPr id="3" name="Рисунок 2">
+            <a:extLst>
+              <a:ext uri="{FF2B5EF4-FFF2-40B4-BE49-F238E27FC236}">
+                <a16:creationId xmlns:a16="http://schemas.microsoft.com/office/drawing/2014/main" id="{BF1B5D4A-9D00-4401-B6A2-B532F35F7F30}"/>
+              </a:ext>
+            </a:extLst>
+          </p:cNvPr>
+          <p:cNvPicPr>
+            <a:picLocks noChangeAspect="1"/>
+          </p:cNvPicPr>
+          <p:nvPr/>
+        </p:nvPicPr>
+        <p:blipFill>
+          <a:blip r:embed="rId3"/>
+          <a:stretch>
+            <a:fillRect/>
+          </a:stretch>
+        </p:blipFill>
+        <p:spPr>
+          <a:xfrm>
+            <a:off x="642223" y="1268760"/>
+            <a:ext cx="7858592" cy="4476649"/>
+          </a:xfrm>
+          <a:prstGeom prst="rect">
+            <a:avLst/>
+          </a:prstGeom>
+        </p:spPr>
+      </p:pic>
+    </p:spTree>
+    <p:extLst>
+      <p:ext uri="{BB962C8B-B14F-4D97-AF65-F5344CB8AC3E}">
+        <p14:creationId xmlns:p14="http://schemas.microsoft.com/office/powerpoint/2010/main" val="3589227410"/>
+      </p:ext>
+    </p:extLst>
+  </p:cSld>
+  <p:clrMapOvr>
+    <a:masterClrMapping/>
+  </p:clrMapOvr>
+</p:sld>
+</file>
+
+<file path=ppt/slides/slide23.xml><?xml version="1.0" encoding="utf-8"?>
+<p:sld xmlns:a="http://schemas.openxmlformats.org/drawingml/2006/main" xmlns:r="http://schemas.openxmlformats.org/officeDocument/2006/relationships" xmlns:p="http://schemas.openxmlformats.org/presentationml/2006/main">
+  <p:cSld>
+    <p:spTree>
+      <p:nvGrpSpPr>
+        <p:cNvPr id="1" name=""/>
+        <p:cNvGrpSpPr/>
+        <p:nvPr/>
+      </p:nvGrpSpPr>
+      <p:grpSpPr>
+        <a:xfrm>
+          <a:off x="0" y="0"/>
+          <a:ext cx="0" cy="0"/>
+          <a:chOff x="0" y="0"/>
+          <a:chExt cx="0" cy="0"/>
+        </a:xfrm>
+      </p:grpSpPr>
+      <p:sp>
+        <p:nvSpPr>
+          <p:cNvPr id="10" name="Нижний колонтитул 9"/>
+          <p:cNvSpPr>
+            <a:spLocks noGrp="1"/>
+          </p:cNvSpPr>
+          <p:nvPr>
+            <p:ph type="ftr" sz="quarter" idx="11"/>
+          </p:nvPr>
+        </p:nvSpPr>
+        <p:spPr>
+          <a:xfrm>
+            <a:off x="251520" y="6093295"/>
+            <a:ext cx="8640000" cy="540000"/>
+          </a:xfrm>
+          <a:solidFill>
+            <a:srgbClr val="E6E6E6"/>
+          </a:solidFill>
+        </p:spPr>
+        <p:txBody>
+          <a:bodyPr/>
+          <a:lstStyle/>
+          <a:p>
+            <a:pPr algn="l"/>
+            <a:r>
+              <a:rPr lang="ru-RU" sz="1400" dirty="0">
+                <a:solidFill>
+                  <a:schemeClr val="tx1">
+                    <a:lumMod val="75000"/>
+                    <a:lumOff val="25000"/>
+                  </a:schemeClr>
+                </a:solidFill>
+                <a:latin typeface="Elektra Text Pro"/>
+                <a:cs typeface="Arial" pitchFamily="34" charset="0"/>
+              </a:rPr>
+              <a:t>Веб-приложение для обучения по системе </a:t>
+            </a:r>
+            <a:r>
+              <a:rPr lang="ru-RU" sz="1400" dirty="0" err="1">
+                <a:solidFill>
+                  <a:schemeClr val="tx1">
+                    <a:lumMod val="75000"/>
+                    <a:lumOff val="25000"/>
+                  </a:schemeClr>
+                </a:solidFill>
+                <a:latin typeface="Elektra Text Pro"/>
+                <a:cs typeface="Arial" pitchFamily="34" charset="0"/>
+              </a:rPr>
+              <a:t>Лейтнера</a:t>
+            </a:r>
+            <a:r>
+              <a:rPr lang="ru-RU" sz="1400" dirty="0">
+                <a:solidFill>
+                  <a:schemeClr val="tx1">
+                    <a:lumMod val="75000"/>
+                    <a:lumOff val="25000"/>
+                  </a:schemeClr>
+                </a:solidFill>
+                <a:latin typeface="Elektra Text Pro"/>
+                <a:cs typeface="Arial" pitchFamily="34" charset="0"/>
+              </a:rPr>
+              <a:t> с реализацией алгоритма </a:t>
+            </a:r>
+            <a:br>
+              <a:rPr lang="ru-RU" sz="1400" dirty="0">
+                <a:solidFill>
+                  <a:schemeClr val="tx1">
+                    <a:lumMod val="75000"/>
+                    <a:lumOff val="25000"/>
+                  </a:schemeClr>
+                </a:solidFill>
+                <a:latin typeface="Elektra Text Pro"/>
+                <a:cs typeface="Arial" pitchFamily="34" charset="0"/>
+              </a:rPr>
+            </a:br>
+            <a:r>
+              <a:rPr lang="ru-RU" sz="1400" dirty="0">
+                <a:solidFill>
+                  <a:schemeClr val="tx1">
+                    <a:lumMod val="75000"/>
+                    <a:lumOff val="25000"/>
+                  </a:schemeClr>
+                </a:solidFill>
+                <a:latin typeface="Elektra Text Pro"/>
+                <a:cs typeface="Arial" pitchFamily="34" charset="0"/>
+              </a:rPr>
+              <a:t>интервального повторения</a:t>
+            </a:r>
+          </a:p>
+        </p:txBody>
+      </p:sp>
+      <p:sp>
+        <p:nvSpPr>
+          <p:cNvPr id="6" name="Прямоугольник 5"/>
+          <p:cNvSpPr/>
+          <p:nvPr/>
+        </p:nvSpPr>
+        <p:spPr>
+          <a:xfrm>
+            <a:off x="251520" y="342900"/>
+            <a:ext cx="8640000" cy="720000"/>
+          </a:xfrm>
+          <a:prstGeom prst="rect">
+            <a:avLst/>
+          </a:prstGeom>
+          <a:solidFill>
+            <a:srgbClr val="E6E6E6"/>
+          </a:solidFill>
+          <a:ln>
+            <a:noFill/>
+          </a:ln>
+        </p:spPr>
+        <p:style>
+          <a:lnRef idx="2">
+            <a:schemeClr val="accent1">
+              <a:shade val="50000"/>
+            </a:schemeClr>
+          </a:lnRef>
+          <a:fillRef idx="1">
+            <a:schemeClr val="accent1"/>
+          </a:fillRef>
+          <a:effectRef idx="0">
+            <a:schemeClr val="accent1"/>
+          </a:effectRef>
+          <a:fontRef idx="minor">
+            <a:schemeClr val="lt1"/>
+          </a:fontRef>
+        </p:style>
+        <p:txBody>
+          <a:bodyPr rtlCol="0" anchor="ctr"/>
+          <a:lstStyle/>
+          <a:p>
+            <a:pPr algn="ctr"/>
+            <a:endParaRPr lang="ru-RU"/>
+          </a:p>
+        </p:txBody>
+      </p:sp>
+      <p:sp>
+        <p:nvSpPr>
+          <p:cNvPr id="2" name="Заголовок 1"/>
+          <p:cNvSpPr>
+            <a:spLocks noGrp="1"/>
+          </p:cNvSpPr>
+          <p:nvPr>
+            <p:ph type="title"/>
+          </p:nvPr>
+        </p:nvSpPr>
+        <p:spPr>
+          <a:xfrm>
+            <a:off x="251520" y="355605"/>
+            <a:ext cx="8640000" cy="720725"/>
+          </a:xfrm>
+          <a:solidFill>
+            <a:srgbClr val="E6E6E6"/>
+          </a:solidFill>
+        </p:spPr>
+        <p:txBody>
+          <a:bodyPr>
+            <a:noAutofit/>
+          </a:bodyPr>
+          <a:lstStyle/>
+          <a:p>
+            <a:pPr algn="ctr"/>
+            <a:r>
+              <a:rPr lang="ru-RU" sz="1800" b="1" cap="all" dirty="0">
+                <a:latin typeface="Arial" pitchFamily="34" charset="0"/>
+                <a:cs typeface="Arial" pitchFamily="34" charset="0"/>
+              </a:rPr>
+              <a:t>ВЫВОДЫ</a:t>
+            </a:r>
+            <a:endParaRPr lang="ru-RU" sz="1800" b="1" cap="all" dirty="0">
+              <a:highlight>
+                <a:srgbClr val="FFFF00"/>
+              </a:highlight>
+              <a:latin typeface="Arial" pitchFamily="34" charset="0"/>
+              <a:cs typeface="Arial" pitchFamily="34" charset="0"/>
+            </a:endParaRPr>
+          </a:p>
+        </p:txBody>
+      </p:sp>
+      <p:sp>
+        <p:nvSpPr>
+          <p:cNvPr id="3" name="Объект 2"/>
+          <p:cNvSpPr>
+            <a:spLocks noGrp="1"/>
+          </p:cNvSpPr>
+          <p:nvPr>
+            <p:ph idx="1"/>
+          </p:nvPr>
+        </p:nvSpPr>
+        <p:spPr>
+          <a:xfrm>
+            <a:off x="274504" y="1134911"/>
+            <a:ext cx="8640000" cy="4610099"/>
+          </a:xfrm>
+        </p:spPr>
+        <p:txBody>
+          <a:bodyPr>
+            <a:normAutofit/>
+          </a:bodyPr>
+          <a:lstStyle/>
+          <a:p>
+            <a:pPr marL="0" indent="0">
+              <a:lnSpc>
+                <a:spcPct val="100000"/>
+              </a:lnSpc>
+              <a:buNone/>
+            </a:pPr>
+            <a:r>
+              <a:rPr lang="ru-RU" sz="1800" spc="-1" dirty="0">
+                <a:solidFill>
+                  <a:srgbClr val="000000"/>
+                </a:solidFill>
+                <a:latin typeface="Elektra Text Pro"/>
+                <a:ea typeface="DejaVu Sans"/>
+                <a:cs typeface="Arial" panose="020B0604020202020204" pitchFamily="34" charset="0"/>
+              </a:rPr>
+              <a:t>Веб-приложение для обучения по системе </a:t>
+            </a:r>
+            <a:r>
+              <a:rPr lang="ru-RU" sz="1800" spc="-1" dirty="0" err="1">
+                <a:solidFill>
+                  <a:srgbClr val="000000"/>
+                </a:solidFill>
+                <a:latin typeface="Elektra Text Pro"/>
+                <a:ea typeface="DejaVu Sans"/>
+                <a:cs typeface="Arial" panose="020B0604020202020204" pitchFamily="34" charset="0"/>
+              </a:rPr>
+              <a:t>Лейтнера</a:t>
+            </a:r>
+            <a:r>
+              <a:rPr lang="ru-RU" sz="1800" spc="-1" dirty="0">
+                <a:solidFill>
+                  <a:srgbClr val="000000"/>
+                </a:solidFill>
+                <a:latin typeface="Elektra Text Pro"/>
+                <a:ea typeface="DejaVu Sans"/>
+                <a:cs typeface="Arial" panose="020B0604020202020204" pitchFamily="34" charset="0"/>
+              </a:rPr>
+              <a:t> с реализацией алгоритма </a:t>
+            </a:r>
+            <a:br>
+              <a:rPr lang="ru-RU" sz="1800" spc="-1" dirty="0">
+                <a:solidFill>
+                  <a:srgbClr val="000000"/>
+                </a:solidFill>
+                <a:latin typeface="Elektra Text Pro"/>
+                <a:ea typeface="DejaVu Sans"/>
+                <a:cs typeface="Arial" panose="020B0604020202020204" pitchFamily="34" charset="0"/>
+              </a:rPr>
+            </a:br>
+            <a:r>
+              <a:rPr lang="ru-RU" sz="1800" spc="-1" dirty="0">
+                <a:solidFill>
+                  <a:srgbClr val="000000"/>
+                </a:solidFill>
+                <a:latin typeface="Elektra Text Pro"/>
+                <a:ea typeface="DejaVu Sans"/>
+                <a:cs typeface="Arial" panose="020B0604020202020204" pitchFamily="34" charset="0"/>
+              </a:rPr>
+              <a:t>интервального повторения. Выполнены следующие задачи:</a:t>
+            </a:r>
+          </a:p>
+          <a:p>
+            <a:pPr>
+              <a:lnSpc>
+                <a:spcPct val="100000"/>
+              </a:lnSpc>
+            </a:pPr>
+            <a:r>
+              <a:rPr lang="ru-RU" sz="1800" spc="-1" dirty="0">
+                <a:solidFill>
+                  <a:srgbClr val="000000"/>
+                </a:solidFill>
+                <a:latin typeface="Elektra Text Pro"/>
+                <a:ea typeface="DejaVu Sans"/>
+                <a:cs typeface="Arial" panose="020B0604020202020204" pitchFamily="34" charset="0"/>
+              </a:rPr>
+              <a:t>Проведен анализ предметной области;</a:t>
+            </a:r>
+          </a:p>
+          <a:p>
+            <a:pPr>
+              <a:lnSpc>
+                <a:spcPct val="100000"/>
+              </a:lnSpc>
+            </a:pPr>
+            <a:r>
+              <a:rPr lang="ru-RU" sz="1800" spc="-1" dirty="0">
+                <a:solidFill>
+                  <a:srgbClr val="000000"/>
+                </a:solidFill>
+                <a:latin typeface="Elektra Text Pro"/>
+                <a:ea typeface="DejaVu Sans"/>
+                <a:cs typeface="Arial" panose="020B0604020202020204" pitchFamily="34" charset="0"/>
+              </a:rPr>
+              <a:t>Сделан обзор систем-аналогов в области обучения по системе </a:t>
+            </a:r>
+            <a:r>
+              <a:rPr lang="ru-RU" sz="1800" spc="-1" dirty="0" err="1">
+                <a:solidFill>
+                  <a:srgbClr val="000000"/>
+                </a:solidFill>
+                <a:latin typeface="Elektra Text Pro"/>
+                <a:ea typeface="DejaVu Sans"/>
+                <a:cs typeface="Arial" panose="020B0604020202020204" pitchFamily="34" charset="0"/>
+              </a:rPr>
+              <a:t>Лейтнера</a:t>
+            </a:r>
+            <a:r>
+              <a:rPr lang="ru-RU" sz="1800" spc="-1" dirty="0">
+                <a:solidFill>
+                  <a:srgbClr val="000000"/>
+                </a:solidFill>
+                <a:latin typeface="Elektra Text Pro"/>
+                <a:ea typeface="DejaVu Sans"/>
+                <a:cs typeface="Arial" panose="020B0604020202020204" pitchFamily="34" charset="0"/>
+              </a:rPr>
+              <a:t> с реализацией алгоритма интервального повторения;</a:t>
+            </a:r>
+          </a:p>
+          <a:p>
+            <a:pPr>
+              <a:lnSpc>
+                <a:spcPct val="100000"/>
+              </a:lnSpc>
+            </a:pPr>
+            <a:r>
+              <a:rPr lang="ru-RU" sz="1800" spc="-1" dirty="0">
+                <a:solidFill>
+                  <a:srgbClr val="000000"/>
+                </a:solidFill>
+                <a:latin typeface="Elektra Text Pro"/>
+                <a:ea typeface="DejaVu Sans"/>
+                <a:cs typeface="Arial" panose="020B0604020202020204" pitchFamily="34" charset="0"/>
+              </a:rPr>
+              <a:t>Изучены реализации алгоритма интервального повторения;</a:t>
+            </a:r>
+          </a:p>
+          <a:p>
+            <a:pPr>
+              <a:lnSpc>
+                <a:spcPct val="100000"/>
+              </a:lnSpc>
+            </a:pPr>
+            <a:r>
+              <a:rPr lang="ru-RU" sz="1800" spc="-1" dirty="0">
+                <a:solidFill>
+                  <a:srgbClr val="000000"/>
+                </a:solidFill>
+                <a:latin typeface="Elektra Text Pro"/>
+                <a:ea typeface="DejaVu Sans"/>
+                <a:cs typeface="Arial" panose="020B0604020202020204" pitchFamily="34" charset="0"/>
+              </a:rPr>
+              <a:t>Спроектирована </a:t>
+            </a:r>
+            <a:r>
+              <a:rPr lang="ru-RU" sz="1800" dirty="0"/>
+              <a:t>архитектура системы: определить основные модули, их взаимодействие и используемые технологии</a:t>
+            </a:r>
+            <a:r>
+              <a:rPr lang="ru-RU" sz="1800" spc="-1" dirty="0">
+                <a:solidFill>
+                  <a:srgbClr val="000000"/>
+                </a:solidFill>
+                <a:latin typeface="Elektra Text Pro"/>
+                <a:ea typeface="DejaVu Sans"/>
+                <a:cs typeface="Arial" panose="020B0604020202020204" pitchFamily="34" charset="0"/>
+              </a:rPr>
+              <a:t>;</a:t>
+            </a:r>
+          </a:p>
+          <a:p>
+            <a:pPr>
+              <a:lnSpc>
+                <a:spcPct val="100000"/>
+              </a:lnSpc>
+            </a:pPr>
+            <a:r>
+              <a:rPr lang="ru-RU" sz="1800" spc="-1" dirty="0">
+                <a:solidFill>
+                  <a:srgbClr val="000000"/>
+                </a:solidFill>
+                <a:latin typeface="Elektra Text Pro"/>
+                <a:ea typeface="DejaVu Sans"/>
+                <a:cs typeface="Arial" panose="020B0604020202020204" pitchFamily="34" charset="0"/>
+              </a:rPr>
+              <a:t>Разработано и реализовано информационное и программное обеспечение;</a:t>
+            </a:r>
+          </a:p>
+          <a:p>
+            <a:pPr>
+              <a:lnSpc>
+                <a:spcPct val="100000"/>
+              </a:lnSpc>
+            </a:pPr>
+            <a:r>
+              <a:rPr lang="ru-RU" sz="1800" spc="-1" dirty="0">
+                <a:solidFill>
+                  <a:srgbClr val="000000"/>
+                </a:solidFill>
+                <a:latin typeface="Elektra Text Pro"/>
+                <a:ea typeface="DejaVu Sans"/>
+                <a:cs typeface="Arial" panose="020B0604020202020204" pitchFamily="34" charset="0"/>
+              </a:rPr>
+              <a:t>Проведено тестирование и отладка разработанного веб-приложения.</a:t>
+            </a:r>
+          </a:p>
+          <a:p>
+            <a:pPr>
+              <a:lnSpc>
+                <a:spcPct val="100000"/>
+              </a:lnSpc>
+            </a:pPr>
+            <a:endParaRPr lang="ru-RU" sz="1800" spc="-1" dirty="0">
+              <a:solidFill>
+                <a:srgbClr val="000000"/>
+              </a:solidFill>
+              <a:latin typeface="Elektra Text Pro"/>
+              <a:ea typeface="DejaVu Sans"/>
+              <a:cs typeface="Arial" panose="020B0604020202020204" pitchFamily="34" charset="0"/>
+            </a:endParaRPr>
+          </a:p>
+        </p:txBody>
+      </p:sp>
+      <p:sp>
+        <p:nvSpPr>
+          <p:cNvPr id="9" name="TextBox 8"/>
+          <p:cNvSpPr txBox="1"/>
+          <p:nvPr/>
+        </p:nvSpPr>
+        <p:spPr>
+          <a:xfrm>
+            <a:off x="8100392" y="6165306"/>
+            <a:ext cx="772285" cy="369332"/>
+          </a:xfrm>
+          <a:prstGeom prst="rect">
+            <a:avLst/>
+          </a:prstGeom>
+          <a:noFill/>
+        </p:spPr>
+        <p:txBody>
+          <a:bodyPr wrap="square" rtlCol="0">
+            <a:spAutoFit/>
+          </a:bodyPr>
+          <a:lstStyle/>
+          <a:p>
+            <a:pPr algn="r"/>
+            <a:fld id="{249A5D52-88F9-4971-91E7-95B02B6DE201}" type="slidenum">
+              <a:rPr lang="ru-RU" smtClean="0"/>
+              <a:pPr algn="r"/>
+              <a:t>23</a:t>
+            </a:fld>
+            <a:r>
+              <a:rPr lang="ru-RU" dirty="0"/>
+              <a:t>/19</a:t>
+            </a:r>
+          </a:p>
+        </p:txBody>
+      </p:sp>
+      <p:sp>
+        <p:nvSpPr>
+          <p:cNvPr id="8" name="Объект 2"/>
+          <p:cNvSpPr txBox="1">
+            <a:spLocks/>
+          </p:cNvSpPr>
+          <p:nvPr/>
+        </p:nvSpPr>
+        <p:spPr>
+          <a:xfrm>
+            <a:off x="1894205" y="5551563"/>
+            <a:ext cx="5400598" cy="504056"/>
+          </a:xfrm>
+          <a:prstGeom prst="rect">
+            <a:avLst/>
+          </a:prstGeom>
+          <a:noFill/>
+        </p:spPr>
+        <p:txBody>
+          <a:bodyPr vert="horz" lIns="91440" tIns="45720" rIns="91440" bIns="45720" rtlCol="0" anchor="ctr" anchorCtr="0">
+            <a:normAutofit/>
+          </a:bodyPr>
+          <a:lstStyle>
+            <a:lvl1pPr marL="228600" indent="-228600" algn="l" defTabSz="914400" rtl="0" eaLnBrk="1" latinLnBrk="0" hangingPunct="1">
+              <a:lnSpc>
+                <a:spcPct val="90000"/>
+              </a:lnSpc>
+              <a:spcBef>
+                <a:spcPts val="1000"/>
+              </a:spcBef>
+              <a:buFont typeface="Arial" panose="020B0604020202020204" pitchFamily="34" charset="0"/>
+              <a:buChar char="•"/>
+              <a:defRPr sz="2800" kern="1200">
+                <a:solidFill>
+                  <a:schemeClr val="tx1"/>
+                </a:solidFill>
+                <a:latin typeface="+mn-lt"/>
+                <a:ea typeface="+mn-ea"/>
+                <a:cs typeface="+mn-cs"/>
+              </a:defRPr>
+            </a:lvl1pPr>
+            <a:lvl2pPr marL="685800" indent="-228600" algn="l" defTabSz="914400" rtl="0" eaLnBrk="1" latinLnBrk="0" hangingPunct="1">
+              <a:lnSpc>
+                <a:spcPct val="90000"/>
+              </a:lnSpc>
+              <a:spcBef>
+                <a:spcPts val="500"/>
+              </a:spcBef>
+              <a:buFont typeface="Arial" panose="020B0604020202020204" pitchFamily="34" charset="0"/>
+              <a:buChar char="•"/>
+              <a:defRPr sz="2400" kern="1200">
+                <a:solidFill>
+                  <a:schemeClr val="tx1"/>
+                </a:solidFill>
+                <a:latin typeface="+mn-lt"/>
+                <a:ea typeface="+mn-ea"/>
+                <a:cs typeface="+mn-cs"/>
+              </a:defRPr>
+            </a:lvl2pPr>
+            <a:lvl3pPr marL="1143000" indent="-228600" algn="l" defTabSz="914400" rtl="0" eaLnBrk="1" latinLnBrk="0" hangingPunct="1">
+              <a:lnSpc>
+                <a:spcPct val="90000"/>
+              </a:lnSpc>
+              <a:spcBef>
+                <a:spcPts val="500"/>
+              </a:spcBef>
+              <a:buFont typeface="Arial" panose="020B0604020202020204" pitchFamily="34" charset="0"/>
+              <a:buChar char="•"/>
+              <a:defRPr sz="2000" kern="1200">
+                <a:solidFill>
+                  <a:schemeClr val="tx1"/>
+                </a:solidFill>
+                <a:latin typeface="+mn-lt"/>
+                <a:ea typeface="+mn-ea"/>
+                <a:cs typeface="+mn-cs"/>
+              </a:defRPr>
+            </a:lvl3pPr>
+            <a:lvl4pPr marL="1600200" indent="-228600" algn="l" defTabSz="914400" rtl="0" eaLnBrk="1" latinLnBrk="0" hangingPunct="1">
+              <a:lnSpc>
+                <a:spcPct val="90000"/>
+              </a:lnSpc>
+              <a:spcBef>
+                <a:spcPts val="500"/>
+              </a:spcBef>
+              <a:buFont typeface="Arial" panose="020B0604020202020204" pitchFamily="34" charset="0"/>
+              <a:buChar char="•"/>
+              <a:defRPr sz="1800" kern="1200">
+                <a:solidFill>
+                  <a:schemeClr val="tx1"/>
+                </a:solidFill>
+                <a:latin typeface="+mn-lt"/>
+                <a:ea typeface="+mn-ea"/>
+                <a:cs typeface="+mn-cs"/>
+              </a:defRPr>
+            </a:lvl4pPr>
+            <a:lvl5pPr marL="2057400" indent="-228600" algn="l" defTabSz="914400" rtl="0" eaLnBrk="1" latinLnBrk="0" hangingPunct="1">
+              <a:lnSpc>
+                <a:spcPct val="90000"/>
+              </a:lnSpc>
+              <a:spcBef>
+                <a:spcPts val="500"/>
+              </a:spcBef>
+              <a:buFont typeface="Arial" panose="020B0604020202020204" pitchFamily="34" charset="0"/>
+              <a:buChar char="•"/>
+              <a:defRPr sz="1800" kern="1200">
+                <a:solidFill>
+                  <a:schemeClr val="tx1"/>
+                </a:solidFill>
+                <a:latin typeface="+mn-lt"/>
+                <a:ea typeface="+mn-ea"/>
+                <a:cs typeface="+mn-cs"/>
+              </a:defRPr>
+            </a:lvl5pPr>
+            <a:lvl6pPr marL="2514600" indent="-228600" algn="l" defTabSz="914400" rtl="0" eaLnBrk="1" latinLnBrk="0" hangingPunct="1">
+              <a:lnSpc>
+                <a:spcPct val="90000"/>
+              </a:lnSpc>
+              <a:spcBef>
+                <a:spcPts val="500"/>
+              </a:spcBef>
+              <a:buFont typeface="Arial" panose="020B0604020202020204" pitchFamily="34" charset="0"/>
+              <a:buChar char="•"/>
+              <a:defRPr sz="1800" kern="1200">
+                <a:solidFill>
+                  <a:schemeClr val="tx1"/>
+                </a:solidFill>
+                <a:latin typeface="+mn-lt"/>
+                <a:ea typeface="+mn-ea"/>
+                <a:cs typeface="+mn-cs"/>
+              </a:defRPr>
+            </a:lvl6pPr>
+            <a:lvl7pPr marL="2971800" indent="-228600" algn="l" defTabSz="914400" rtl="0" eaLnBrk="1" latinLnBrk="0" hangingPunct="1">
+              <a:lnSpc>
+                <a:spcPct val="90000"/>
+              </a:lnSpc>
+              <a:spcBef>
+                <a:spcPts val="500"/>
+              </a:spcBef>
+              <a:buFont typeface="Arial" panose="020B0604020202020204" pitchFamily="34" charset="0"/>
+              <a:buChar char="•"/>
+              <a:defRPr sz="1800" kern="1200">
+                <a:solidFill>
+                  <a:schemeClr val="tx1"/>
+                </a:solidFill>
+                <a:latin typeface="+mn-lt"/>
+                <a:ea typeface="+mn-ea"/>
+                <a:cs typeface="+mn-cs"/>
+              </a:defRPr>
+            </a:lvl7pPr>
+            <a:lvl8pPr marL="3429000" indent="-228600" algn="l" defTabSz="914400" rtl="0" eaLnBrk="1" latinLnBrk="0" hangingPunct="1">
+              <a:lnSpc>
+                <a:spcPct val="90000"/>
+              </a:lnSpc>
+              <a:spcBef>
+                <a:spcPts val="500"/>
+              </a:spcBef>
+              <a:buFont typeface="Arial" panose="020B0604020202020204" pitchFamily="34" charset="0"/>
+              <a:buChar char="•"/>
+              <a:defRPr sz="1800" kern="1200">
+                <a:solidFill>
+                  <a:schemeClr val="tx1"/>
+                </a:solidFill>
+                <a:latin typeface="+mn-lt"/>
+                <a:ea typeface="+mn-ea"/>
+                <a:cs typeface="+mn-cs"/>
+              </a:defRPr>
+            </a:lvl8pPr>
+            <a:lvl9pPr marL="3886200" indent="-228600" algn="l" defTabSz="914400" rtl="0" eaLnBrk="1" latinLnBrk="0" hangingPunct="1">
+              <a:lnSpc>
+                <a:spcPct val="90000"/>
+              </a:lnSpc>
+              <a:spcBef>
+                <a:spcPts val="500"/>
+              </a:spcBef>
+              <a:buFont typeface="Arial" panose="020B0604020202020204" pitchFamily="34" charset="0"/>
+              <a:buChar char="•"/>
+              <a:defRPr sz="1800" kern="1200">
+                <a:solidFill>
+                  <a:schemeClr val="tx1"/>
+                </a:solidFill>
+                <a:latin typeface="+mn-lt"/>
+                <a:ea typeface="+mn-ea"/>
+                <a:cs typeface="+mn-cs"/>
+              </a:defRPr>
+            </a:lvl9pPr>
+          </a:lstStyle>
+          <a:p>
+            <a:pPr marL="0" indent="0" algn="ctr">
+              <a:buNone/>
+            </a:pPr>
+            <a:r>
+              <a:rPr lang="ru-RU" sz="1800" b="1" dirty="0">
+                <a:solidFill>
+                  <a:schemeClr val="tx1">
+                    <a:lumMod val="95000"/>
+                    <a:lumOff val="5000"/>
+                  </a:schemeClr>
+                </a:solidFill>
+                <a:latin typeface="Elektra Text Pro" panose="02000503030000020004" pitchFamily="50" charset="-52"/>
+              </a:rPr>
+              <a:t>БЛАГОДАРЮ ЗА ВНИМАНИЕ!</a:t>
+            </a:r>
+          </a:p>
+        </p:txBody>
+      </p:sp>
+    </p:spTree>
+    <p:extLst>
+      <p:ext uri="{BB962C8B-B14F-4D97-AF65-F5344CB8AC3E}">
+        <p14:creationId xmlns:p14="http://schemas.microsoft.com/office/powerpoint/2010/main" val="3348837"/>
+      </p:ext>
+    </p:extLst>
+  </p:cSld>
+  <p:clrMapOvr>
+    <a:masterClrMapping/>
+  </p:clrMapOvr>
+</p:sld>
+</file>
+
 <file path=ppt/slides/slide3.xml><?xml version="1.0" encoding="utf-8"?>
 <p:sld xmlns:a="http://schemas.openxmlformats.org/drawingml/2006/main" xmlns:r="http://schemas.openxmlformats.org/officeDocument/2006/relationships" xmlns:p="http://schemas.openxmlformats.org/presentationml/2006/main">
   <p:cSld>
@@ -10662,10 +14339,6 @@
             </a:endParaRPr>
           </a:p>
           <a:p>
-            <a:pPr>
-              <a:buFontTx/>
-              <a:buChar char="-"/>
-            </a:pPr>
             <a:r>
               <a:rPr lang="ru-RU" sz="1600" dirty="0">
                 <a:latin typeface="Elektra Text Pro" panose="02000503030000020004"/>
@@ -10685,10 +14358,6 @@
             </a:endParaRPr>
           </a:p>
           <a:p>
-            <a:pPr>
-              <a:buFontTx/>
-              <a:buChar char="-"/>
-            </a:pPr>
             <a:r>
               <a:rPr lang="ru-RU" sz="1600" dirty="0">
                 <a:latin typeface="Elektra Text Pro" panose="02000503030000020004"/>
@@ -10700,19 +14369,11 @@
             </a:endParaRPr>
           </a:p>
           <a:p>
-            <a:pPr>
-              <a:buFontTx/>
-              <a:buChar char="-"/>
-            </a:pPr>
             <a:endParaRPr lang="ru-RU" sz="1600" dirty="0">
               <a:latin typeface="Elektra Text Pro" panose="02000503030000020004"/>
             </a:endParaRPr>
           </a:p>
           <a:p>
-            <a:pPr>
-              <a:buFontTx/>
-              <a:buChar char="-"/>
-            </a:pPr>
             <a:r>
               <a:rPr lang="ru-RU" sz="1600" dirty="0">
                 <a:latin typeface="Elektra Text Pro" panose="02000503030000020004"/>
@@ -10724,19 +14385,11 @@
             </a:endParaRPr>
           </a:p>
           <a:p>
-            <a:pPr>
-              <a:buFontTx/>
-              <a:buChar char="-"/>
-            </a:pPr>
             <a:endParaRPr lang="ru-RU" sz="1600" dirty="0">
               <a:latin typeface="Elektra Text Pro" panose="02000503030000020004"/>
             </a:endParaRPr>
           </a:p>
           <a:p>
-            <a:pPr>
-              <a:buFontTx/>
-              <a:buChar char="-"/>
-            </a:pPr>
             <a:r>
               <a:rPr lang="ru-RU" sz="1600" dirty="0">
                 <a:latin typeface="Elektra Text Pro" panose="02000503030000020004"/>
@@ -10748,19 +14401,11 @@
             </a:endParaRPr>
           </a:p>
           <a:p>
-            <a:pPr>
-              <a:buFontTx/>
-              <a:buChar char="-"/>
-            </a:pPr>
             <a:endParaRPr lang="ru-RU" sz="1600" dirty="0">
               <a:latin typeface="Elektra Text Pro" panose="02000503030000020004"/>
             </a:endParaRPr>
           </a:p>
           <a:p>
-            <a:pPr>
-              <a:buFontTx/>
-              <a:buChar char="-"/>
-            </a:pPr>
             <a:r>
               <a:rPr lang="ru-RU" sz="1600" dirty="0">
                 <a:latin typeface="Elektra Text Pro" panose="02000503030000020004"/>
@@ -11155,6 +14800,7 @@
               <a:rPr lang="en-US" sz="1600" dirty="0"/>
               <a:t>:</a:t>
             </a:r>
+            <a:endParaRPr lang="ru-RU" sz="1600" dirty="0"/>
           </a:p>
           <a:p>
             <a:pPr marL="0" indent="0">
@@ -11163,20 +14809,12 @@
             <a:endParaRPr lang="en-US" sz="1600" dirty="0"/>
           </a:p>
           <a:p>
-            <a:pPr>
-              <a:buFontTx/>
-              <a:buChar char="-"/>
-            </a:pPr>
             <a:r>
               <a:rPr lang="ru-RU" sz="1600" dirty="0"/>
               <a:t>алгоритм интервального повторения</a:t>
             </a:r>
           </a:p>
           <a:p>
-            <a:pPr>
-              <a:buFontTx/>
-              <a:buChar char="-"/>
-            </a:pPr>
             <a:r>
               <a:rPr lang="ru-RU" sz="1600" dirty="0"/>
               <a:t>применение ЭВМ</a:t>
@@ -11184,10 +14822,6 @@
             <a:endParaRPr lang="en-US" sz="1600" dirty="0"/>
           </a:p>
           <a:p>
-            <a:pPr>
-              <a:buFontTx/>
-              <a:buChar char="-"/>
-            </a:pPr>
             <a:r>
               <a:rPr lang="en-US" sz="1600" dirty="0"/>
               <a:t>cloze-</a:t>
@@ -11199,10 +14833,6 @@
             <a:endParaRPr lang="en-US" sz="1600" dirty="0"/>
           </a:p>
           <a:p>
-            <a:pPr>
-              <a:buFontTx/>
-              <a:buChar char="-"/>
-            </a:pPr>
             <a:r>
               <a:rPr lang="ru-RU" sz="1600" dirty="0"/>
               <a:t>язык разметки </a:t>
@@ -11218,10 +14848,6 @@
             <a:endParaRPr lang="en-US" sz="1600" dirty="0"/>
           </a:p>
           <a:p>
-            <a:pPr>
-              <a:buFontTx/>
-              <a:buChar char="-"/>
-            </a:pPr>
             <a:r>
               <a:rPr lang="ru-RU" sz="1600" dirty="0"/>
               <a:t>формат веб-приложения</a:t>
@@ -11347,8 +14973,8 @@
         </p:nvSpPr>
         <p:spPr>
           <a:xfrm>
-            <a:off x="4860032" y="1077689"/>
-            <a:ext cx="3888432" cy="4308872"/>
+            <a:off x="4860032" y="1124745"/>
+            <a:ext cx="3888432" cy="4278094"/>
           </a:xfrm>
           <a:prstGeom prst="rect">
             <a:avLst/>
@@ -11375,8 +15001,8 @@
           </a:p>
           <a:p>
             <a:pPr marL="285750" indent="-285750">
-              <a:buFontTx/>
-              <a:buChar char="-"/>
+              <a:buFont typeface="Arial" panose="020B0604020202020204" pitchFamily="34" charset="0"/>
+              <a:buChar char="•"/>
             </a:pPr>
             <a:r>
               <a:rPr lang="ru-RU" sz="1600" dirty="0"/>
@@ -11386,15 +15012,15 @@
           </a:p>
           <a:p>
             <a:pPr marL="285750" indent="-285750">
-              <a:buFontTx/>
-              <a:buChar char="-"/>
+              <a:buFont typeface="Arial" panose="020B0604020202020204" pitchFamily="34" charset="0"/>
+              <a:buChar char="•"/>
             </a:pPr>
             <a:endParaRPr lang="ru-RU" sz="1600" dirty="0"/>
           </a:p>
           <a:p>
             <a:pPr marL="285750" indent="-285750">
-              <a:buFontTx/>
-              <a:buChar char="-"/>
+              <a:buFont typeface="Arial" panose="020B0604020202020204" pitchFamily="34" charset="0"/>
+              <a:buChar char="•"/>
             </a:pPr>
             <a:r>
               <a:rPr lang="ru-RU" sz="1600" dirty="0"/>
@@ -11404,15 +15030,15 @@
           </a:p>
           <a:p>
             <a:pPr marL="285750" indent="-285750">
-              <a:buFontTx/>
-              <a:buChar char="-"/>
+              <a:buFont typeface="Arial" panose="020B0604020202020204" pitchFamily="34" charset="0"/>
+              <a:buChar char="•"/>
             </a:pPr>
             <a:endParaRPr lang="ru-RU" sz="1600" dirty="0"/>
           </a:p>
           <a:p>
             <a:pPr marL="285750" indent="-285750">
-              <a:buFontTx/>
-              <a:buChar char="-"/>
+              <a:buFont typeface="Arial" panose="020B0604020202020204" pitchFamily="34" charset="0"/>
+              <a:buChar char="•"/>
             </a:pPr>
             <a:r>
               <a:rPr lang="ru-RU" sz="1600" dirty="0"/>
@@ -11422,15 +15048,15 @@
           </a:p>
           <a:p>
             <a:pPr marL="285750" indent="-285750">
-              <a:buFontTx/>
-              <a:buChar char="-"/>
+              <a:buFont typeface="Arial" panose="020B0604020202020204" pitchFamily="34" charset="0"/>
+              <a:buChar char="•"/>
             </a:pPr>
             <a:endParaRPr lang="ru-RU" sz="1600" dirty="0"/>
           </a:p>
           <a:p>
             <a:pPr marL="285750" indent="-285750">
-              <a:buFontTx/>
-              <a:buChar char="-"/>
+              <a:buFont typeface="Arial" panose="020B0604020202020204" pitchFamily="34" charset="0"/>
+              <a:buChar char="•"/>
             </a:pPr>
             <a:r>
               <a:rPr lang="ru-RU" sz="1600" dirty="0"/>
@@ -11648,8 +15274,8 @@
         </p:nvSpPr>
         <p:spPr>
           <a:xfrm>
-            <a:off x="395536" y="1163785"/>
-            <a:ext cx="8477140" cy="1977183"/>
+            <a:off x="251519" y="1163785"/>
+            <a:ext cx="3888433" cy="1617143"/>
           </a:xfrm>
         </p:spPr>
         <p:txBody>
@@ -11673,35 +15299,18 @@
               <a:rPr lang="ru-RU" sz="1600" b="1" dirty="0"/>
               <a:t>:</a:t>
             </a:r>
-          </a:p>
-          <a:p>
-            <a:pPr marL="0" indent="0">
-              <a:buNone/>
-            </a:pPr>
+            <a:endParaRPr lang="ru-RU" sz="1600" dirty="0"/>
+          </a:p>
+          <a:p>
             <a:r>
               <a:rPr lang="ru-RU" sz="1600" dirty="0"/>
-              <a:t>Методика интервального повторения на основе принципа разделения карточек по «ящикам».</a:t>
-            </a:r>
-          </a:p>
-          <a:p>
-            <a:pPr marL="0" indent="0">
-              <a:buNone/>
-            </a:pPr>
+              <a:t>верно вспомнил → карточка переходит в следующий ящик</a:t>
+            </a:r>
+          </a:p>
+          <a:p>
             <a:r>
               <a:rPr lang="ru-RU" sz="1600" dirty="0"/>
-              <a:t>Карточки перемещаются между ящиками в зависимости от успешности их воспроизведения:</a:t>
-            </a:r>
-          </a:p>
-          <a:p>
-            <a:r>
-              <a:rPr lang="ru-RU" sz="1600" dirty="0"/>
-              <a:t>верно вспомнил → карточка переходит в следующий ящик (увеличение интервала повторения);</a:t>
-            </a:r>
-          </a:p>
-          <a:p>
-            <a:r>
-              <a:rPr lang="ru-RU" sz="1600" dirty="0"/>
-              <a:t>ошибся → карточка возвращается в первый ящик (сокращение интервала).</a:t>
+              <a:t>ошибся → карточка возвращается в первый ящик</a:t>
             </a:r>
           </a:p>
         </p:txBody>
@@ -11724,8 +15333,8 @@
         </p:nvSpPr>
         <p:spPr>
           <a:xfrm>
-            <a:off x="395537" y="3194077"/>
-            <a:ext cx="4608511" cy="2683195"/>
+            <a:off x="4572002" y="1174395"/>
+            <a:ext cx="4300676" cy="2014525"/>
           </a:xfrm>
         </p:spPr>
         <p:txBody>
@@ -11745,18 +15354,12 @@
               <a:rPr lang="en-US" sz="1600" b="1" dirty="0"/>
               <a:t>:</a:t>
             </a:r>
-            <a:endParaRPr lang="ru-RU" sz="1600" b="1" dirty="0"/>
+            <a:endParaRPr lang="ru-RU" sz="1600" dirty="0"/>
           </a:p>
           <a:p>
             <a:r>
               <a:rPr lang="ru-RU" sz="1600" dirty="0"/>
-              <a:t>Запоминание с постепенно увеличивающимися интервалами эффективнее, чем частое повторение без перерывов.</a:t>
-            </a:r>
-          </a:p>
-          <a:p>
-            <a:r>
-              <a:rPr lang="ru-RU" sz="1600" dirty="0"/>
-              <a:t>Эффект распределения базируется на кривой забывания </a:t>
+              <a:t>Интервалы базируются на кривой забывания </a:t>
             </a:r>
             <a:r>
               <a:rPr lang="ru-RU" sz="1600" dirty="0" err="1"/>
@@ -11770,7 +15373,7 @@
           <a:p>
             <a:r>
               <a:rPr lang="ru-RU" sz="1600" dirty="0"/>
-              <a:t>Алгоритм автоматически регулирует интервалы повторений, фокусируясь на сложном материале и снижая нагрузку на память.</a:t>
+              <a:t>Алгоритм автоматически регулирует интервалы повторений.</a:t>
             </a:r>
           </a:p>
           <a:p>
@@ -11844,14 +15447,130 @@
         </p:blipFill>
         <p:spPr>
           <a:xfrm>
-            <a:off x="5004048" y="3517981"/>
-            <a:ext cx="3744415" cy="2246649"/>
+            <a:off x="123595" y="3004062"/>
+            <a:ext cx="3944348" cy="2366609"/>
           </a:xfrm>
           <a:prstGeom prst="rect">
             <a:avLst/>
           </a:prstGeom>
         </p:spPr>
       </p:pic>
+      <p:sp>
+        <p:nvSpPr>
+          <p:cNvPr id="3" name="TextBox 2">
+            <a:extLst>
+              <a:ext uri="{FF2B5EF4-FFF2-40B4-BE49-F238E27FC236}">
+                <a16:creationId xmlns:a16="http://schemas.microsoft.com/office/drawing/2014/main" id="{1E3D30D6-5B9D-484D-843C-59E8AAC04137}"/>
+              </a:ext>
+            </a:extLst>
+          </p:cNvPr>
+          <p:cNvSpPr txBox="1"/>
+          <p:nvPr/>
+        </p:nvSpPr>
+        <p:spPr>
+          <a:xfrm>
+            <a:off x="1198602" y="5374450"/>
+            <a:ext cx="1789464" cy="338554"/>
+          </a:xfrm>
+          <a:prstGeom prst="rect">
+            <a:avLst/>
+          </a:prstGeom>
+          <a:noFill/>
+        </p:spPr>
+        <p:txBody>
+          <a:bodyPr wrap="none" rtlCol="0">
+            <a:spAutoFit/>
+          </a:bodyPr>
+          <a:lstStyle/>
+          <a:p>
+            <a:r>
+              <a:rPr lang="ru-RU" sz="1600" dirty="0"/>
+              <a:t>Система </a:t>
+            </a:r>
+            <a:r>
+              <a:rPr lang="ru-RU" sz="1600" dirty="0" err="1"/>
+              <a:t>Лейтнера</a:t>
+            </a:r>
+            <a:endParaRPr lang="ru-RU" sz="1600" dirty="0"/>
+          </a:p>
+        </p:txBody>
+      </p:sp>
+      <p:pic>
+        <p:nvPicPr>
+          <p:cNvPr id="7" name="Рисунок 6">
+            <a:extLst>
+              <a:ext uri="{FF2B5EF4-FFF2-40B4-BE49-F238E27FC236}">
+                <a16:creationId xmlns:a16="http://schemas.microsoft.com/office/drawing/2014/main" id="{9ED616FD-4366-4941-BA6A-EECEBD0E9C29}"/>
+              </a:ext>
+            </a:extLst>
+          </p:cNvPr>
+          <p:cNvPicPr>
+            <a:picLocks noChangeAspect="1"/>
+          </p:cNvPicPr>
+          <p:nvPr/>
+        </p:nvPicPr>
+        <p:blipFill>
+          <a:blip r:embed="rId4" cstate="print">
+            <a:extLst>
+              <a:ext uri="{28A0092B-C50C-407E-A947-70E740481C1C}">
+                <a14:useLocalDpi xmlns:a14="http://schemas.microsoft.com/office/drawing/2010/main" val="0"/>
+              </a:ext>
+            </a:extLst>
+          </a:blip>
+          <a:stretch>
+            <a:fillRect/>
+          </a:stretch>
+        </p:blipFill>
+        <p:spPr>
+          <a:xfrm>
+            <a:off x="4139952" y="2852936"/>
+            <a:ext cx="4445061" cy="2521514"/>
+          </a:xfrm>
+          <a:prstGeom prst="rect">
+            <a:avLst/>
+          </a:prstGeom>
+        </p:spPr>
+      </p:pic>
+      <p:sp>
+        <p:nvSpPr>
+          <p:cNvPr id="10" name="TextBox 9">
+            <a:extLst>
+              <a:ext uri="{FF2B5EF4-FFF2-40B4-BE49-F238E27FC236}">
+                <a16:creationId xmlns:a16="http://schemas.microsoft.com/office/drawing/2014/main" id="{B2A59D02-13D3-4661-9654-DD3F32522340}"/>
+              </a:ext>
+            </a:extLst>
+          </p:cNvPr>
+          <p:cNvSpPr txBox="1"/>
+          <p:nvPr/>
+        </p:nvSpPr>
+        <p:spPr>
+          <a:xfrm>
+            <a:off x="4943017" y="5389839"/>
+            <a:ext cx="2837315" cy="338554"/>
+          </a:xfrm>
+          <a:prstGeom prst="rect">
+            <a:avLst/>
+          </a:prstGeom>
+          <a:noFill/>
+        </p:spPr>
+        <p:txBody>
+          <a:bodyPr wrap="none" rtlCol="0">
+            <a:spAutoFit/>
+          </a:bodyPr>
+          <a:lstStyle/>
+          <a:p>
+            <a:r>
+              <a:rPr lang="ru-RU" sz="1600" dirty="0"/>
+              <a:t>Кривая забывания </a:t>
+            </a:r>
+            <a:r>
+              <a:rPr lang="ru-RU" sz="1600" dirty="0" err="1"/>
+              <a:t>Эббингауза</a:t>
+            </a:r>
+            <a:endParaRPr lang="ru-RU" sz="1600" dirty="0"/>
+          </a:p>
+        </p:txBody>
+      </p:sp>
     </p:spTree>
     <p:extLst>
       <p:ext uri="{BB962C8B-B14F-4D97-AF65-F5344CB8AC3E}">

--- a/Презентация_Алёнушка_6401 — копия.pptx
+++ b/Презентация_Алёнушка_6401 — копия.pptx
@@ -274,7 +274,7 @@
           <a:p>
             <a:fld id="{77D36C68-DDAB-4D09-8E72-8E937BD7768C}" type="datetimeFigureOut">
               <a:rPr lang="ru-RU" smtClean="0"/>
-              <a:t>05.06.2025</a:t>
+              <a:t>17.06.2025</a:t>
             </a:fld>
             <a:endParaRPr lang="ru-RU"/>
           </a:p>
@@ -2702,7 +2702,7 @@
           <a:p>
             <a:fld id="{0CD2006A-6BE7-43E8-8AD6-C09FC266B36F}" type="datetime1">
               <a:rPr lang="ru-RU" smtClean="0"/>
-              <a:t>05.06.2025</a:t>
+              <a:t>17.06.2025</a:t>
             </a:fld>
             <a:endParaRPr lang="ru-RU"/>
           </a:p>
@@ -2872,7 +2872,7 @@
           <a:p>
             <a:fld id="{DCFD85EE-4AB9-42CD-8126-E74FE77A9ED8}" type="datetime1">
               <a:rPr lang="ru-RU" smtClean="0"/>
-              <a:t>05.06.2025</a:t>
+              <a:t>17.06.2025</a:t>
             </a:fld>
             <a:endParaRPr lang="ru-RU"/>
           </a:p>
@@ -3052,7 +3052,7 @@
           <a:p>
             <a:fld id="{560B916C-83BE-4CC1-8A21-D05CD30C43DB}" type="datetime1">
               <a:rPr lang="ru-RU" smtClean="0"/>
-              <a:t>05.06.2025</a:t>
+              <a:t>17.06.2025</a:t>
             </a:fld>
             <a:endParaRPr lang="ru-RU"/>
           </a:p>
@@ -3222,7 +3222,7 @@
           <a:p>
             <a:fld id="{D2E13183-B2A1-4784-80CE-65A33D52CB0B}" type="datetime1">
               <a:rPr lang="ru-RU" smtClean="0"/>
-              <a:t>05.06.2025</a:t>
+              <a:t>17.06.2025</a:t>
             </a:fld>
             <a:endParaRPr lang="ru-RU"/>
           </a:p>
@@ -3468,7 +3468,7 @@
           <a:p>
             <a:fld id="{DEA388E9-D2C3-4436-BFEE-5F0C2E0896FE}" type="datetime1">
               <a:rPr lang="ru-RU" smtClean="0"/>
-              <a:t>05.06.2025</a:t>
+              <a:t>17.06.2025</a:t>
             </a:fld>
             <a:endParaRPr lang="ru-RU"/>
           </a:p>
@@ -3700,7 +3700,7 @@
           <a:p>
             <a:fld id="{13A15BC7-66CE-44BA-84C4-ADF5D358A8E5}" type="datetime1">
               <a:rPr lang="ru-RU" smtClean="0"/>
-              <a:t>05.06.2025</a:t>
+              <a:t>17.06.2025</a:t>
             </a:fld>
             <a:endParaRPr lang="ru-RU"/>
           </a:p>
@@ -4067,7 +4067,7 @@
           <a:p>
             <a:fld id="{8C55F641-8A7B-48BB-9924-29525D09D843}" type="datetime1">
               <a:rPr lang="ru-RU" smtClean="0"/>
-              <a:t>05.06.2025</a:t>
+              <a:t>17.06.2025</a:t>
             </a:fld>
             <a:endParaRPr lang="ru-RU"/>
           </a:p>
@@ -4185,7 +4185,7 @@
           <a:p>
             <a:fld id="{28C4CC1A-CDB1-4CBC-83A8-3EB958439194}" type="datetime1">
               <a:rPr lang="ru-RU" smtClean="0"/>
-              <a:t>05.06.2025</a:t>
+              <a:t>17.06.2025</a:t>
             </a:fld>
             <a:endParaRPr lang="ru-RU"/>
           </a:p>
@@ -4313,7 +4313,7 @@
           <a:p>
             <a:fld id="{DCA5C5F1-78C0-4305-B0EC-8CEF047F6C93}" type="datetime1">
               <a:rPr lang="ru-RU" smtClean="0"/>
-              <a:t>05.06.2025</a:t>
+              <a:t>17.06.2025</a:t>
             </a:fld>
             <a:endParaRPr lang="ru-RU"/>
           </a:p>
@@ -4590,7 +4590,7 @@
           <a:p>
             <a:fld id="{8FF670FB-17C0-4434-90C8-A4668EF13565}" type="datetime1">
               <a:rPr lang="ru-RU" smtClean="0"/>
-              <a:t>05.06.2025</a:t>
+              <a:t>17.06.2025</a:t>
             </a:fld>
             <a:endParaRPr lang="ru-RU"/>
           </a:p>
@@ -4847,7 +4847,7 @@
           <a:p>
             <a:fld id="{5FA5D1FD-3FC4-47EA-B2EB-FF46800F6009}" type="datetime1">
               <a:rPr lang="ru-RU" smtClean="0"/>
-              <a:t>05.06.2025</a:t>
+              <a:t>17.06.2025</a:t>
             </a:fld>
             <a:endParaRPr lang="ru-RU"/>
           </a:p>
@@ -5063,7 +5063,7 @@
           <a:p>
             <a:fld id="{6C109404-ED28-47FE-9DC5-C6BCEA110D1D}" type="datetime1">
               <a:rPr lang="ru-RU" smtClean="0"/>
-              <a:t>05.06.2025</a:t>
+              <a:t>17.06.2025</a:t>
             </a:fld>
             <a:endParaRPr lang="ru-RU"/>
           </a:p>
@@ -6767,8 +6767,13 @@
             </a:fld>
             <a:r>
               <a:rPr lang="ru-RU" dirty="0"/>
-              <a:t>/21</a:t>
-            </a:r>
+              <a:t>/2</a:t>
+            </a:r>
+            <a:r>
+              <a:rPr lang="en-US" dirty="0"/>
+              <a:t>3</a:t>
+            </a:r>
+            <a:endParaRPr lang="ru-RU" dirty="0"/>
           </a:p>
         </p:txBody>
       </p:sp>
@@ -7501,8 +7506,13 @@
             </a:fld>
             <a:r>
               <a:rPr lang="ru-RU" dirty="0"/>
-              <a:t>/21</a:t>
-            </a:r>
+              <a:t>/2</a:t>
+            </a:r>
+            <a:r>
+              <a:rPr lang="en-US" dirty="0"/>
+              <a:t>3</a:t>
+            </a:r>
+            <a:endParaRPr lang="ru-RU" dirty="0"/>
           </a:p>
         </p:txBody>
       </p:sp>
@@ -8287,8 +8297,13 @@
             </a:fld>
             <a:r>
               <a:rPr lang="ru-RU" dirty="0"/>
-              <a:t>/21</a:t>
-            </a:r>
+              <a:t>/2</a:t>
+            </a:r>
+            <a:r>
+              <a:rPr lang="en-US" dirty="0"/>
+              <a:t>3</a:t>
+            </a:r>
+            <a:endParaRPr lang="ru-RU" dirty="0"/>
           </a:p>
         </p:txBody>
       </p:sp>
@@ -9125,8 +9140,13 @@
             </a:fld>
             <a:r>
               <a:rPr lang="ru-RU" dirty="0"/>
-              <a:t>/21</a:t>
-            </a:r>
+              <a:t>/</a:t>
+            </a:r>
+            <a:r>
+              <a:rPr lang="en-US" dirty="0"/>
+              <a:t>23</a:t>
+            </a:r>
+            <a:endParaRPr lang="ru-RU" dirty="0"/>
           </a:p>
         </p:txBody>
       </p:sp>
@@ -9753,8 +9773,13 @@
             </a:fld>
             <a:r>
               <a:rPr lang="ru-RU" dirty="0"/>
-              <a:t>/21</a:t>
-            </a:r>
+              <a:t>/2</a:t>
+            </a:r>
+            <a:r>
+              <a:rPr lang="en-US" dirty="0"/>
+              <a:t>3</a:t>
+            </a:r>
+            <a:endParaRPr lang="ru-RU" dirty="0"/>
           </a:p>
         </p:txBody>
       </p:sp>
@@ -10189,8 +10214,13 @@
             </a:fld>
             <a:r>
               <a:rPr lang="ru-RU" dirty="0"/>
-              <a:t>/21</a:t>
-            </a:r>
+              <a:t>/2</a:t>
+            </a:r>
+            <a:r>
+              <a:rPr lang="en-US" dirty="0"/>
+              <a:t>3</a:t>
+            </a:r>
+            <a:endParaRPr lang="ru-RU" dirty="0"/>
           </a:p>
         </p:txBody>
       </p:sp>
@@ -10519,8 +10549,13 @@
             </a:fld>
             <a:r>
               <a:rPr lang="ru-RU" dirty="0"/>
-              <a:t>/21</a:t>
-            </a:r>
+              <a:t>/2</a:t>
+            </a:r>
+            <a:r>
+              <a:rPr lang="en-US" dirty="0"/>
+              <a:t>3</a:t>
+            </a:r>
+            <a:endParaRPr lang="ru-RU" dirty="0"/>
           </a:p>
         </p:txBody>
       </p:sp>
@@ -11176,8 +11211,13 @@
             </a:fld>
             <a:r>
               <a:rPr lang="ru-RU" dirty="0"/>
-              <a:t>/21</a:t>
-            </a:r>
+              <a:t>/2</a:t>
+            </a:r>
+            <a:r>
+              <a:rPr lang="en-US" dirty="0"/>
+              <a:t>3</a:t>
+            </a:r>
+            <a:endParaRPr lang="ru-RU" dirty="0"/>
           </a:p>
         </p:txBody>
       </p:sp>
@@ -11461,8 +11501,13 @@
             </a:fld>
             <a:r>
               <a:rPr lang="ru-RU" dirty="0"/>
-              <a:t>/21</a:t>
-            </a:r>
+              <a:t>/2</a:t>
+            </a:r>
+            <a:r>
+              <a:rPr lang="en-US" dirty="0"/>
+              <a:t>3</a:t>
+            </a:r>
+            <a:endParaRPr lang="ru-RU" dirty="0"/>
           </a:p>
         </p:txBody>
       </p:sp>
@@ -11794,8 +11839,13 @@
             </a:fld>
             <a:r>
               <a:rPr lang="ru-RU" dirty="0"/>
-              <a:t>/21</a:t>
-            </a:r>
+              <a:t>/2</a:t>
+            </a:r>
+            <a:r>
+              <a:rPr lang="en-US" dirty="0"/>
+              <a:t>3</a:t>
+            </a:r>
+            <a:endParaRPr lang="ru-RU" dirty="0"/>
           </a:p>
         </p:txBody>
       </p:sp>
@@ -12261,8 +12311,13 @@
             </a:fld>
             <a:r>
               <a:rPr lang="ru-RU" dirty="0"/>
-              <a:t>/21</a:t>
-            </a:r>
+              <a:t>/2</a:t>
+            </a:r>
+            <a:r>
+              <a:rPr lang="en-US" dirty="0"/>
+              <a:t>3</a:t>
+            </a:r>
+            <a:endParaRPr lang="ru-RU" dirty="0"/>
           </a:p>
         </p:txBody>
       </p:sp>
@@ -12563,8 +12618,13 @@
             </a:fld>
             <a:r>
               <a:rPr lang="ru-RU" dirty="0"/>
-              <a:t>/21</a:t>
-            </a:r>
+              <a:t>/2</a:t>
+            </a:r>
+            <a:r>
+              <a:rPr lang="en-US" dirty="0"/>
+              <a:t>3</a:t>
+            </a:r>
+            <a:endParaRPr lang="ru-RU" dirty="0"/>
           </a:p>
         </p:txBody>
       </p:sp>
@@ -12926,8 +12986,13 @@
             </a:fld>
             <a:r>
               <a:rPr lang="ru-RU" dirty="0"/>
-              <a:t>/21</a:t>
-            </a:r>
+              <a:t>/2</a:t>
+            </a:r>
+            <a:r>
+              <a:rPr lang="en-US" dirty="0"/>
+              <a:t>3</a:t>
+            </a:r>
+            <a:endParaRPr lang="ru-RU" dirty="0"/>
           </a:p>
         </p:txBody>
       </p:sp>
@@ -13293,7 +13358,7 @@
             </a:r>
             <a:r>
               <a:rPr lang="en-US" dirty="0"/>
-              <a:t>21</a:t>
+              <a:t>23</a:t>
             </a:r>
             <a:endParaRPr lang="ru-RU" dirty="0"/>
           </a:p>
@@ -13931,8 +13996,13 @@
             </a:fld>
             <a:r>
               <a:rPr lang="ru-RU" dirty="0"/>
-              <a:t>/19</a:t>
-            </a:r>
+              <a:t>/</a:t>
+            </a:r>
+            <a:r>
+              <a:rPr lang="en-US" dirty="0"/>
+              <a:t>23</a:t>
+            </a:r>
+            <a:endParaRPr lang="ru-RU" dirty="0"/>
           </a:p>
         </p:txBody>
       </p:sp>
@@ -14310,7 +14380,7 @@
         </p:spPr>
         <p:txBody>
           <a:bodyPr>
-            <a:normAutofit lnSpcReduction="10000"/>
+            <a:normAutofit/>
           </a:bodyPr>
           <a:lstStyle/>
           <a:p>
@@ -14343,16 +14413,13 @@
               <a:rPr lang="ru-RU" sz="1600" dirty="0">
                 <a:latin typeface="Elektra Text Pro" panose="02000503030000020004"/>
               </a:rPr>
-              <a:t>сложность мониторинга степени усвоения предыдущих тем</a:t>
+              <a:t>сложность отслеживания знаний по предыдущим темам</a:t>
             </a:r>
             <a:endParaRPr lang="en-US" sz="1600" dirty="0">
               <a:latin typeface="Elektra Text Pro" panose="02000503030000020004"/>
             </a:endParaRPr>
           </a:p>
           <a:p>
-            <a:pPr marL="0" indent="0">
-              <a:buNone/>
-            </a:pPr>
             <a:endParaRPr lang="ru-RU" sz="1600" dirty="0">
               <a:latin typeface="Elektra Text Pro" panose="02000503030000020004"/>
             </a:endParaRPr>
@@ -14362,7 +14429,7 @@
               <a:rPr lang="ru-RU" sz="1600" dirty="0">
                 <a:latin typeface="Elektra Text Pro" panose="02000503030000020004"/>
               </a:rPr>
-              <a:t>сложность определения что ты понял и запомнил, а что нет</a:t>
+              <a:t>медленный процесс написания конспектов</a:t>
             </a:r>
             <a:endParaRPr lang="en-US" sz="1600" dirty="0">
               <a:latin typeface="Elektra Text Pro" panose="02000503030000020004"/>
@@ -14378,7 +14445,7 @@
               <a:rPr lang="ru-RU" sz="1600" dirty="0">
                 <a:latin typeface="Elektra Text Pro" panose="02000503030000020004"/>
               </a:rPr>
-              <a:t>медленный процесс создания конспектов</a:t>
+              <a:t>неэффективность простого перечитывания</a:t>
             </a:r>
             <a:endParaRPr lang="en-US" sz="1600" dirty="0">
               <a:latin typeface="Elektra Text Pro" panose="02000503030000020004"/>
@@ -14394,24 +14461,10 @@
               <a:rPr lang="ru-RU" sz="1600" dirty="0">
                 <a:latin typeface="Elektra Text Pro" panose="02000503030000020004"/>
               </a:rPr>
-              <a:t>неэффективность простого перечитывания всего подряд</a:t>
-            </a:r>
-            <a:endParaRPr lang="en-US" sz="1600" dirty="0">
-              <a:latin typeface="Elektra Text Pro" panose="02000503030000020004"/>
-            </a:endParaRPr>
-          </a:p>
-          <a:p>
-            <a:endParaRPr lang="ru-RU" sz="1600" dirty="0">
-              <a:latin typeface="Elektra Text Pro" panose="02000503030000020004"/>
-            </a:endParaRPr>
-          </a:p>
-          <a:p>
-            <a:r>
-              <a:rPr lang="ru-RU" sz="1600" dirty="0">
-                <a:latin typeface="Elektra Text Pro" panose="02000503030000020004"/>
-              </a:rPr>
-              <a:t>неясность как часто следует повторять материал</a:t>
-            </a:r>
+              <a:t>неэффективные интервалы между повторениями</a:t>
+            </a:r>
+          </a:p>
+          <a:p>
             <a:endParaRPr lang="en-US" sz="1600" dirty="0">
               <a:latin typeface="Elektra Text Pro" panose="02000503030000020004"/>
             </a:endParaRPr>
@@ -14460,8 +14513,13 @@
             <a:pPr algn="r"/>
             <a:r>
               <a:rPr lang="ru-RU" dirty="0"/>
-              <a:t>3/21</a:t>
-            </a:r>
+              <a:t>3/2</a:t>
+            </a:r>
+            <a:r>
+              <a:rPr lang="en-US" dirty="0"/>
+              <a:t>3</a:t>
+            </a:r>
+            <a:endParaRPr lang="ru-RU" dirty="0"/>
           </a:p>
         </p:txBody>
       </p:sp>
@@ -14885,8 +14943,13 @@
             </a:fld>
             <a:r>
               <a:rPr lang="ru-RU" dirty="0"/>
-              <a:t>/21</a:t>
-            </a:r>
+              <a:t>/2</a:t>
+            </a:r>
+            <a:r>
+              <a:rPr lang="en-US" dirty="0"/>
+              <a:t>3</a:t>
+            </a:r>
+            <a:endParaRPr lang="ru-RU" dirty="0"/>
           </a:p>
         </p:txBody>
       </p:sp>
@@ -15414,8 +15477,13 @@
             </a:fld>
             <a:r>
               <a:rPr lang="ru-RU" dirty="0"/>
-              <a:t>/21</a:t>
-            </a:r>
+              <a:t>/2</a:t>
+            </a:r>
+            <a:r>
+              <a:rPr lang="en-US" dirty="0"/>
+              <a:t>3</a:t>
+            </a:r>
+            <a:endParaRPr lang="ru-RU" dirty="0"/>
           </a:p>
         </p:txBody>
       </p:sp>
@@ -15884,8 +15952,13 @@
             </a:fld>
             <a:r>
               <a:rPr lang="ru-RU" dirty="0"/>
-              <a:t>/21</a:t>
-            </a:r>
+              <a:t>/2</a:t>
+            </a:r>
+            <a:r>
+              <a:rPr lang="en-US" dirty="0"/>
+              <a:t>3</a:t>
+            </a:r>
+            <a:endParaRPr lang="ru-RU" dirty="0"/>
           </a:p>
         </p:txBody>
       </p:sp>
@@ -16231,8 +16304,13 @@
             </a:fld>
             <a:r>
               <a:rPr lang="ru-RU" dirty="0"/>
-              <a:t>/21</a:t>
-            </a:r>
+              <a:t>/2</a:t>
+            </a:r>
+            <a:r>
+              <a:rPr lang="en-US" dirty="0"/>
+              <a:t>3</a:t>
+            </a:r>
+            <a:endParaRPr lang="ru-RU" dirty="0"/>
           </a:p>
         </p:txBody>
       </p:sp>
@@ -16733,8 +16811,13 @@
             </a:fld>
             <a:r>
               <a:rPr lang="ru-RU" dirty="0"/>
-              <a:t>/21</a:t>
-            </a:r>
+              <a:t>/2</a:t>
+            </a:r>
+            <a:r>
+              <a:rPr lang="en-US" dirty="0"/>
+              <a:t>3</a:t>
+            </a:r>
+            <a:endParaRPr lang="ru-RU" dirty="0"/>
           </a:p>
         </p:txBody>
       </p:sp>
@@ -17080,8 +17163,13 @@
             </a:fld>
             <a:r>
               <a:rPr lang="ru-RU" dirty="0"/>
-              <a:t>/21</a:t>
-            </a:r>
+              <a:t>/2</a:t>
+            </a:r>
+            <a:r>
+              <a:rPr lang="en-US" dirty="0"/>
+              <a:t>3</a:t>
+            </a:r>
+            <a:endParaRPr lang="ru-RU" dirty="0"/>
           </a:p>
         </p:txBody>
       </p:sp>
